--- a/gr2_lhj/상품신고페이지.pptx
+++ b/gr2_lhj/상품신고페이지.pptx
@@ -5,10 +5,11 @@
     <p:sldMasterId id="2147483648" r:id="rId1"/>
   </p:sldMasterIdLst>
   <p:notesMasterIdLst>
-    <p:notesMasterId r:id="rId3"/>
+    <p:notesMasterId r:id="rId4"/>
   </p:notesMasterIdLst>
   <p:sldIdLst>
     <p:sldId id="257" r:id="rId2"/>
+    <p:sldId id="258" r:id="rId3"/>
   </p:sldIdLst>
   <p:sldSz cx="12192000" cy="6858000"/>
   <p:notesSz cx="6858000" cy="9144000"/>
@@ -107,6 +108,11 @@
       </a:defRPr>
     </a:lvl9pPr>
   </p:defaultTextStyle>
+  <p:extLst>
+    <p:ext uri="{EFAFB233-063F-42B5-8137-9DF3F51BA10A}">
+      <p15:sldGuideLst xmlns:p15="http://schemas.microsoft.com/office/powerpoint/2012/main"/>
+    </p:ext>
+  </p:extLst>
 </p:presentation>
 </file>
 
@@ -577,6 +583,133 @@
     <p:extLst>
       <p:ext uri="{BB962C8B-B14F-4D97-AF65-F5344CB8AC3E}">
         <p14:creationId xmlns:p14="http://schemas.microsoft.com/office/powerpoint/2010/main" val="904104145"/>
+      </p:ext>
+    </p:extLst>
+  </p:cSld>
+  <p:clrMapOvr>
+    <a:masterClrMapping/>
+  </p:clrMapOvr>
+</p:notes>
+</file>
+
+<file path=ppt/notesSlides/notesSlide2.xml><?xml version="1.0" encoding="utf-8"?>
+<p:notes xmlns:a="http://schemas.openxmlformats.org/drawingml/2006/main" xmlns:r="http://schemas.openxmlformats.org/officeDocument/2006/relationships" xmlns:p="http://schemas.openxmlformats.org/presentationml/2006/main" showMasterSp="0" showMasterPhAnim="0">
+  <p:cSld>
+    <p:spTree>
+      <p:nvGrpSpPr>
+        <p:cNvPr id="1" name="Shape 87"/>
+        <p:cNvGrpSpPr/>
+        <p:nvPr/>
+      </p:nvGrpSpPr>
+      <p:grpSpPr>
+        <a:xfrm>
+          <a:off x="0" y="0"/>
+          <a:ext cx="0" cy="0"/>
+          <a:chOff x="0" y="0"/>
+          <a:chExt cx="0" cy="0"/>
+        </a:xfrm>
+      </p:grpSpPr>
+      <p:sp>
+        <p:nvSpPr>
+          <p:cNvPr id="88" name="Google Shape;88;g7c553259d1_0_3:notes"/>
+          <p:cNvSpPr txBox="1">
+            <a:spLocks noGrp="1"/>
+          </p:cNvSpPr>
+          <p:nvPr>
+            <p:ph type="body" idx="1"/>
+          </p:nvPr>
+        </p:nvSpPr>
+        <p:spPr>
+          <a:xfrm>
+            <a:off x="685800" y="4343400"/>
+            <a:ext cx="5486400" cy="4114800"/>
+          </a:xfrm>
+          <a:prstGeom prst="rect">
+            <a:avLst/>
+          </a:prstGeom>
+          <a:noFill/>
+          <a:ln>
+            <a:noFill/>
+          </a:ln>
+        </p:spPr>
+        <p:txBody>
+          <a:bodyPr spcFirstLastPara="1" wrap="square" lIns="91425" tIns="91425" rIns="91425" bIns="91425" anchor="t" anchorCtr="0">
+            <a:noAutofit/>
+          </a:bodyPr>
+          <a:lstStyle/>
+          <a:p>
+            <a:pPr marL="0" lvl="0" indent="0" algn="l" rtl="0">
+              <a:lnSpc>
+                <a:spcPct val="100000"/>
+              </a:lnSpc>
+              <a:spcBef>
+                <a:spcPts val="0"/>
+              </a:spcBef>
+              <a:spcAft>
+                <a:spcPts val="0"/>
+              </a:spcAft>
+              <a:buSzPts val="1100"/>
+              <a:buNone/>
+            </a:pPr>
+            <a:endParaRPr/>
+          </a:p>
+        </p:txBody>
+      </p:sp>
+      <p:sp>
+        <p:nvSpPr>
+          <p:cNvPr id="89" name="Google Shape;89;g7c553259d1_0_3:notes"/>
+          <p:cNvSpPr>
+            <a:spLocks noGrp="1" noRot="1" noChangeAspect="1"/>
+          </p:cNvSpPr>
+          <p:nvPr>
+            <p:ph type="sldImg" idx="2"/>
+          </p:nvPr>
+        </p:nvSpPr>
+        <p:spPr>
+          <a:xfrm>
+            <a:off x="382588" y="685800"/>
+            <a:ext cx="6094412" cy="3429000"/>
+          </a:xfrm>
+          <a:custGeom>
+            <a:avLst/>
+            <a:gdLst/>
+            <a:ahLst/>
+            <a:cxnLst/>
+            <a:rect l="l" t="t" r="r" b="b"/>
+            <a:pathLst>
+              <a:path w="120000" h="120000" extrusionOk="0">
+                <a:moveTo>
+                  <a:pt x="0" y="0"/>
+                </a:moveTo>
+                <a:lnTo>
+                  <a:pt x="120000" y="0"/>
+                </a:lnTo>
+                <a:lnTo>
+                  <a:pt x="120000" y="120000"/>
+                </a:lnTo>
+                <a:lnTo>
+                  <a:pt x="0" y="120000"/>
+                </a:lnTo>
+                <a:close/>
+              </a:path>
+            </a:pathLst>
+          </a:custGeom>
+          <a:noFill/>
+          <a:ln w="9525" cap="flat" cmpd="sng">
+            <a:solidFill>
+              <a:srgbClr val="000000"/>
+            </a:solidFill>
+            <a:prstDash val="solid"/>
+            <a:round/>
+            <a:headEnd type="none" w="sm" len="sm"/>
+            <a:tailEnd type="none" w="sm" len="sm"/>
+          </a:ln>
+        </p:spPr>
+      </p:sp>
+    </p:spTree>
+    <p:extLst>
+      <p:ext uri="{BB962C8B-B14F-4D97-AF65-F5344CB8AC3E}">
+        <p14:creationId xmlns:p14="http://schemas.microsoft.com/office/powerpoint/2010/main" val="1330305420"/>
       </p:ext>
     </p:extLst>
   </p:cSld>
@@ -3807,7 +3940,7 @@
           <p:nvPr>
             <p:extLst>
               <p:ext uri="{D42A27DB-BD31-4B8C-83A1-F6EECF244321}">
-                <p14:modId xmlns:p14="http://schemas.microsoft.com/office/powerpoint/2010/main" val="1475268196"/>
+                <p14:modId xmlns:p14="http://schemas.microsoft.com/office/powerpoint/2010/main" val="3479252245"/>
               </p:ext>
             </p:extLst>
           </p:nvPr>
@@ -5495,12 +5628,24 @@
         </p:blipFill>
         <p:spPr>
           <a:xfrm>
-            <a:off x="1165307" y="2573443"/>
+            <a:off x="1243973" y="2446316"/>
             <a:ext cx="4629382" cy="602599"/>
           </a:xfrm>
           <a:prstGeom prst="rect">
             <a:avLst/>
           </a:prstGeom>
+          <a:ln w="38100" cap="sq">
+            <a:noFill/>
+            <a:prstDash val="solid"/>
+            <a:miter lim="800000"/>
+          </a:ln>
+          <a:effectLst>
+            <a:outerShdw blurRad="50800" dist="38100" dir="2700000" algn="tl" rotWithShape="0">
+              <a:srgbClr val="000000">
+                <a:alpha val="43000"/>
+              </a:srgbClr>
+            </a:outerShdw>
+          </a:effectLst>
         </p:spPr>
       </p:pic>
       <p:pic>
@@ -5531,12 +5676,28 @@
         </p:blipFill>
         <p:spPr>
           <a:xfrm>
-            <a:off x="1190120" y="3816091"/>
+            <a:off x="1352496" y="3677638"/>
             <a:ext cx="4432467" cy="1767586"/>
           </a:xfrm>
           <a:prstGeom prst="rect">
             <a:avLst/>
           </a:prstGeom>
+          <a:solidFill>
+            <a:srgbClr val="FFFFFF">
+              <a:shade val="85000"/>
+            </a:srgbClr>
+          </a:solidFill>
+          <a:ln w="88900" cap="sq">
+            <a:noFill/>
+            <a:miter lim="800000"/>
+          </a:ln>
+          <a:effectLst>
+            <a:outerShdw blurRad="55000" dist="18000" dir="5400000" algn="tl" rotWithShape="0">
+              <a:srgbClr val="000000">
+                <a:alpha val="40000"/>
+              </a:srgbClr>
+            </a:outerShdw>
+          </a:effectLst>
         </p:spPr>
       </p:pic>
       <p:pic>
@@ -5579,6 +5740,1798 @@
     <p:extLst>
       <p:ext uri="{BB962C8B-B14F-4D97-AF65-F5344CB8AC3E}">
         <p14:creationId xmlns:p14="http://schemas.microsoft.com/office/powerpoint/2010/main" val="1538687124"/>
+      </p:ext>
+    </p:extLst>
+  </p:cSld>
+  <p:clrMapOvr>
+    <a:masterClrMapping/>
+  </p:clrMapOvr>
+</p:sld>
+</file>
+
+<file path=ppt/slides/slide2.xml><?xml version="1.0" encoding="utf-8"?>
+<p:sld xmlns:a="http://schemas.openxmlformats.org/drawingml/2006/main" xmlns:r="http://schemas.openxmlformats.org/officeDocument/2006/relationships" xmlns:p="http://schemas.openxmlformats.org/presentationml/2006/main">
+  <p:cSld>
+    <p:spTree>
+      <p:nvGrpSpPr>
+        <p:cNvPr id="1" name="Shape 90"/>
+        <p:cNvGrpSpPr/>
+        <p:nvPr/>
+      </p:nvGrpSpPr>
+      <p:grpSpPr>
+        <a:xfrm>
+          <a:off x="0" y="0"/>
+          <a:ext cx="0" cy="0"/>
+          <a:chOff x="0" y="0"/>
+          <a:chExt cx="0" cy="0"/>
+        </a:xfrm>
+      </p:grpSpPr>
+      <p:graphicFrame>
+        <p:nvGraphicFramePr>
+          <p:cNvPr id="92" name="Google Shape;92;g7c553259d1_0_3"/>
+          <p:cNvGraphicFramePr/>
+          <p:nvPr>
+            <p:extLst>
+              <p:ext uri="{D42A27DB-BD31-4B8C-83A1-F6EECF244321}">
+                <p14:modId xmlns:p14="http://schemas.microsoft.com/office/powerpoint/2010/main" val="2198146768"/>
+              </p:ext>
+            </p:extLst>
+          </p:nvPr>
+        </p:nvGraphicFramePr>
+        <p:xfrm>
+          <a:off x="131604" y="115759"/>
+          <a:ext cx="3693699" cy="960150"/>
+        </p:xfrm>
+        <a:graphic>
+          <a:graphicData uri="http://schemas.openxmlformats.org/drawingml/2006/table">
+            <a:tbl>
+              <a:tblPr firstRow="1" bandRow="1">
+                <a:noFill/>
+              </a:tblPr>
+              <a:tblGrid>
+                <a:gridCol w="1549025">
+                  <a:extLst>
+                    <a:ext uri="{9D8B030D-6E8A-4147-A177-3AD203B41FA5}">
+                      <a16:colId xmlns:a16="http://schemas.microsoft.com/office/drawing/2014/main" val="20000"/>
+                    </a:ext>
+                  </a:extLst>
+                </a:gridCol>
+                <a:gridCol w="2144674">
+                  <a:extLst>
+                    <a:ext uri="{9D8B030D-6E8A-4147-A177-3AD203B41FA5}">
+                      <a16:colId xmlns:a16="http://schemas.microsoft.com/office/drawing/2014/main" val="20001"/>
+                    </a:ext>
+                  </a:extLst>
+                </a:gridCol>
+              </a:tblGrid>
+              <a:tr h="271225">
+                <a:tc>
+                  <a:txBody>
+                    <a:bodyPr/>
+                    <a:lstStyle/>
+                    <a:p>
+                      <a:pPr marL="0" marR="0" lvl="0" indent="0" algn="ctr" rtl="0">
+                        <a:lnSpc>
+                          <a:spcPct val="100000"/>
+                        </a:lnSpc>
+                        <a:spcBef>
+                          <a:spcPts val="0"/>
+                        </a:spcBef>
+                        <a:spcAft>
+                          <a:spcPts val="0"/>
+                        </a:spcAft>
+                        <a:buClr>
+                          <a:srgbClr val="000000"/>
+                        </a:buClr>
+                        <a:buSzPts val="1500"/>
+                        <a:buFont typeface="Arial"/>
+                        <a:buNone/>
+                      </a:pPr>
+                      <a:r>
+                        <a:rPr lang="ko-KR" sz="1500" b="0" u="none" strike="noStrike" cap="none" dirty="0">
+                          <a:solidFill>
+                            <a:schemeClr val="dk1"/>
+                          </a:solidFill>
+                        </a:rPr>
+                        <a:t>화면코드</a:t>
+                      </a:r>
+                      <a:endParaRPr sz="1500" b="0" u="none" strike="noStrike" cap="none" dirty="0">
+                        <a:solidFill>
+                          <a:schemeClr val="dk1"/>
+                        </a:solidFill>
+                      </a:endParaRPr>
+                    </a:p>
+                  </a:txBody>
+                  <a:tcPr marL="91451" marR="91451" marT="45725" marB="45725" anchor="ctr">
+                    <a:lnL w="12700" cap="flat" cmpd="sng">
+                      <a:solidFill>
+                        <a:schemeClr val="dk1"/>
+                      </a:solidFill>
+                      <a:prstDash val="solid"/>
+                      <a:round/>
+                      <a:headEnd type="none" w="sm" len="sm"/>
+                      <a:tailEnd type="none" w="sm" len="sm"/>
+                    </a:lnL>
+                    <a:lnR w="12700" cap="flat" cmpd="sng">
+                      <a:solidFill>
+                        <a:schemeClr val="dk1"/>
+                      </a:solidFill>
+                      <a:prstDash val="solid"/>
+                      <a:round/>
+                      <a:headEnd type="none" w="sm" len="sm"/>
+                      <a:tailEnd type="none" w="sm" len="sm"/>
+                    </a:lnR>
+                    <a:lnT w="12700" cap="flat" cmpd="sng">
+                      <a:solidFill>
+                        <a:schemeClr val="dk1"/>
+                      </a:solidFill>
+                      <a:prstDash val="solid"/>
+                      <a:round/>
+                      <a:headEnd type="none" w="sm" len="sm"/>
+                      <a:tailEnd type="none" w="sm" len="sm"/>
+                    </a:lnT>
+                    <a:lnB w="12700" cap="flat" cmpd="sng">
+                      <a:solidFill>
+                        <a:schemeClr val="dk1"/>
+                      </a:solidFill>
+                      <a:prstDash val="solid"/>
+                      <a:round/>
+                      <a:headEnd type="none" w="sm" len="sm"/>
+                      <a:tailEnd type="none" w="sm" len="sm"/>
+                    </a:lnB>
+                    <a:solidFill>
+                      <a:srgbClr val="D8D8D8"/>
+                    </a:solidFill>
+                  </a:tcPr>
+                </a:tc>
+                <a:tc>
+                  <a:txBody>
+                    <a:bodyPr/>
+                    <a:lstStyle/>
+                    <a:p>
+                      <a:pPr marL="0" marR="0" lvl="0" indent="0" algn="ctr" rtl="0">
+                        <a:lnSpc>
+                          <a:spcPct val="100000"/>
+                        </a:lnSpc>
+                        <a:spcBef>
+                          <a:spcPts val="0"/>
+                        </a:spcBef>
+                        <a:spcAft>
+                          <a:spcPts val="0"/>
+                        </a:spcAft>
+                        <a:buClr>
+                          <a:srgbClr val="000000"/>
+                        </a:buClr>
+                        <a:buSzPts val="1500"/>
+                        <a:buFont typeface="Arial"/>
+                        <a:buNone/>
+                      </a:pPr>
+                      <a:endParaRPr sz="1100" b="0" u="none" strike="noStrike" cap="none" dirty="0">
+                        <a:solidFill>
+                          <a:schemeClr val="dk1"/>
+                        </a:solidFill>
+                      </a:endParaRPr>
+                    </a:p>
+                  </a:txBody>
+                  <a:tcPr marL="91451" marR="91451" marT="45725" marB="45725" anchor="ctr">
+                    <a:lnL w="12700" cap="flat" cmpd="sng">
+                      <a:solidFill>
+                        <a:schemeClr val="dk1"/>
+                      </a:solidFill>
+                      <a:prstDash val="solid"/>
+                      <a:round/>
+                      <a:headEnd type="none" w="sm" len="sm"/>
+                      <a:tailEnd type="none" w="sm" len="sm"/>
+                    </a:lnL>
+                    <a:lnR w="12700" cap="flat" cmpd="sng">
+                      <a:solidFill>
+                        <a:schemeClr val="dk1"/>
+                      </a:solidFill>
+                      <a:prstDash val="solid"/>
+                      <a:round/>
+                      <a:headEnd type="none" w="sm" len="sm"/>
+                      <a:tailEnd type="none" w="sm" len="sm"/>
+                    </a:lnR>
+                    <a:lnT w="12700" cap="flat" cmpd="sng">
+                      <a:solidFill>
+                        <a:schemeClr val="dk1"/>
+                      </a:solidFill>
+                      <a:prstDash val="solid"/>
+                      <a:round/>
+                      <a:headEnd type="none" w="sm" len="sm"/>
+                      <a:tailEnd type="none" w="sm" len="sm"/>
+                    </a:lnT>
+                    <a:lnB w="12700" cap="flat" cmpd="sng">
+                      <a:solidFill>
+                        <a:schemeClr val="dk1"/>
+                      </a:solidFill>
+                      <a:prstDash val="solid"/>
+                      <a:round/>
+                      <a:headEnd type="none" w="sm" len="sm"/>
+                      <a:tailEnd type="none" w="sm" len="sm"/>
+                    </a:lnB>
+                    <a:solidFill>
+                      <a:schemeClr val="lt1"/>
+                    </a:solidFill>
+                  </a:tcPr>
+                </a:tc>
+                <a:extLst>
+                  <a:ext uri="{0D108BD9-81ED-4DB2-BD59-A6C34878D82A}">
+                    <a16:rowId xmlns:a16="http://schemas.microsoft.com/office/drawing/2014/main" val="10000"/>
+                  </a:ext>
+                </a:extLst>
+              </a:tr>
+              <a:tr h="271225">
+                <a:tc rowSpan="2">
+                  <a:txBody>
+                    <a:bodyPr/>
+                    <a:lstStyle/>
+                    <a:p>
+                      <a:pPr marL="0" marR="0" lvl="0" indent="0" algn="ctr" rtl="0">
+                        <a:lnSpc>
+                          <a:spcPct val="100000"/>
+                        </a:lnSpc>
+                        <a:spcBef>
+                          <a:spcPts val="0"/>
+                        </a:spcBef>
+                        <a:spcAft>
+                          <a:spcPts val="0"/>
+                        </a:spcAft>
+                        <a:buClr>
+                          <a:srgbClr val="000000"/>
+                        </a:buClr>
+                        <a:buSzPts val="1500"/>
+                        <a:buFont typeface="Arial"/>
+                        <a:buNone/>
+                      </a:pPr>
+                      <a:r>
+                        <a:rPr lang="ko-KR" sz="1500" b="0" u="none" strike="noStrike" cap="none">
+                          <a:solidFill>
+                            <a:schemeClr val="dk1"/>
+                          </a:solidFill>
+                        </a:rPr>
+                        <a:t>화면명</a:t>
+                      </a:r>
+                      <a:endParaRPr sz="1500" b="0" u="none" strike="noStrike" cap="none">
+                        <a:solidFill>
+                          <a:schemeClr val="dk1"/>
+                        </a:solidFill>
+                      </a:endParaRPr>
+                    </a:p>
+                  </a:txBody>
+                  <a:tcPr marL="91451" marR="91451" marT="45725" marB="45725" anchor="ctr">
+                    <a:lnL w="12700" cap="flat" cmpd="sng">
+                      <a:solidFill>
+                        <a:schemeClr val="dk1"/>
+                      </a:solidFill>
+                      <a:prstDash val="solid"/>
+                      <a:round/>
+                      <a:headEnd type="none" w="sm" len="sm"/>
+                      <a:tailEnd type="none" w="sm" len="sm"/>
+                    </a:lnL>
+                    <a:lnR w="12700" cap="flat" cmpd="sng">
+                      <a:solidFill>
+                        <a:schemeClr val="dk1"/>
+                      </a:solidFill>
+                      <a:prstDash val="solid"/>
+                      <a:round/>
+                      <a:headEnd type="none" w="sm" len="sm"/>
+                      <a:tailEnd type="none" w="sm" len="sm"/>
+                    </a:lnR>
+                    <a:lnT w="12700" cap="flat" cmpd="sng">
+                      <a:solidFill>
+                        <a:schemeClr val="dk1"/>
+                      </a:solidFill>
+                      <a:prstDash val="solid"/>
+                      <a:round/>
+                      <a:headEnd type="none" w="sm" len="sm"/>
+                      <a:tailEnd type="none" w="sm" len="sm"/>
+                    </a:lnT>
+                    <a:lnB w="12700" cap="flat" cmpd="sng">
+                      <a:solidFill>
+                        <a:schemeClr val="dk1"/>
+                      </a:solidFill>
+                      <a:prstDash val="solid"/>
+                      <a:round/>
+                      <a:headEnd type="none" w="sm" len="sm"/>
+                      <a:tailEnd type="none" w="sm" len="sm"/>
+                    </a:lnB>
+                    <a:solidFill>
+                      <a:srgbClr val="D8D8D8"/>
+                    </a:solidFill>
+                  </a:tcPr>
+                </a:tc>
+                <a:tc>
+                  <a:txBody>
+                    <a:bodyPr/>
+                    <a:lstStyle/>
+                    <a:p>
+                      <a:pPr marL="0" marR="0" lvl="0" indent="0" algn="ctr" rtl="0">
+                        <a:lnSpc>
+                          <a:spcPct val="100000"/>
+                        </a:lnSpc>
+                        <a:spcBef>
+                          <a:spcPts val="0"/>
+                        </a:spcBef>
+                        <a:spcAft>
+                          <a:spcPts val="0"/>
+                        </a:spcAft>
+                        <a:buClr>
+                          <a:srgbClr val="000000"/>
+                        </a:buClr>
+                        <a:buSzPts val="1500"/>
+                        <a:buFont typeface="Arial"/>
+                        <a:buNone/>
+                      </a:pPr>
+                      <a:r>
+                        <a:rPr lang="ko-KR" altLang="en-US" sz="1500" b="0" u="none" strike="noStrike" cap="none" dirty="0">
+                          <a:solidFill>
+                            <a:schemeClr val="dk1"/>
+                          </a:solidFill>
+                        </a:rPr>
+                        <a:t>상품신고페이지</a:t>
+                      </a:r>
+                      <a:endParaRPr sz="1500" b="0" u="none" strike="noStrike" cap="none" dirty="0">
+                        <a:solidFill>
+                          <a:schemeClr val="dk1"/>
+                        </a:solidFill>
+                      </a:endParaRPr>
+                    </a:p>
+                  </a:txBody>
+                  <a:tcPr marL="91451" marR="91451" marT="45725" marB="45725" anchor="ctr">
+                    <a:lnL w="12700" cap="flat" cmpd="sng">
+                      <a:solidFill>
+                        <a:schemeClr val="dk1"/>
+                      </a:solidFill>
+                      <a:prstDash val="solid"/>
+                      <a:round/>
+                      <a:headEnd type="none" w="sm" len="sm"/>
+                      <a:tailEnd type="none" w="sm" len="sm"/>
+                    </a:lnL>
+                    <a:lnR w="12700" cap="flat" cmpd="sng">
+                      <a:solidFill>
+                        <a:schemeClr val="dk1"/>
+                      </a:solidFill>
+                      <a:prstDash val="solid"/>
+                      <a:round/>
+                      <a:headEnd type="none" w="sm" len="sm"/>
+                      <a:tailEnd type="none" w="sm" len="sm"/>
+                    </a:lnR>
+                    <a:lnT w="12700" cap="flat" cmpd="sng">
+                      <a:solidFill>
+                        <a:schemeClr val="dk1"/>
+                      </a:solidFill>
+                      <a:prstDash val="solid"/>
+                      <a:round/>
+                      <a:headEnd type="none" w="sm" len="sm"/>
+                      <a:tailEnd type="none" w="sm" len="sm"/>
+                    </a:lnT>
+                    <a:lnB w="12700" cap="flat" cmpd="sng">
+                      <a:solidFill>
+                        <a:schemeClr val="dk1"/>
+                      </a:solidFill>
+                      <a:prstDash val="solid"/>
+                      <a:round/>
+                      <a:headEnd type="none" w="sm" len="sm"/>
+                      <a:tailEnd type="none" w="sm" len="sm"/>
+                    </a:lnB>
+                    <a:solidFill>
+                      <a:schemeClr val="lt1"/>
+                    </a:solidFill>
+                  </a:tcPr>
+                </a:tc>
+                <a:extLst>
+                  <a:ext uri="{0D108BD9-81ED-4DB2-BD59-A6C34878D82A}">
+                    <a16:rowId xmlns:a16="http://schemas.microsoft.com/office/drawing/2014/main" val="10001"/>
+                  </a:ext>
+                </a:extLst>
+              </a:tr>
+              <a:tr h="271225">
+                <a:tc vMerge="1">
+                  <a:txBody>
+                    <a:bodyPr/>
+                    <a:lstStyle/>
+                    <a:p>
+                      <a:endParaRPr lang="ko-KR"/>
+                    </a:p>
+                  </a:txBody>
+                  <a:tcPr/>
+                </a:tc>
+                <a:tc>
+                  <a:txBody>
+                    <a:bodyPr/>
+                    <a:lstStyle/>
+                    <a:p>
+                      <a:pPr marL="0" marR="0" lvl="0" indent="0" algn="ctr" rtl="0">
+                        <a:lnSpc>
+                          <a:spcPct val="100000"/>
+                        </a:lnSpc>
+                        <a:spcBef>
+                          <a:spcPts val="0"/>
+                        </a:spcBef>
+                        <a:spcAft>
+                          <a:spcPts val="0"/>
+                        </a:spcAft>
+                        <a:buClr>
+                          <a:srgbClr val="000000"/>
+                        </a:buClr>
+                        <a:buSzPts val="1500"/>
+                        <a:buFont typeface="Arial"/>
+                        <a:buNone/>
+                      </a:pPr>
+                      <a:r>
+                        <a:rPr lang="ko-KR" altLang="en-US" sz="1500" b="0" u="none" strike="noStrike" cap="none" dirty="0">
+                          <a:solidFill>
+                            <a:schemeClr val="dk1"/>
+                          </a:solidFill>
+                        </a:rPr>
+                        <a:t>모바일</a:t>
+                      </a:r>
+                      <a:endParaRPr sz="1500" b="0" u="none" strike="noStrike" cap="none" dirty="0">
+                        <a:solidFill>
+                          <a:schemeClr val="dk1"/>
+                        </a:solidFill>
+                      </a:endParaRPr>
+                    </a:p>
+                  </a:txBody>
+                  <a:tcPr marL="91451" marR="91451" marT="45725" marB="45725" anchor="ctr">
+                    <a:lnL w="12700" cap="flat" cmpd="sng">
+                      <a:solidFill>
+                        <a:schemeClr val="dk1"/>
+                      </a:solidFill>
+                      <a:prstDash val="solid"/>
+                      <a:round/>
+                      <a:headEnd type="none" w="sm" len="sm"/>
+                      <a:tailEnd type="none" w="sm" len="sm"/>
+                    </a:lnL>
+                    <a:lnR w="12700" cap="flat" cmpd="sng">
+                      <a:solidFill>
+                        <a:schemeClr val="dk1"/>
+                      </a:solidFill>
+                      <a:prstDash val="solid"/>
+                      <a:round/>
+                      <a:headEnd type="none" w="sm" len="sm"/>
+                      <a:tailEnd type="none" w="sm" len="sm"/>
+                    </a:lnR>
+                    <a:lnT w="12700" cap="flat" cmpd="sng">
+                      <a:solidFill>
+                        <a:schemeClr val="dk1"/>
+                      </a:solidFill>
+                      <a:prstDash val="solid"/>
+                      <a:round/>
+                      <a:headEnd type="none" w="sm" len="sm"/>
+                      <a:tailEnd type="none" w="sm" len="sm"/>
+                    </a:lnT>
+                    <a:lnB w="12700" cap="flat" cmpd="sng">
+                      <a:solidFill>
+                        <a:schemeClr val="dk1"/>
+                      </a:solidFill>
+                      <a:prstDash val="solid"/>
+                      <a:round/>
+                      <a:headEnd type="none" w="sm" len="sm"/>
+                      <a:tailEnd type="none" w="sm" len="sm"/>
+                    </a:lnB>
+                    <a:solidFill>
+                      <a:schemeClr val="lt1"/>
+                    </a:solidFill>
+                  </a:tcPr>
+                </a:tc>
+                <a:extLst>
+                  <a:ext uri="{0D108BD9-81ED-4DB2-BD59-A6C34878D82A}">
+                    <a16:rowId xmlns:a16="http://schemas.microsoft.com/office/drawing/2014/main" val="10002"/>
+                  </a:ext>
+                </a:extLst>
+              </a:tr>
+            </a:tbl>
+          </a:graphicData>
+        </a:graphic>
+      </p:graphicFrame>
+      <p:graphicFrame>
+        <p:nvGraphicFramePr>
+          <p:cNvPr id="93" name="Google Shape;93;g7c553259d1_0_3"/>
+          <p:cNvGraphicFramePr/>
+          <p:nvPr/>
+        </p:nvGraphicFramePr>
+        <p:xfrm>
+          <a:off x="9309046" y="197403"/>
+          <a:ext cx="2815500" cy="320050"/>
+        </p:xfrm>
+        <a:graphic>
+          <a:graphicData uri="http://schemas.openxmlformats.org/drawingml/2006/table">
+            <a:tbl>
+              <a:tblPr firstRow="1" bandRow="1">
+                <a:noFill/>
+              </a:tblPr>
+              <a:tblGrid>
+                <a:gridCol w="1407750">
+                  <a:extLst>
+                    <a:ext uri="{9D8B030D-6E8A-4147-A177-3AD203B41FA5}">
+                      <a16:colId xmlns:a16="http://schemas.microsoft.com/office/drawing/2014/main" val="20000"/>
+                    </a:ext>
+                  </a:extLst>
+                </a:gridCol>
+                <a:gridCol w="1407750">
+                  <a:extLst>
+                    <a:ext uri="{9D8B030D-6E8A-4147-A177-3AD203B41FA5}">
+                      <a16:colId xmlns:a16="http://schemas.microsoft.com/office/drawing/2014/main" val="20001"/>
+                    </a:ext>
+                  </a:extLst>
+                </a:gridCol>
+              </a:tblGrid>
+              <a:tr h="265075">
+                <a:tc>
+                  <a:txBody>
+                    <a:bodyPr/>
+                    <a:lstStyle/>
+                    <a:p>
+                      <a:pPr marL="0" marR="0" lvl="0" indent="0" algn="ctr" rtl="0">
+                        <a:lnSpc>
+                          <a:spcPct val="100000"/>
+                        </a:lnSpc>
+                        <a:spcBef>
+                          <a:spcPts val="0"/>
+                        </a:spcBef>
+                        <a:spcAft>
+                          <a:spcPts val="0"/>
+                        </a:spcAft>
+                        <a:buClr>
+                          <a:srgbClr val="000000"/>
+                        </a:buClr>
+                        <a:buSzPts val="1500"/>
+                        <a:buFont typeface="Arial"/>
+                        <a:buNone/>
+                      </a:pPr>
+                      <a:r>
+                        <a:rPr lang="ko-KR" sz="1500" b="0" u="none" strike="noStrike" cap="none" dirty="0">
+                          <a:solidFill>
+                            <a:schemeClr val="dk1"/>
+                          </a:solidFill>
+                        </a:rPr>
+                        <a:t>화면 번호</a:t>
+                      </a:r>
+                      <a:endParaRPr sz="1500" b="0" u="none" strike="noStrike" cap="none" dirty="0">
+                        <a:solidFill>
+                          <a:schemeClr val="dk1"/>
+                        </a:solidFill>
+                      </a:endParaRPr>
+                    </a:p>
+                  </a:txBody>
+                  <a:tcPr marL="91451" marR="91451" marT="45725" marB="45725" anchor="ctr">
+                    <a:lnL w="12700" cap="flat" cmpd="sng">
+                      <a:solidFill>
+                        <a:schemeClr val="dk1"/>
+                      </a:solidFill>
+                      <a:prstDash val="solid"/>
+                      <a:round/>
+                      <a:headEnd type="none" w="sm" len="sm"/>
+                      <a:tailEnd type="none" w="sm" len="sm"/>
+                    </a:lnL>
+                    <a:lnR w="12700" cap="flat" cmpd="sng">
+                      <a:solidFill>
+                        <a:schemeClr val="dk1"/>
+                      </a:solidFill>
+                      <a:prstDash val="solid"/>
+                      <a:round/>
+                      <a:headEnd type="none" w="sm" len="sm"/>
+                      <a:tailEnd type="none" w="sm" len="sm"/>
+                    </a:lnR>
+                    <a:lnT w="12700" cap="flat" cmpd="sng">
+                      <a:solidFill>
+                        <a:schemeClr val="dk1"/>
+                      </a:solidFill>
+                      <a:prstDash val="solid"/>
+                      <a:round/>
+                      <a:headEnd type="none" w="sm" len="sm"/>
+                      <a:tailEnd type="none" w="sm" len="sm"/>
+                    </a:lnT>
+                    <a:lnB w="12700" cap="flat" cmpd="sng">
+                      <a:solidFill>
+                        <a:schemeClr val="dk1"/>
+                      </a:solidFill>
+                      <a:prstDash val="solid"/>
+                      <a:round/>
+                      <a:headEnd type="none" w="sm" len="sm"/>
+                      <a:tailEnd type="none" w="sm" len="sm"/>
+                    </a:lnB>
+                    <a:solidFill>
+                      <a:srgbClr val="D8D8D8"/>
+                    </a:solidFill>
+                  </a:tcPr>
+                </a:tc>
+                <a:tc>
+                  <a:txBody>
+                    <a:bodyPr/>
+                    <a:lstStyle/>
+                    <a:p>
+                      <a:pPr marL="0" marR="0" lvl="0" indent="0" algn="ctr" rtl="0">
+                        <a:lnSpc>
+                          <a:spcPct val="100000"/>
+                        </a:lnSpc>
+                        <a:spcBef>
+                          <a:spcPts val="0"/>
+                        </a:spcBef>
+                        <a:spcAft>
+                          <a:spcPts val="0"/>
+                        </a:spcAft>
+                        <a:buClr>
+                          <a:srgbClr val="000000"/>
+                        </a:buClr>
+                        <a:buSzPts val="1500"/>
+                        <a:buFont typeface="Arial"/>
+                        <a:buNone/>
+                      </a:pPr>
+                      <a:r>
+                        <a:rPr lang="en-US" sz="1500" b="0" u="none" strike="noStrike" cap="none" dirty="0">
+                          <a:solidFill>
+                            <a:schemeClr val="dk1"/>
+                          </a:solidFill>
+                        </a:rPr>
+                        <a:t>1</a:t>
+                      </a:r>
+                      <a:endParaRPr sz="1500" b="0" u="none" strike="noStrike" cap="none" dirty="0">
+                        <a:solidFill>
+                          <a:schemeClr val="dk1"/>
+                        </a:solidFill>
+                      </a:endParaRPr>
+                    </a:p>
+                  </a:txBody>
+                  <a:tcPr marL="91451" marR="91451" marT="45725" marB="45725" anchor="ctr">
+                    <a:lnL w="12700" cap="flat" cmpd="sng">
+                      <a:solidFill>
+                        <a:schemeClr val="dk1"/>
+                      </a:solidFill>
+                      <a:prstDash val="solid"/>
+                      <a:round/>
+                      <a:headEnd type="none" w="sm" len="sm"/>
+                      <a:tailEnd type="none" w="sm" len="sm"/>
+                    </a:lnL>
+                    <a:lnR w="12700" cap="flat" cmpd="sng">
+                      <a:solidFill>
+                        <a:schemeClr val="dk1"/>
+                      </a:solidFill>
+                      <a:prstDash val="solid"/>
+                      <a:round/>
+                      <a:headEnd type="none" w="sm" len="sm"/>
+                      <a:tailEnd type="none" w="sm" len="sm"/>
+                    </a:lnR>
+                    <a:lnT w="12700" cap="flat" cmpd="sng">
+                      <a:solidFill>
+                        <a:schemeClr val="dk1"/>
+                      </a:solidFill>
+                      <a:prstDash val="solid"/>
+                      <a:round/>
+                      <a:headEnd type="none" w="sm" len="sm"/>
+                      <a:tailEnd type="none" w="sm" len="sm"/>
+                    </a:lnT>
+                    <a:lnB w="12700" cap="flat" cmpd="sng">
+                      <a:solidFill>
+                        <a:schemeClr val="dk1"/>
+                      </a:solidFill>
+                      <a:prstDash val="solid"/>
+                      <a:round/>
+                      <a:headEnd type="none" w="sm" len="sm"/>
+                      <a:tailEnd type="none" w="sm" len="sm"/>
+                    </a:lnB>
+                    <a:solidFill>
+                      <a:schemeClr val="lt1"/>
+                    </a:solidFill>
+                  </a:tcPr>
+                </a:tc>
+                <a:extLst>
+                  <a:ext uri="{0D108BD9-81ED-4DB2-BD59-A6C34878D82A}">
+                    <a16:rowId xmlns:a16="http://schemas.microsoft.com/office/drawing/2014/main" val="10000"/>
+                  </a:ext>
+                </a:extLst>
+              </a:tr>
+            </a:tbl>
+          </a:graphicData>
+        </a:graphic>
+      </p:graphicFrame>
+      <p:graphicFrame>
+        <p:nvGraphicFramePr>
+          <p:cNvPr id="94" name="Google Shape;94;g7c553259d1_0_3"/>
+          <p:cNvGraphicFramePr/>
+          <p:nvPr/>
+        </p:nvGraphicFramePr>
+        <p:xfrm>
+          <a:off x="6200086" y="197403"/>
+          <a:ext cx="2815500" cy="320050"/>
+        </p:xfrm>
+        <a:graphic>
+          <a:graphicData uri="http://schemas.openxmlformats.org/drawingml/2006/table">
+            <a:tbl>
+              <a:tblPr firstRow="1" bandRow="1">
+                <a:noFill/>
+              </a:tblPr>
+              <a:tblGrid>
+                <a:gridCol w="1407750">
+                  <a:extLst>
+                    <a:ext uri="{9D8B030D-6E8A-4147-A177-3AD203B41FA5}">
+                      <a16:colId xmlns:a16="http://schemas.microsoft.com/office/drawing/2014/main" val="20000"/>
+                    </a:ext>
+                  </a:extLst>
+                </a:gridCol>
+                <a:gridCol w="1407750">
+                  <a:extLst>
+                    <a:ext uri="{9D8B030D-6E8A-4147-A177-3AD203B41FA5}">
+                      <a16:colId xmlns:a16="http://schemas.microsoft.com/office/drawing/2014/main" val="20001"/>
+                    </a:ext>
+                  </a:extLst>
+                </a:gridCol>
+              </a:tblGrid>
+              <a:tr h="265075">
+                <a:tc>
+                  <a:txBody>
+                    <a:bodyPr/>
+                    <a:lstStyle/>
+                    <a:p>
+                      <a:pPr marL="0" marR="0" lvl="0" indent="0" algn="ctr" rtl="0">
+                        <a:lnSpc>
+                          <a:spcPct val="100000"/>
+                        </a:lnSpc>
+                        <a:spcBef>
+                          <a:spcPts val="0"/>
+                        </a:spcBef>
+                        <a:spcAft>
+                          <a:spcPts val="0"/>
+                        </a:spcAft>
+                        <a:buClr>
+                          <a:srgbClr val="000000"/>
+                        </a:buClr>
+                        <a:buSzPts val="1500"/>
+                        <a:buFont typeface="Arial"/>
+                        <a:buNone/>
+                      </a:pPr>
+                      <a:r>
+                        <a:rPr lang="ko-KR" sz="1500" b="0" u="none" strike="noStrike" cap="none">
+                          <a:solidFill>
+                            <a:schemeClr val="dk1"/>
+                          </a:solidFill>
+                        </a:rPr>
+                        <a:t>프로젝트</a:t>
+                      </a:r>
+                      <a:endParaRPr sz="1500" b="0" u="none" strike="noStrike" cap="none">
+                        <a:solidFill>
+                          <a:schemeClr val="dk1"/>
+                        </a:solidFill>
+                      </a:endParaRPr>
+                    </a:p>
+                  </a:txBody>
+                  <a:tcPr marL="91451" marR="91451" marT="45725" marB="45725" anchor="ctr">
+                    <a:lnL w="12700" cap="flat" cmpd="sng">
+                      <a:solidFill>
+                        <a:schemeClr val="dk1"/>
+                      </a:solidFill>
+                      <a:prstDash val="solid"/>
+                      <a:round/>
+                      <a:headEnd type="none" w="sm" len="sm"/>
+                      <a:tailEnd type="none" w="sm" len="sm"/>
+                    </a:lnL>
+                    <a:lnR w="12700" cap="flat" cmpd="sng">
+                      <a:solidFill>
+                        <a:schemeClr val="dk1"/>
+                      </a:solidFill>
+                      <a:prstDash val="solid"/>
+                      <a:round/>
+                      <a:headEnd type="none" w="sm" len="sm"/>
+                      <a:tailEnd type="none" w="sm" len="sm"/>
+                    </a:lnR>
+                    <a:lnT w="12700" cap="flat" cmpd="sng">
+                      <a:solidFill>
+                        <a:schemeClr val="dk1"/>
+                      </a:solidFill>
+                      <a:prstDash val="solid"/>
+                      <a:round/>
+                      <a:headEnd type="none" w="sm" len="sm"/>
+                      <a:tailEnd type="none" w="sm" len="sm"/>
+                    </a:lnT>
+                    <a:lnB w="12700" cap="flat" cmpd="sng">
+                      <a:solidFill>
+                        <a:schemeClr val="dk1"/>
+                      </a:solidFill>
+                      <a:prstDash val="solid"/>
+                      <a:round/>
+                      <a:headEnd type="none" w="sm" len="sm"/>
+                      <a:tailEnd type="none" w="sm" len="sm"/>
+                    </a:lnB>
+                    <a:solidFill>
+                      <a:srgbClr val="D8D8D8"/>
+                    </a:solidFill>
+                  </a:tcPr>
+                </a:tc>
+                <a:tc>
+                  <a:txBody>
+                    <a:bodyPr/>
+                    <a:lstStyle/>
+                    <a:p>
+                      <a:pPr marL="0" marR="0" lvl="0" indent="0" algn="ctr" rtl="0">
+                        <a:lnSpc>
+                          <a:spcPct val="100000"/>
+                        </a:lnSpc>
+                        <a:spcBef>
+                          <a:spcPts val="0"/>
+                        </a:spcBef>
+                        <a:spcAft>
+                          <a:spcPts val="0"/>
+                        </a:spcAft>
+                        <a:buClr>
+                          <a:srgbClr val="000000"/>
+                        </a:buClr>
+                        <a:buSzPts val="1500"/>
+                        <a:buFont typeface="Arial"/>
+                        <a:buNone/>
+                      </a:pPr>
+                      <a:endParaRPr sz="1500" b="0" u="none" strike="noStrike" cap="none">
+                        <a:solidFill>
+                          <a:schemeClr val="dk1"/>
+                        </a:solidFill>
+                      </a:endParaRPr>
+                    </a:p>
+                  </a:txBody>
+                  <a:tcPr marL="91451" marR="91451" marT="45725" marB="45725" anchor="ctr">
+                    <a:lnL w="12700" cap="flat" cmpd="sng">
+                      <a:solidFill>
+                        <a:schemeClr val="dk1"/>
+                      </a:solidFill>
+                      <a:prstDash val="solid"/>
+                      <a:round/>
+                      <a:headEnd type="none" w="sm" len="sm"/>
+                      <a:tailEnd type="none" w="sm" len="sm"/>
+                    </a:lnL>
+                    <a:lnR w="12700" cap="flat" cmpd="sng">
+                      <a:solidFill>
+                        <a:schemeClr val="dk1"/>
+                      </a:solidFill>
+                      <a:prstDash val="solid"/>
+                      <a:round/>
+                      <a:headEnd type="none" w="sm" len="sm"/>
+                      <a:tailEnd type="none" w="sm" len="sm"/>
+                    </a:lnR>
+                    <a:lnT w="12700" cap="flat" cmpd="sng">
+                      <a:solidFill>
+                        <a:schemeClr val="dk1"/>
+                      </a:solidFill>
+                      <a:prstDash val="solid"/>
+                      <a:round/>
+                      <a:headEnd type="none" w="sm" len="sm"/>
+                      <a:tailEnd type="none" w="sm" len="sm"/>
+                    </a:lnT>
+                    <a:lnB w="12700" cap="flat" cmpd="sng">
+                      <a:solidFill>
+                        <a:schemeClr val="dk1"/>
+                      </a:solidFill>
+                      <a:prstDash val="solid"/>
+                      <a:round/>
+                      <a:headEnd type="none" w="sm" len="sm"/>
+                      <a:tailEnd type="none" w="sm" len="sm"/>
+                    </a:lnB>
+                    <a:solidFill>
+                      <a:schemeClr val="lt1"/>
+                    </a:solidFill>
+                  </a:tcPr>
+                </a:tc>
+                <a:extLst>
+                  <a:ext uri="{0D108BD9-81ED-4DB2-BD59-A6C34878D82A}">
+                    <a16:rowId xmlns:a16="http://schemas.microsoft.com/office/drawing/2014/main" val="10000"/>
+                  </a:ext>
+                </a:extLst>
+              </a:tr>
+            </a:tbl>
+          </a:graphicData>
+        </a:graphic>
+      </p:graphicFrame>
+      <p:graphicFrame>
+        <p:nvGraphicFramePr>
+          <p:cNvPr id="96" name="Google Shape;96;g7c553259d1_0_3"/>
+          <p:cNvGraphicFramePr/>
+          <p:nvPr>
+            <p:extLst>
+              <p:ext uri="{D42A27DB-BD31-4B8C-83A1-F6EECF244321}">
+                <p14:modId xmlns:p14="http://schemas.microsoft.com/office/powerpoint/2010/main" val="3165704735"/>
+              </p:ext>
+            </p:extLst>
+          </p:nvPr>
+        </p:nvGraphicFramePr>
+        <p:xfrm>
+          <a:off x="8843382" y="836712"/>
+          <a:ext cx="2952330" cy="2221148"/>
+        </p:xfrm>
+        <a:graphic>
+          <a:graphicData uri="http://schemas.openxmlformats.org/drawingml/2006/table">
+            <a:tbl>
+              <a:tblPr firstRow="1" bandRow="1">
+                <a:noFill/>
+              </a:tblPr>
+              <a:tblGrid>
+                <a:gridCol w="289755">
+                  <a:extLst>
+                    <a:ext uri="{9D8B030D-6E8A-4147-A177-3AD203B41FA5}">
+                      <a16:colId xmlns:a16="http://schemas.microsoft.com/office/drawing/2014/main" val="20000"/>
+                    </a:ext>
+                  </a:extLst>
+                </a:gridCol>
+                <a:gridCol w="2662575">
+                  <a:extLst>
+                    <a:ext uri="{9D8B030D-6E8A-4147-A177-3AD203B41FA5}">
+                      <a16:colId xmlns:a16="http://schemas.microsoft.com/office/drawing/2014/main" val="20001"/>
+                    </a:ext>
+                  </a:extLst>
+                </a:gridCol>
+              </a:tblGrid>
+              <a:tr h="286673">
+                <a:tc>
+                  <a:txBody>
+                    <a:bodyPr/>
+                    <a:lstStyle/>
+                    <a:p>
+                      <a:pPr marL="0" marR="0" lvl="0" indent="0" algn="ctr" rtl="0">
+                        <a:lnSpc>
+                          <a:spcPct val="100000"/>
+                        </a:lnSpc>
+                        <a:spcBef>
+                          <a:spcPts val="0"/>
+                        </a:spcBef>
+                        <a:spcAft>
+                          <a:spcPts val="0"/>
+                        </a:spcAft>
+                        <a:buClr>
+                          <a:srgbClr val="000000"/>
+                        </a:buClr>
+                        <a:buSzPts val="1500"/>
+                        <a:buFont typeface="Arial"/>
+                        <a:buNone/>
+                      </a:pPr>
+                      <a:r>
+                        <a:rPr lang="ko-KR" sz="1500" u="none" strike="noStrike" cap="none" dirty="0">
+                          <a:solidFill>
+                            <a:schemeClr val="dk1"/>
+                          </a:solidFill>
+                        </a:rPr>
+                        <a:t>#</a:t>
+                      </a:r>
+                      <a:endParaRPr sz="1500" u="none" strike="noStrike" cap="none" dirty="0">
+                        <a:solidFill>
+                          <a:schemeClr val="dk1"/>
+                        </a:solidFill>
+                      </a:endParaRPr>
+                    </a:p>
+                  </a:txBody>
+                  <a:tcPr marL="91451" marR="91451" marT="45725" marB="45725" anchor="ctr">
+                    <a:lnL w="12700" cap="flat" cmpd="sng">
+                      <a:solidFill>
+                        <a:schemeClr val="dk1"/>
+                      </a:solidFill>
+                      <a:prstDash val="solid"/>
+                      <a:round/>
+                      <a:headEnd type="none" w="sm" len="sm"/>
+                      <a:tailEnd type="none" w="sm" len="sm"/>
+                    </a:lnL>
+                    <a:lnR w="12700" cap="flat" cmpd="sng">
+                      <a:solidFill>
+                        <a:schemeClr val="dk1"/>
+                      </a:solidFill>
+                      <a:prstDash val="solid"/>
+                      <a:round/>
+                      <a:headEnd type="none" w="sm" len="sm"/>
+                      <a:tailEnd type="none" w="sm" len="sm"/>
+                    </a:lnR>
+                    <a:lnT w="12700" cap="flat" cmpd="sng">
+                      <a:solidFill>
+                        <a:schemeClr val="dk1"/>
+                      </a:solidFill>
+                      <a:prstDash val="solid"/>
+                      <a:round/>
+                      <a:headEnd type="none" w="sm" len="sm"/>
+                      <a:tailEnd type="none" w="sm" len="sm"/>
+                    </a:lnT>
+                    <a:lnB w="12700" cap="flat" cmpd="sng">
+                      <a:solidFill>
+                        <a:schemeClr val="dk1"/>
+                      </a:solidFill>
+                      <a:prstDash val="solid"/>
+                      <a:round/>
+                      <a:headEnd type="none" w="sm" len="sm"/>
+                      <a:tailEnd type="none" w="sm" len="sm"/>
+                    </a:lnB>
+                    <a:solidFill>
+                      <a:srgbClr val="D8D8D8"/>
+                    </a:solidFill>
+                  </a:tcPr>
+                </a:tc>
+                <a:tc>
+                  <a:txBody>
+                    <a:bodyPr/>
+                    <a:lstStyle/>
+                    <a:p>
+                      <a:pPr marL="0" marR="0" lvl="0" indent="0" algn="ctr" rtl="0">
+                        <a:lnSpc>
+                          <a:spcPct val="100000"/>
+                        </a:lnSpc>
+                        <a:spcBef>
+                          <a:spcPts val="0"/>
+                        </a:spcBef>
+                        <a:spcAft>
+                          <a:spcPts val="0"/>
+                        </a:spcAft>
+                        <a:buClr>
+                          <a:srgbClr val="000000"/>
+                        </a:buClr>
+                        <a:buSzPts val="1500"/>
+                        <a:buFont typeface="Arial"/>
+                        <a:buNone/>
+                      </a:pPr>
+                      <a:r>
+                        <a:rPr lang="ko-KR" sz="1500" u="none" strike="noStrike" cap="none" dirty="0" err="1">
+                          <a:solidFill>
+                            <a:schemeClr val="dk1"/>
+                          </a:solidFill>
+                        </a:rPr>
+                        <a:t>기능명</a:t>
+                      </a:r>
+                      <a:endParaRPr sz="1500" u="none" strike="noStrike" cap="none" dirty="0">
+                        <a:solidFill>
+                          <a:schemeClr val="dk1"/>
+                        </a:solidFill>
+                      </a:endParaRPr>
+                    </a:p>
+                  </a:txBody>
+                  <a:tcPr marL="91451" marR="91451" marT="45725" marB="45725" anchor="ctr">
+                    <a:lnL w="12700" cap="flat" cmpd="sng">
+                      <a:solidFill>
+                        <a:schemeClr val="dk1"/>
+                      </a:solidFill>
+                      <a:prstDash val="solid"/>
+                      <a:round/>
+                      <a:headEnd type="none" w="sm" len="sm"/>
+                      <a:tailEnd type="none" w="sm" len="sm"/>
+                    </a:lnL>
+                    <a:lnR w="12700" cap="flat" cmpd="sng">
+                      <a:solidFill>
+                        <a:schemeClr val="dk1"/>
+                      </a:solidFill>
+                      <a:prstDash val="solid"/>
+                      <a:round/>
+                      <a:headEnd type="none" w="sm" len="sm"/>
+                      <a:tailEnd type="none" w="sm" len="sm"/>
+                    </a:lnR>
+                    <a:lnT w="12700" cap="flat" cmpd="sng">
+                      <a:solidFill>
+                        <a:schemeClr val="dk1"/>
+                      </a:solidFill>
+                      <a:prstDash val="solid"/>
+                      <a:round/>
+                      <a:headEnd type="none" w="sm" len="sm"/>
+                      <a:tailEnd type="none" w="sm" len="sm"/>
+                    </a:lnT>
+                    <a:lnB w="12700" cap="flat" cmpd="sng">
+                      <a:solidFill>
+                        <a:schemeClr val="dk1"/>
+                      </a:solidFill>
+                      <a:prstDash val="solid"/>
+                      <a:round/>
+                      <a:headEnd type="none" w="sm" len="sm"/>
+                      <a:tailEnd type="none" w="sm" len="sm"/>
+                    </a:lnB>
+                    <a:solidFill>
+                      <a:srgbClr val="D8D8D8"/>
+                    </a:solidFill>
+                  </a:tcPr>
+                </a:tc>
+                <a:extLst>
+                  <a:ext uri="{0D108BD9-81ED-4DB2-BD59-A6C34878D82A}">
+                    <a16:rowId xmlns:a16="http://schemas.microsoft.com/office/drawing/2014/main" val="10000"/>
+                  </a:ext>
+                </a:extLst>
+              </a:tr>
+              <a:tr h="328022">
+                <a:tc>
+                  <a:txBody>
+                    <a:bodyPr/>
+                    <a:lstStyle/>
+                    <a:p>
+                      <a:pPr marL="0" marR="0" lvl="0" indent="0" algn="ctr" rtl="0">
+                        <a:lnSpc>
+                          <a:spcPct val="100000"/>
+                        </a:lnSpc>
+                        <a:spcBef>
+                          <a:spcPts val="0"/>
+                        </a:spcBef>
+                        <a:spcAft>
+                          <a:spcPts val="0"/>
+                        </a:spcAft>
+                        <a:buClr>
+                          <a:srgbClr val="000000"/>
+                        </a:buClr>
+                        <a:buSzPts val="1500"/>
+                        <a:buFont typeface="Arial"/>
+                        <a:buNone/>
+                      </a:pPr>
+                      <a:r>
+                        <a:rPr lang="ko-KR" sz="1500" u="none" strike="noStrike" cap="none">
+                          <a:solidFill>
+                            <a:schemeClr val="dk1"/>
+                          </a:solidFill>
+                        </a:rPr>
+                        <a:t>1</a:t>
+                      </a:r>
+                      <a:endParaRPr sz="1500" u="none" strike="noStrike" cap="none">
+                        <a:solidFill>
+                          <a:schemeClr val="dk1"/>
+                        </a:solidFill>
+                      </a:endParaRPr>
+                    </a:p>
+                  </a:txBody>
+                  <a:tcPr marL="91451" marR="91451" marT="45725" marB="45725" anchor="ctr">
+                    <a:lnL w="12700" cap="flat" cmpd="sng">
+                      <a:solidFill>
+                        <a:schemeClr val="dk1"/>
+                      </a:solidFill>
+                      <a:prstDash val="solid"/>
+                      <a:round/>
+                      <a:headEnd type="none" w="sm" len="sm"/>
+                      <a:tailEnd type="none" w="sm" len="sm"/>
+                    </a:lnL>
+                    <a:lnR w="12700" cap="flat" cmpd="sng">
+                      <a:solidFill>
+                        <a:schemeClr val="dk1"/>
+                      </a:solidFill>
+                      <a:prstDash val="solid"/>
+                      <a:round/>
+                      <a:headEnd type="none" w="sm" len="sm"/>
+                      <a:tailEnd type="none" w="sm" len="sm"/>
+                    </a:lnR>
+                    <a:lnT w="12700" cap="flat" cmpd="sng">
+                      <a:solidFill>
+                        <a:schemeClr val="dk1"/>
+                      </a:solidFill>
+                      <a:prstDash val="solid"/>
+                      <a:round/>
+                      <a:headEnd type="none" w="sm" len="sm"/>
+                      <a:tailEnd type="none" w="sm" len="sm"/>
+                    </a:lnT>
+                    <a:lnB w="12700" cap="flat" cmpd="sng">
+                      <a:solidFill>
+                        <a:schemeClr val="dk1"/>
+                      </a:solidFill>
+                      <a:prstDash val="solid"/>
+                      <a:round/>
+                      <a:headEnd type="none" w="sm" len="sm"/>
+                      <a:tailEnd type="none" w="sm" len="sm"/>
+                    </a:lnB>
+                    <a:solidFill>
+                      <a:schemeClr val="lt1"/>
+                    </a:solidFill>
+                  </a:tcPr>
+                </a:tc>
+                <a:tc>
+                  <a:txBody>
+                    <a:bodyPr/>
+                    <a:lstStyle/>
+                    <a:p>
+                      <a:pPr marL="133350" marR="0" lvl="0" indent="0" algn="l" rtl="0">
+                        <a:lnSpc>
+                          <a:spcPct val="100000"/>
+                        </a:lnSpc>
+                        <a:spcBef>
+                          <a:spcPts val="0"/>
+                        </a:spcBef>
+                        <a:spcAft>
+                          <a:spcPts val="0"/>
+                        </a:spcAft>
+                        <a:buClr>
+                          <a:srgbClr val="000000"/>
+                        </a:buClr>
+                        <a:buSzPts val="1500"/>
+                        <a:buFont typeface="Arial"/>
+                        <a:buNone/>
+                        <a:tabLst/>
+                      </a:pPr>
+                      <a:r>
+                        <a:rPr lang="ko-KR" altLang="en-US" sz="1300" b="0" u="none" strike="noStrike" cap="none" dirty="0" err="1"/>
+                        <a:t>신고카테고리</a:t>
+                      </a:r>
+                      <a:r>
+                        <a:rPr lang="ko-KR" altLang="en-US" sz="1300" b="0" u="none" strike="noStrike" cap="none" dirty="0"/>
+                        <a:t> 선택</a:t>
+                      </a:r>
+                      <a:endParaRPr lang="en-US" altLang="ko-KR" sz="1300" b="0" u="none" strike="noStrike" cap="none" dirty="0"/>
+                    </a:p>
+                    <a:p>
+                      <a:pPr marL="133350" marR="0" lvl="0" indent="0" algn="l" rtl="0">
+                        <a:lnSpc>
+                          <a:spcPct val="100000"/>
+                        </a:lnSpc>
+                        <a:spcBef>
+                          <a:spcPts val="0"/>
+                        </a:spcBef>
+                        <a:spcAft>
+                          <a:spcPts val="0"/>
+                        </a:spcAft>
+                        <a:buClr>
+                          <a:srgbClr val="000000"/>
+                        </a:buClr>
+                        <a:buSzPts val="1500"/>
+                        <a:buFont typeface="Arial"/>
+                        <a:buNone/>
+                        <a:tabLst/>
+                      </a:pPr>
+                      <a:r>
+                        <a:rPr lang="ko-KR" altLang="en-US" sz="1300" b="0" u="none" strike="noStrike" cap="none" dirty="0"/>
+                        <a:t>종류</a:t>
+                      </a:r>
+                      <a:r>
+                        <a:rPr lang="en-US" altLang="ko-KR" sz="1300" b="0" u="none" strike="noStrike" cap="none" dirty="0"/>
+                        <a:t>(</a:t>
+                      </a:r>
+                      <a:r>
+                        <a:rPr lang="ko-KR" altLang="en-US" sz="1300" b="0" u="none" strike="noStrike" cap="none" dirty="0"/>
+                        <a:t>광고</a:t>
+                      </a:r>
+                      <a:r>
+                        <a:rPr lang="en-US" altLang="ko-KR" sz="1300" b="0" u="none" strike="noStrike" cap="none" dirty="0"/>
+                        <a:t>, </a:t>
+                      </a:r>
+                      <a:r>
+                        <a:rPr lang="ko-KR" altLang="en-US" sz="1300" b="0" u="none" strike="noStrike" cap="none" dirty="0"/>
+                        <a:t>물품정보 부정확</a:t>
+                      </a:r>
+                      <a:r>
+                        <a:rPr lang="en-US" altLang="ko-KR" sz="1300" b="0" u="none" strike="noStrike" cap="none" dirty="0"/>
+                        <a:t>, </a:t>
+                      </a:r>
+                      <a:r>
+                        <a:rPr lang="ko-KR" altLang="en-US" sz="1300" b="0" u="none" strike="noStrike" cap="none" dirty="0"/>
+                        <a:t>거래 금지 품목</a:t>
+                      </a:r>
+                      <a:r>
+                        <a:rPr lang="en-US" altLang="ko-KR" sz="1300" b="0" u="none" strike="noStrike" cap="none" dirty="0"/>
+                        <a:t>, </a:t>
+                      </a:r>
+                      <a:r>
+                        <a:rPr lang="ko-KR" altLang="en-US" sz="1300" b="0" u="none" strike="noStrike" cap="none" dirty="0"/>
+                        <a:t>언어폭력</a:t>
+                      </a:r>
+                      <a:r>
+                        <a:rPr lang="en-US" altLang="ko-KR" sz="1300" b="0" u="none" strike="noStrike" cap="none" dirty="0"/>
+                        <a:t>, </a:t>
+                      </a:r>
+                      <a:r>
+                        <a:rPr lang="ko-KR" altLang="en-US" sz="1300" b="0" u="none" strike="noStrike" cap="none" dirty="0"/>
+                        <a:t>기타사유</a:t>
+                      </a:r>
+                      <a:r>
+                        <a:rPr lang="en-US" altLang="ko-KR" sz="1300" b="0" u="none" strike="noStrike" cap="none" dirty="0"/>
+                        <a:t>, </a:t>
+                      </a:r>
+                      <a:r>
+                        <a:rPr lang="ko-KR" altLang="en-US" sz="1300" b="0" u="none" strike="noStrike" cap="none" dirty="0"/>
+                        <a:t>기타 사유</a:t>
+                      </a:r>
+                      <a:r>
+                        <a:rPr lang="en-US" altLang="ko-KR" sz="1300" b="0" u="none" strike="noStrike" cap="none" dirty="0"/>
+                        <a:t>)</a:t>
+                      </a:r>
+                    </a:p>
+                    <a:p>
+                      <a:pPr marL="133350" marR="0" lvl="0" indent="0" algn="l" rtl="0">
+                        <a:lnSpc>
+                          <a:spcPct val="100000"/>
+                        </a:lnSpc>
+                        <a:spcBef>
+                          <a:spcPts val="0"/>
+                        </a:spcBef>
+                        <a:spcAft>
+                          <a:spcPts val="0"/>
+                        </a:spcAft>
+                        <a:buClr>
+                          <a:srgbClr val="000000"/>
+                        </a:buClr>
+                        <a:buSzPts val="1500"/>
+                        <a:buFont typeface="Arial"/>
+                        <a:buNone/>
+                        <a:tabLst/>
+                      </a:pPr>
+                      <a:r>
+                        <a:rPr lang="ko-KR" altLang="en-US" sz="1300" b="0" u="none" strike="noStrike" cap="none" dirty="0" err="1"/>
+                        <a:t>셀렉트</a:t>
+                      </a:r>
+                      <a:r>
+                        <a:rPr lang="ko-KR" altLang="en-US" sz="1300" b="0" u="none" strike="noStrike" cap="none" dirty="0"/>
+                        <a:t> 메뉴로 선택가능</a:t>
+                      </a:r>
+                      <a:r>
+                        <a:rPr lang="en-US" altLang="ko-KR" sz="1300" b="0" u="none" strike="noStrike" cap="none" dirty="0"/>
+                        <a:t>.</a:t>
+                      </a:r>
+                      <a:endParaRPr sz="1300" b="0" u="none" strike="noStrike" cap="none" dirty="0"/>
+                    </a:p>
+                  </a:txBody>
+                  <a:tcPr marL="91451" marR="91451" marT="45725" marB="45725">
+                    <a:lnL w="12700" cap="flat" cmpd="sng">
+                      <a:solidFill>
+                        <a:schemeClr val="dk1"/>
+                      </a:solidFill>
+                      <a:prstDash val="solid"/>
+                      <a:round/>
+                      <a:headEnd type="none" w="sm" len="sm"/>
+                      <a:tailEnd type="none" w="sm" len="sm"/>
+                    </a:lnL>
+                    <a:lnR w="12700" cap="flat" cmpd="sng">
+                      <a:solidFill>
+                        <a:schemeClr val="dk1"/>
+                      </a:solidFill>
+                      <a:prstDash val="solid"/>
+                      <a:round/>
+                      <a:headEnd type="none" w="sm" len="sm"/>
+                      <a:tailEnd type="none" w="sm" len="sm"/>
+                    </a:lnR>
+                    <a:lnT w="12700" cap="flat" cmpd="sng">
+                      <a:solidFill>
+                        <a:schemeClr val="dk1"/>
+                      </a:solidFill>
+                      <a:prstDash val="solid"/>
+                      <a:round/>
+                      <a:headEnd type="none" w="sm" len="sm"/>
+                      <a:tailEnd type="none" w="sm" len="sm"/>
+                    </a:lnT>
+                    <a:lnB w="12700" cap="flat" cmpd="sng">
+                      <a:solidFill>
+                        <a:schemeClr val="dk1"/>
+                      </a:solidFill>
+                      <a:prstDash val="solid"/>
+                      <a:round/>
+                      <a:headEnd type="none" w="sm" len="sm"/>
+                      <a:tailEnd type="none" w="sm" len="sm"/>
+                    </a:lnB>
+                    <a:solidFill>
+                      <a:schemeClr val="lt1"/>
+                    </a:solidFill>
+                  </a:tcPr>
+                </a:tc>
+                <a:extLst>
+                  <a:ext uri="{0D108BD9-81ED-4DB2-BD59-A6C34878D82A}">
+                    <a16:rowId xmlns:a16="http://schemas.microsoft.com/office/drawing/2014/main" val="10001"/>
+                  </a:ext>
+                </a:extLst>
+              </a:tr>
+              <a:tr h="819048">
+                <a:tc>
+                  <a:txBody>
+                    <a:bodyPr/>
+                    <a:lstStyle/>
+                    <a:p>
+                      <a:pPr marL="0" marR="0" lvl="0" indent="0" algn="ctr" rtl="0">
+                        <a:lnSpc>
+                          <a:spcPct val="100000"/>
+                        </a:lnSpc>
+                        <a:spcBef>
+                          <a:spcPts val="0"/>
+                        </a:spcBef>
+                        <a:spcAft>
+                          <a:spcPts val="0"/>
+                        </a:spcAft>
+                        <a:buClr>
+                          <a:srgbClr val="000000"/>
+                        </a:buClr>
+                        <a:buSzPts val="1500"/>
+                        <a:buFont typeface="Arial"/>
+                        <a:buNone/>
+                      </a:pPr>
+                      <a:r>
+                        <a:rPr lang="ko-KR" sz="1500" u="none" strike="noStrike" cap="none" dirty="0">
+                          <a:solidFill>
+                            <a:schemeClr val="dk1"/>
+                          </a:solidFill>
+                        </a:rPr>
+                        <a:t>2</a:t>
+                      </a:r>
+                      <a:endParaRPr sz="1500" u="none" strike="noStrike" cap="none" dirty="0">
+                        <a:solidFill>
+                          <a:schemeClr val="dk1"/>
+                        </a:solidFill>
+                      </a:endParaRPr>
+                    </a:p>
+                  </a:txBody>
+                  <a:tcPr marL="91451" marR="91451" marT="45725" marB="45725" anchor="ctr">
+                    <a:lnL w="12700" cap="flat" cmpd="sng">
+                      <a:solidFill>
+                        <a:schemeClr val="dk1"/>
+                      </a:solidFill>
+                      <a:prstDash val="solid"/>
+                      <a:round/>
+                      <a:headEnd type="none" w="sm" len="sm"/>
+                      <a:tailEnd type="none" w="sm" len="sm"/>
+                    </a:lnL>
+                    <a:lnR w="12700" cap="flat" cmpd="sng">
+                      <a:solidFill>
+                        <a:schemeClr val="dk1"/>
+                      </a:solidFill>
+                      <a:prstDash val="solid"/>
+                      <a:round/>
+                      <a:headEnd type="none" w="sm" len="sm"/>
+                      <a:tailEnd type="none" w="sm" len="sm"/>
+                    </a:lnR>
+                    <a:lnT w="12700" cap="flat" cmpd="sng">
+                      <a:solidFill>
+                        <a:schemeClr val="dk1"/>
+                      </a:solidFill>
+                      <a:prstDash val="solid"/>
+                      <a:round/>
+                      <a:headEnd type="none" w="sm" len="sm"/>
+                      <a:tailEnd type="none" w="sm" len="sm"/>
+                    </a:lnT>
+                    <a:lnB w="12700" cap="flat" cmpd="sng">
+                      <a:solidFill>
+                        <a:schemeClr val="dk1"/>
+                      </a:solidFill>
+                      <a:prstDash val="solid"/>
+                      <a:round/>
+                      <a:headEnd type="none" w="sm" len="sm"/>
+                      <a:tailEnd type="none" w="sm" len="sm"/>
+                    </a:lnB>
+                    <a:solidFill>
+                      <a:schemeClr val="lt1"/>
+                    </a:solidFill>
+                  </a:tcPr>
+                </a:tc>
+                <a:tc>
+                  <a:txBody>
+                    <a:bodyPr/>
+                    <a:lstStyle/>
+                    <a:p>
+                      <a:pPr marL="133350" marR="0" lvl="0" indent="0" algn="l" rtl="0">
+                        <a:lnSpc>
+                          <a:spcPct val="100000"/>
+                        </a:lnSpc>
+                        <a:spcBef>
+                          <a:spcPts val="0"/>
+                        </a:spcBef>
+                        <a:spcAft>
+                          <a:spcPts val="0"/>
+                        </a:spcAft>
+                        <a:buClr>
+                          <a:srgbClr val="000000"/>
+                        </a:buClr>
+                        <a:buSzPts val="1500"/>
+                        <a:buFont typeface="Arial"/>
+                        <a:buNone/>
+                      </a:pPr>
+                      <a:r>
+                        <a:rPr lang="ko-KR" altLang="en-US" sz="1300" b="0" u="none" strike="noStrike" cap="none" dirty="0"/>
+                        <a:t>상세내용 입력 후</a:t>
+                      </a:r>
+                      <a:r>
+                        <a:rPr lang="en-US" altLang="ko-KR" sz="1300" b="0" u="none" strike="noStrike" cap="none" dirty="0"/>
+                        <a:t>, </a:t>
+                      </a:r>
+                      <a:r>
+                        <a:rPr lang="ko-KR" altLang="en-US" sz="1300" b="0" u="none" strike="noStrike" cap="none" dirty="0"/>
+                        <a:t>우측 신고버튼을 누르면 신고가 완료됨</a:t>
+                      </a:r>
+                      <a:r>
+                        <a:rPr lang="en-US" altLang="ko-KR" sz="1300" b="0" u="none" strike="noStrike" cap="none" dirty="0"/>
+                        <a:t>.</a:t>
+                      </a:r>
+                    </a:p>
+                  </a:txBody>
+                  <a:tcPr marL="91451" marR="91451" marT="45725" marB="45725">
+                    <a:lnL w="12700" cap="flat" cmpd="sng">
+                      <a:solidFill>
+                        <a:schemeClr val="dk1"/>
+                      </a:solidFill>
+                      <a:prstDash val="solid"/>
+                      <a:round/>
+                      <a:headEnd type="none" w="sm" len="sm"/>
+                      <a:tailEnd type="none" w="sm" len="sm"/>
+                    </a:lnL>
+                    <a:lnR w="12700" cap="flat" cmpd="sng">
+                      <a:solidFill>
+                        <a:schemeClr val="dk1"/>
+                      </a:solidFill>
+                      <a:prstDash val="solid"/>
+                      <a:round/>
+                      <a:headEnd type="none" w="sm" len="sm"/>
+                      <a:tailEnd type="none" w="sm" len="sm"/>
+                    </a:lnR>
+                    <a:lnT w="12700" cap="flat" cmpd="sng">
+                      <a:solidFill>
+                        <a:schemeClr val="dk1"/>
+                      </a:solidFill>
+                      <a:prstDash val="solid"/>
+                      <a:round/>
+                      <a:headEnd type="none" w="sm" len="sm"/>
+                      <a:tailEnd type="none" w="sm" len="sm"/>
+                    </a:lnT>
+                    <a:lnB w="12700" cap="flat" cmpd="sng">
+                      <a:solidFill>
+                        <a:schemeClr val="dk1"/>
+                      </a:solidFill>
+                      <a:prstDash val="solid"/>
+                      <a:round/>
+                      <a:headEnd type="none" w="sm" len="sm"/>
+                      <a:tailEnd type="none" w="sm" len="sm"/>
+                    </a:lnB>
+                    <a:solidFill>
+                      <a:schemeClr val="lt1"/>
+                    </a:solidFill>
+                  </a:tcPr>
+                </a:tc>
+                <a:extLst>
+                  <a:ext uri="{0D108BD9-81ED-4DB2-BD59-A6C34878D82A}">
+                    <a16:rowId xmlns:a16="http://schemas.microsoft.com/office/drawing/2014/main" val="10002"/>
+                  </a:ext>
+                </a:extLst>
+              </a:tr>
+            </a:tbl>
+          </a:graphicData>
+        </a:graphic>
+      </p:graphicFrame>
+      <p:sp>
+        <p:nvSpPr>
+          <p:cNvPr id="6" name="직사각형 5"/>
+          <p:cNvSpPr/>
+          <p:nvPr/>
+        </p:nvSpPr>
+        <p:spPr>
+          <a:xfrm>
+            <a:off x="876293" y="2581906"/>
+            <a:ext cx="289014" cy="216024"/>
+          </a:xfrm>
+          <a:prstGeom prst="rect">
+            <a:avLst/>
+          </a:prstGeom>
+          <a:solidFill>
+            <a:srgbClr val="FF0000"/>
+          </a:solidFill>
+          <a:ln>
+            <a:solidFill>
+              <a:schemeClr val="tx1"/>
+            </a:solidFill>
+          </a:ln>
+        </p:spPr>
+        <p:style>
+          <a:lnRef idx="2">
+            <a:schemeClr val="accent1">
+              <a:shade val="50000"/>
+            </a:schemeClr>
+          </a:lnRef>
+          <a:fillRef idx="1">
+            <a:schemeClr val="accent1"/>
+          </a:fillRef>
+          <a:effectRef idx="0">
+            <a:schemeClr val="accent1"/>
+          </a:effectRef>
+          <a:fontRef idx="minor">
+            <a:schemeClr val="lt1"/>
+          </a:fontRef>
+        </p:style>
+        <p:txBody>
+          <a:bodyPr rtlCol="0" anchor="ctr"/>
+          <a:lstStyle/>
+          <a:p>
+            <a:pPr algn="ctr"/>
+            <a:r>
+              <a:rPr lang="en-US" altLang="ko-KR" sz="1200" dirty="0">
+                <a:solidFill>
+                  <a:schemeClr val="tx1"/>
+                </a:solidFill>
+              </a:rPr>
+              <a:t>1</a:t>
+            </a:r>
+            <a:endParaRPr lang="ko-KR" altLang="en-US" sz="1200" dirty="0">
+              <a:solidFill>
+                <a:schemeClr val="tx1"/>
+              </a:solidFill>
+            </a:endParaRPr>
+          </a:p>
+        </p:txBody>
+      </p:sp>
+      <p:sp>
+        <p:nvSpPr>
+          <p:cNvPr id="28" name="직사각형 27"/>
+          <p:cNvSpPr/>
+          <p:nvPr/>
+        </p:nvSpPr>
+        <p:spPr>
+          <a:xfrm>
+            <a:off x="881285" y="3509434"/>
+            <a:ext cx="289014" cy="216024"/>
+          </a:xfrm>
+          <a:prstGeom prst="rect">
+            <a:avLst/>
+          </a:prstGeom>
+          <a:solidFill>
+            <a:srgbClr val="FF0000"/>
+          </a:solidFill>
+          <a:ln>
+            <a:solidFill>
+              <a:schemeClr val="tx1"/>
+            </a:solidFill>
+          </a:ln>
+        </p:spPr>
+        <p:style>
+          <a:lnRef idx="2">
+            <a:schemeClr val="accent1">
+              <a:shade val="50000"/>
+            </a:schemeClr>
+          </a:lnRef>
+          <a:fillRef idx="1">
+            <a:schemeClr val="accent1"/>
+          </a:fillRef>
+          <a:effectRef idx="0">
+            <a:schemeClr val="accent1"/>
+          </a:effectRef>
+          <a:fontRef idx="minor">
+            <a:schemeClr val="lt1"/>
+          </a:fontRef>
+        </p:style>
+        <p:txBody>
+          <a:bodyPr rtlCol="0" anchor="ctr"/>
+          <a:lstStyle/>
+          <a:p>
+            <a:pPr algn="ctr"/>
+            <a:r>
+              <a:rPr lang="en-US" altLang="ko-KR" sz="1200" dirty="0">
+                <a:solidFill>
+                  <a:schemeClr val="tx1"/>
+                </a:solidFill>
+              </a:rPr>
+              <a:t>2</a:t>
+            </a:r>
+            <a:endParaRPr lang="ko-KR" altLang="en-US" sz="1200" dirty="0">
+              <a:solidFill>
+                <a:schemeClr val="tx1"/>
+              </a:solidFill>
+            </a:endParaRPr>
+          </a:p>
+        </p:txBody>
+      </p:sp>
+      <p:pic>
+        <p:nvPicPr>
+          <p:cNvPr id="3" name="그림 2">
+            <a:extLst>
+              <a:ext uri="{FF2B5EF4-FFF2-40B4-BE49-F238E27FC236}">
+                <a16:creationId xmlns:a16="http://schemas.microsoft.com/office/drawing/2014/main" id="{D861986D-8F39-4D33-833C-3FF60DDAD125}"/>
+              </a:ext>
+            </a:extLst>
+          </p:cNvPr>
+          <p:cNvPicPr>
+            <a:picLocks noChangeAspect="1"/>
+          </p:cNvPicPr>
+          <p:nvPr/>
+        </p:nvPicPr>
+        <p:blipFill>
+          <a:blip r:embed="rId3"/>
+          <a:stretch>
+            <a:fillRect/>
+          </a:stretch>
+        </p:blipFill>
+        <p:spPr>
+          <a:xfrm>
+            <a:off x="1281055" y="2108701"/>
+            <a:ext cx="4516630" cy="1162433"/>
+          </a:xfrm>
+          <a:prstGeom prst="rect">
+            <a:avLst/>
+          </a:prstGeom>
+        </p:spPr>
+      </p:pic>
+      <p:pic>
+        <p:nvPicPr>
+          <p:cNvPr id="7" name="그림 6">
+            <a:extLst>
+              <a:ext uri="{FF2B5EF4-FFF2-40B4-BE49-F238E27FC236}">
+                <a16:creationId xmlns:a16="http://schemas.microsoft.com/office/drawing/2014/main" id="{2527C53B-6075-4B7C-ADBE-4D93529C8FE6}"/>
+              </a:ext>
+            </a:extLst>
+          </p:cNvPr>
+          <p:cNvPicPr>
+            <a:picLocks noChangeAspect="1"/>
+          </p:cNvPicPr>
+          <p:nvPr/>
+        </p:nvPicPr>
+        <p:blipFill>
+          <a:blip r:embed="rId4"/>
+          <a:stretch>
+            <a:fillRect/>
+          </a:stretch>
+        </p:blipFill>
+        <p:spPr>
+          <a:xfrm>
+            <a:off x="1411495" y="3429000"/>
+            <a:ext cx="4386190" cy="2064853"/>
+          </a:xfrm>
+          <a:prstGeom prst="rect">
+            <a:avLst/>
+          </a:prstGeom>
+        </p:spPr>
+      </p:pic>
+      <p:pic>
+        <p:nvPicPr>
+          <p:cNvPr id="9" name="그림 8">
+            <a:extLst>
+              <a:ext uri="{FF2B5EF4-FFF2-40B4-BE49-F238E27FC236}">
+                <a16:creationId xmlns:a16="http://schemas.microsoft.com/office/drawing/2014/main" id="{915285E6-A348-42D4-82B1-E5D6FD69B4C7}"/>
+              </a:ext>
+            </a:extLst>
+          </p:cNvPr>
+          <p:cNvPicPr>
+            <a:picLocks noChangeAspect="1"/>
+          </p:cNvPicPr>
+          <p:nvPr/>
+        </p:nvPicPr>
+        <p:blipFill>
+          <a:blip r:embed="rId5"/>
+          <a:stretch>
+            <a:fillRect/>
+          </a:stretch>
+        </p:blipFill>
+        <p:spPr>
+          <a:xfrm>
+            <a:off x="1281055" y="1378819"/>
+            <a:ext cx="6467160" cy="900177"/>
+          </a:xfrm>
+          <a:prstGeom prst="rect">
+            <a:avLst/>
+          </a:prstGeom>
+        </p:spPr>
+      </p:pic>
+      <p:sp>
+        <p:nvSpPr>
+          <p:cNvPr id="10" name="직사각형 9">
+            <a:extLst>
+              <a:ext uri="{FF2B5EF4-FFF2-40B4-BE49-F238E27FC236}">
+                <a16:creationId xmlns:a16="http://schemas.microsoft.com/office/drawing/2014/main" id="{35C3B0B1-7F6F-44FE-AE86-D806A88C2128}"/>
+              </a:ext>
+            </a:extLst>
+          </p:cNvPr>
+          <p:cNvSpPr/>
+          <p:nvPr/>
+        </p:nvSpPr>
+        <p:spPr>
+          <a:xfrm>
+            <a:off x="1281055" y="1449421"/>
+            <a:ext cx="6598349" cy="5097294"/>
+          </a:xfrm>
+          <a:prstGeom prst="rect">
+            <a:avLst/>
+          </a:prstGeom>
+          <a:noFill/>
+          <a:ln>
+            <a:solidFill>
+              <a:schemeClr val="tx1"/>
+            </a:solidFill>
+          </a:ln>
+        </p:spPr>
+        <p:style>
+          <a:lnRef idx="2">
+            <a:schemeClr val="accent1">
+              <a:shade val="50000"/>
+            </a:schemeClr>
+          </a:lnRef>
+          <a:fillRef idx="1">
+            <a:schemeClr val="accent1"/>
+          </a:fillRef>
+          <a:effectRef idx="0">
+            <a:schemeClr val="accent1"/>
+          </a:effectRef>
+          <a:fontRef idx="minor">
+            <a:schemeClr val="lt1"/>
+          </a:fontRef>
+        </p:style>
+        <p:txBody>
+          <a:bodyPr rtlCol="0" anchor="ctr"/>
+          <a:lstStyle/>
+          <a:p>
+            <a:pPr algn="ctr"/>
+            <a:endParaRPr lang="ko-KR" altLang="en-US"/>
+          </a:p>
+        </p:txBody>
+      </p:sp>
+    </p:spTree>
+    <p:extLst>
+      <p:ext uri="{BB962C8B-B14F-4D97-AF65-F5344CB8AC3E}">
+        <p14:creationId xmlns:p14="http://schemas.microsoft.com/office/powerpoint/2010/main" val="3113667464"/>
       </p:ext>
     </p:extLst>
   </p:cSld>

--- a/gr2_lhj/상품신고페이지.pptx
+++ b/gr2_lhj/상품신고페이지.pptx
@@ -7502,6 +7502,159 @@
               <a:schemeClr val="tx1"/>
             </a:solidFill>
           </a:ln>
+        </p:spPr>
+        <p:style>
+          <a:lnRef idx="2">
+            <a:schemeClr val="accent1">
+              <a:shade val="50000"/>
+            </a:schemeClr>
+          </a:lnRef>
+          <a:fillRef idx="1">
+            <a:schemeClr val="accent1"/>
+          </a:fillRef>
+          <a:effectRef idx="0">
+            <a:schemeClr val="accent1"/>
+          </a:effectRef>
+          <a:fontRef idx="minor">
+            <a:schemeClr val="lt1"/>
+          </a:fontRef>
+        </p:style>
+        <p:txBody>
+          <a:bodyPr rtlCol="0" anchor="ctr"/>
+          <a:lstStyle/>
+          <a:p>
+            <a:pPr algn="ctr"/>
+            <a:endParaRPr lang="ko-KR" altLang="en-US"/>
+          </a:p>
+        </p:txBody>
+      </p:sp>
+      <p:sp>
+        <p:nvSpPr>
+          <p:cNvPr id="2" name="직사각형 1">
+            <a:extLst>
+              <a:ext uri="{FF2B5EF4-FFF2-40B4-BE49-F238E27FC236}">
+                <a16:creationId xmlns:a16="http://schemas.microsoft.com/office/drawing/2014/main" id="{A73141F2-865F-4C65-8E55-33AE0451584A}"/>
+              </a:ext>
+            </a:extLst>
+          </p:cNvPr>
+          <p:cNvSpPr/>
+          <p:nvPr/>
+        </p:nvSpPr>
+        <p:spPr>
+          <a:xfrm>
+            <a:off x="1411495" y="2412460"/>
+            <a:ext cx="6336720" cy="727902"/>
+          </a:xfrm>
+          <a:prstGeom prst="rect">
+            <a:avLst/>
+          </a:prstGeom>
+          <a:noFill/>
+          <a:ln>
+            <a:solidFill>
+              <a:schemeClr val="tx1"/>
+            </a:solidFill>
+          </a:ln>
+        </p:spPr>
+        <p:style>
+          <a:lnRef idx="2">
+            <a:schemeClr val="accent1">
+              <a:shade val="50000"/>
+            </a:schemeClr>
+          </a:lnRef>
+          <a:fillRef idx="1">
+            <a:schemeClr val="accent1"/>
+          </a:fillRef>
+          <a:effectRef idx="0">
+            <a:schemeClr val="accent1"/>
+          </a:effectRef>
+          <a:fontRef idx="minor">
+            <a:schemeClr val="lt1"/>
+          </a:fontRef>
+        </p:style>
+        <p:txBody>
+          <a:bodyPr rtlCol="0" anchor="ctr"/>
+          <a:lstStyle/>
+          <a:p>
+            <a:pPr algn="ctr"/>
+            <a:endParaRPr lang="ko-KR" altLang="en-US"/>
+          </a:p>
+        </p:txBody>
+      </p:sp>
+      <p:sp>
+        <p:nvSpPr>
+          <p:cNvPr id="4" name="직사각형 3">
+            <a:extLst>
+              <a:ext uri="{FF2B5EF4-FFF2-40B4-BE49-F238E27FC236}">
+                <a16:creationId xmlns:a16="http://schemas.microsoft.com/office/drawing/2014/main" id="{ED2B56F4-8721-482D-AE22-74F46009C328}"/>
+              </a:ext>
+            </a:extLst>
+          </p:cNvPr>
+          <p:cNvSpPr/>
+          <p:nvPr/>
+        </p:nvSpPr>
+        <p:spPr>
+          <a:xfrm>
+            <a:off x="1411495" y="3509434"/>
+            <a:ext cx="6253901" cy="2813545"/>
+          </a:xfrm>
+          <a:prstGeom prst="rect">
+            <a:avLst/>
+          </a:prstGeom>
+          <a:noFill/>
+          <a:ln>
+            <a:solidFill>
+              <a:schemeClr val="tx1"/>
+            </a:solidFill>
+          </a:ln>
+        </p:spPr>
+        <p:style>
+          <a:lnRef idx="2">
+            <a:schemeClr val="accent1">
+              <a:shade val="50000"/>
+            </a:schemeClr>
+          </a:lnRef>
+          <a:fillRef idx="1">
+            <a:schemeClr val="accent1"/>
+          </a:fillRef>
+          <a:effectRef idx="0">
+            <a:schemeClr val="accent1"/>
+          </a:effectRef>
+          <a:fontRef idx="minor">
+            <a:schemeClr val="lt1"/>
+          </a:fontRef>
+        </p:style>
+        <p:txBody>
+          <a:bodyPr rtlCol="0" anchor="ctr"/>
+          <a:lstStyle/>
+          <a:p>
+            <a:pPr algn="ctr"/>
+            <a:endParaRPr lang="ko-KR" altLang="en-US"/>
+          </a:p>
+        </p:txBody>
+      </p:sp>
+      <p:sp>
+        <p:nvSpPr>
+          <p:cNvPr id="5" name="이등변 삼각형 4">
+            <a:extLst>
+              <a:ext uri="{FF2B5EF4-FFF2-40B4-BE49-F238E27FC236}">
+                <a16:creationId xmlns:a16="http://schemas.microsoft.com/office/drawing/2014/main" id="{1654D2DB-C631-4C14-8A39-AB6BA51A6F1A}"/>
+              </a:ext>
+            </a:extLst>
+          </p:cNvPr>
+          <p:cNvSpPr/>
+          <p:nvPr/>
+        </p:nvSpPr>
+        <p:spPr>
+          <a:xfrm rot="10800000">
+            <a:off x="7217790" y="2633696"/>
+            <a:ext cx="390046" cy="287754"/>
+          </a:xfrm>
+          <a:prstGeom prst="triangle">
+            <a:avLst/>
+          </a:prstGeom>
+          <a:solidFill>
+            <a:schemeClr val="tx1"/>
+          </a:solidFill>
         </p:spPr>
         <p:style>
           <a:lnRef idx="2">

--- a/gr2_lhj/상품신고페이지.pptx
+++ b/gr2_lhj/상품신고페이지.pptx
@@ -110,7 +110,7 @@
   </p:defaultTextStyle>
   <p:extLst>
     <p:ext uri="{EFAFB233-063F-42B5-8137-9DF3F51BA10A}">
-      <p15:sldGuideLst xmlns:p15="http://schemas.microsoft.com/office/powerpoint/2012/main"/>
+      <p15:sldGuideLst xmlns:p15="http://schemas.microsoft.com/office/powerpoint/2012/main" xmlns=""/>
     </p:ext>
   </p:extLst>
 </p:presentation>
@@ -198,7 +198,7 @@
           <a:p>
             <a:fld id="{F03EFBC2-9C30-4462-BA1E-64AA47CB4639}" type="datetimeFigureOut">
               <a:rPr lang="ko-KR" altLang="en-US" smtClean="0"/>
-              <a:t>2020-03-03</a:t>
+              <a:t>2020-03-05</a:t>
             </a:fld>
             <a:endParaRPr lang="ko-KR" altLang="en-US"/>
           </a:p>
@@ -741,7 +741,7 @@
           <p:cNvPr id="2" name="제목 1">
             <a:extLst>
               <a:ext uri="{FF2B5EF4-FFF2-40B4-BE49-F238E27FC236}">
-                <a16:creationId xmlns:a16="http://schemas.microsoft.com/office/drawing/2014/main" id="{019EEB2C-2939-422D-AB2E-C77DB426D20E}"/>
+                <a16:creationId xmlns:a16="http://schemas.microsoft.com/office/drawing/2014/main" xmlns="" id="{019EEB2C-2939-422D-AB2E-C77DB426D20E}"/>
               </a:ext>
             </a:extLst>
           </p:cNvPr>
@@ -778,7 +778,7 @@
           <p:cNvPr id="3" name="부제목 2">
             <a:extLst>
               <a:ext uri="{FF2B5EF4-FFF2-40B4-BE49-F238E27FC236}">
-                <a16:creationId xmlns:a16="http://schemas.microsoft.com/office/drawing/2014/main" id="{C1456E09-FF1C-4ED4-BB7B-0B7A660E19C8}"/>
+                <a16:creationId xmlns:a16="http://schemas.microsoft.com/office/drawing/2014/main" xmlns="" id="{C1456E09-FF1C-4ED4-BB7B-0B7A660E19C8}"/>
               </a:ext>
             </a:extLst>
           </p:cNvPr>
@@ -848,7 +848,7 @@
           <p:cNvPr id="4" name="날짜 개체 틀 3">
             <a:extLst>
               <a:ext uri="{FF2B5EF4-FFF2-40B4-BE49-F238E27FC236}">
-                <a16:creationId xmlns:a16="http://schemas.microsoft.com/office/drawing/2014/main" id="{B641F60F-B867-4628-8123-672E1E44FCC9}"/>
+                <a16:creationId xmlns:a16="http://schemas.microsoft.com/office/drawing/2014/main" xmlns="" id="{B641F60F-B867-4628-8123-672E1E44FCC9}"/>
               </a:ext>
             </a:extLst>
           </p:cNvPr>
@@ -866,7 +866,7 @@
           <a:p>
             <a:fld id="{71300FDF-26D8-4286-AD0F-7005EF3A2E9C}" type="datetimeFigureOut">
               <a:rPr lang="ko-KR" altLang="en-US" smtClean="0"/>
-              <a:t>2020-03-03</a:t>
+              <a:t>2020-03-05</a:t>
             </a:fld>
             <a:endParaRPr lang="ko-KR" altLang="en-US"/>
           </a:p>
@@ -877,7 +877,7 @@
           <p:cNvPr id="5" name="바닥글 개체 틀 4">
             <a:extLst>
               <a:ext uri="{FF2B5EF4-FFF2-40B4-BE49-F238E27FC236}">
-                <a16:creationId xmlns:a16="http://schemas.microsoft.com/office/drawing/2014/main" id="{751C6E94-F2BB-4872-A126-81EC50A00016}"/>
+                <a16:creationId xmlns:a16="http://schemas.microsoft.com/office/drawing/2014/main" xmlns="" id="{751C6E94-F2BB-4872-A126-81EC50A00016}"/>
               </a:ext>
             </a:extLst>
           </p:cNvPr>
@@ -902,7 +902,7 @@
           <p:cNvPr id="6" name="슬라이드 번호 개체 틀 5">
             <a:extLst>
               <a:ext uri="{FF2B5EF4-FFF2-40B4-BE49-F238E27FC236}">
-                <a16:creationId xmlns:a16="http://schemas.microsoft.com/office/drawing/2014/main" id="{099305FD-8835-41D8-8496-A99D25BD70AF}"/>
+                <a16:creationId xmlns:a16="http://schemas.microsoft.com/office/drawing/2014/main" xmlns="" id="{099305FD-8835-41D8-8496-A99D25BD70AF}"/>
               </a:ext>
             </a:extLst>
           </p:cNvPr>
@@ -961,7 +961,7 @@
           <p:cNvPr id="2" name="제목 1">
             <a:extLst>
               <a:ext uri="{FF2B5EF4-FFF2-40B4-BE49-F238E27FC236}">
-                <a16:creationId xmlns:a16="http://schemas.microsoft.com/office/drawing/2014/main" id="{319113CD-39C0-44DC-BBBE-CB1FE7F2ACC0}"/>
+                <a16:creationId xmlns:a16="http://schemas.microsoft.com/office/drawing/2014/main" xmlns="" id="{319113CD-39C0-44DC-BBBE-CB1FE7F2ACC0}"/>
               </a:ext>
             </a:extLst>
           </p:cNvPr>
@@ -989,7 +989,7 @@
           <p:cNvPr id="3" name="세로 텍스트 개체 틀 2">
             <a:extLst>
               <a:ext uri="{FF2B5EF4-FFF2-40B4-BE49-F238E27FC236}">
-                <a16:creationId xmlns:a16="http://schemas.microsoft.com/office/drawing/2014/main" id="{24906392-8FC1-4B33-A50F-F1CE44956D40}"/>
+                <a16:creationId xmlns:a16="http://schemas.microsoft.com/office/drawing/2014/main" xmlns="" id="{24906392-8FC1-4B33-A50F-F1CE44956D40}"/>
               </a:ext>
             </a:extLst>
           </p:cNvPr>
@@ -1046,7 +1046,7 @@
           <p:cNvPr id="4" name="날짜 개체 틀 3">
             <a:extLst>
               <a:ext uri="{FF2B5EF4-FFF2-40B4-BE49-F238E27FC236}">
-                <a16:creationId xmlns:a16="http://schemas.microsoft.com/office/drawing/2014/main" id="{3D5429D2-00A1-48EC-BFB2-7F0A4A3055CC}"/>
+                <a16:creationId xmlns:a16="http://schemas.microsoft.com/office/drawing/2014/main" xmlns="" id="{3D5429D2-00A1-48EC-BFB2-7F0A4A3055CC}"/>
               </a:ext>
             </a:extLst>
           </p:cNvPr>
@@ -1064,7 +1064,7 @@
           <a:p>
             <a:fld id="{71300FDF-26D8-4286-AD0F-7005EF3A2E9C}" type="datetimeFigureOut">
               <a:rPr lang="ko-KR" altLang="en-US" smtClean="0"/>
-              <a:t>2020-03-03</a:t>
+              <a:t>2020-03-05</a:t>
             </a:fld>
             <a:endParaRPr lang="ko-KR" altLang="en-US"/>
           </a:p>
@@ -1075,7 +1075,7 @@
           <p:cNvPr id="5" name="바닥글 개체 틀 4">
             <a:extLst>
               <a:ext uri="{FF2B5EF4-FFF2-40B4-BE49-F238E27FC236}">
-                <a16:creationId xmlns:a16="http://schemas.microsoft.com/office/drawing/2014/main" id="{958803BB-DA92-460A-BF59-FFAA760FA6C9}"/>
+                <a16:creationId xmlns:a16="http://schemas.microsoft.com/office/drawing/2014/main" xmlns="" id="{958803BB-DA92-460A-BF59-FFAA760FA6C9}"/>
               </a:ext>
             </a:extLst>
           </p:cNvPr>
@@ -1100,7 +1100,7 @@
           <p:cNvPr id="6" name="슬라이드 번호 개체 틀 5">
             <a:extLst>
               <a:ext uri="{FF2B5EF4-FFF2-40B4-BE49-F238E27FC236}">
-                <a16:creationId xmlns:a16="http://schemas.microsoft.com/office/drawing/2014/main" id="{729D5467-B67F-4BC6-98CF-438CE63F51D6}"/>
+                <a16:creationId xmlns:a16="http://schemas.microsoft.com/office/drawing/2014/main" xmlns="" id="{729D5467-B67F-4BC6-98CF-438CE63F51D6}"/>
               </a:ext>
             </a:extLst>
           </p:cNvPr>
@@ -1159,7 +1159,7 @@
           <p:cNvPr id="2" name="세로 제목 1">
             <a:extLst>
               <a:ext uri="{FF2B5EF4-FFF2-40B4-BE49-F238E27FC236}">
-                <a16:creationId xmlns:a16="http://schemas.microsoft.com/office/drawing/2014/main" id="{7D759BEE-2092-4AB4-A705-D07B8C6A88BC}"/>
+                <a16:creationId xmlns:a16="http://schemas.microsoft.com/office/drawing/2014/main" xmlns="" id="{7D759BEE-2092-4AB4-A705-D07B8C6A88BC}"/>
               </a:ext>
             </a:extLst>
           </p:cNvPr>
@@ -1192,7 +1192,7 @@
           <p:cNvPr id="3" name="세로 텍스트 개체 틀 2">
             <a:extLst>
               <a:ext uri="{FF2B5EF4-FFF2-40B4-BE49-F238E27FC236}">
-                <a16:creationId xmlns:a16="http://schemas.microsoft.com/office/drawing/2014/main" id="{65FDFD15-16FC-4D50-948F-16165F38D1F8}"/>
+                <a16:creationId xmlns:a16="http://schemas.microsoft.com/office/drawing/2014/main" xmlns="" id="{65FDFD15-16FC-4D50-948F-16165F38D1F8}"/>
               </a:ext>
             </a:extLst>
           </p:cNvPr>
@@ -1254,7 +1254,7 @@
           <p:cNvPr id="4" name="날짜 개체 틀 3">
             <a:extLst>
               <a:ext uri="{FF2B5EF4-FFF2-40B4-BE49-F238E27FC236}">
-                <a16:creationId xmlns:a16="http://schemas.microsoft.com/office/drawing/2014/main" id="{8D6C76C4-ED9A-47F6-9FED-490E1471053C}"/>
+                <a16:creationId xmlns:a16="http://schemas.microsoft.com/office/drawing/2014/main" xmlns="" id="{8D6C76C4-ED9A-47F6-9FED-490E1471053C}"/>
               </a:ext>
             </a:extLst>
           </p:cNvPr>
@@ -1272,7 +1272,7 @@
           <a:p>
             <a:fld id="{71300FDF-26D8-4286-AD0F-7005EF3A2E9C}" type="datetimeFigureOut">
               <a:rPr lang="ko-KR" altLang="en-US" smtClean="0"/>
-              <a:t>2020-03-03</a:t>
+              <a:t>2020-03-05</a:t>
             </a:fld>
             <a:endParaRPr lang="ko-KR" altLang="en-US"/>
           </a:p>
@@ -1283,7 +1283,7 @@
           <p:cNvPr id="5" name="바닥글 개체 틀 4">
             <a:extLst>
               <a:ext uri="{FF2B5EF4-FFF2-40B4-BE49-F238E27FC236}">
-                <a16:creationId xmlns:a16="http://schemas.microsoft.com/office/drawing/2014/main" id="{C9409567-7DE7-440C-A029-23E93A36B79D}"/>
+                <a16:creationId xmlns:a16="http://schemas.microsoft.com/office/drawing/2014/main" xmlns="" id="{C9409567-7DE7-440C-A029-23E93A36B79D}"/>
               </a:ext>
             </a:extLst>
           </p:cNvPr>
@@ -1308,7 +1308,7 @@
           <p:cNvPr id="6" name="슬라이드 번호 개체 틀 5">
             <a:extLst>
               <a:ext uri="{FF2B5EF4-FFF2-40B4-BE49-F238E27FC236}">
-                <a16:creationId xmlns:a16="http://schemas.microsoft.com/office/drawing/2014/main" id="{05057AC2-5747-42C1-A3F0-966824367F9B}"/>
+                <a16:creationId xmlns:a16="http://schemas.microsoft.com/office/drawing/2014/main" xmlns="" id="{05057AC2-5747-42C1-A3F0-966824367F9B}"/>
               </a:ext>
             </a:extLst>
           </p:cNvPr>
@@ -1367,7 +1367,7 @@
           <p:cNvPr id="2" name="제목 1">
             <a:extLst>
               <a:ext uri="{FF2B5EF4-FFF2-40B4-BE49-F238E27FC236}">
-                <a16:creationId xmlns:a16="http://schemas.microsoft.com/office/drawing/2014/main" id="{E2B03248-81A5-49FD-8A65-EBBA9836FFA8}"/>
+                <a16:creationId xmlns:a16="http://schemas.microsoft.com/office/drawing/2014/main" xmlns="" id="{E2B03248-81A5-49FD-8A65-EBBA9836FFA8}"/>
               </a:ext>
             </a:extLst>
           </p:cNvPr>
@@ -1395,7 +1395,7 @@
           <p:cNvPr id="3" name="내용 개체 틀 2">
             <a:extLst>
               <a:ext uri="{FF2B5EF4-FFF2-40B4-BE49-F238E27FC236}">
-                <a16:creationId xmlns:a16="http://schemas.microsoft.com/office/drawing/2014/main" id="{8ECB9766-2BAE-453F-9C69-C6D30E42B371}"/>
+                <a16:creationId xmlns:a16="http://schemas.microsoft.com/office/drawing/2014/main" xmlns="" id="{8ECB9766-2BAE-453F-9C69-C6D30E42B371}"/>
               </a:ext>
             </a:extLst>
           </p:cNvPr>
@@ -1452,7 +1452,7 @@
           <p:cNvPr id="4" name="날짜 개체 틀 3">
             <a:extLst>
               <a:ext uri="{FF2B5EF4-FFF2-40B4-BE49-F238E27FC236}">
-                <a16:creationId xmlns:a16="http://schemas.microsoft.com/office/drawing/2014/main" id="{3F0564BD-F505-4988-A578-7E08C3ADD7F0}"/>
+                <a16:creationId xmlns:a16="http://schemas.microsoft.com/office/drawing/2014/main" xmlns="" id="{3F0564BD-F505-4988-A578-7E08C3ADD7F0}"/>
               </a:ext>
             </a:extLst>
           </p:cNvPr>
@@ -1470,7 +1470,7 @@
           <a:p>
             <a:fld id="{71300FDF-26D8-4286-AD0F-7005EF3A2E9C}" type="datetimeFigureOut">
               <a:rPr lang="ko-KR" altLang="en-US" smtClean="0"/>
-              <a:t>2020-03-03</a:t>
+              <a:t>2020-03-05</a:t>
             </a:fld>
             <a:endParaRPr lang="ko-KR" altLang="en-US"/>
           </a:p>
@@ -1481,7 +1481,7 @@
           <p:cNvPr id="5" name="바닥글 개체 틀 4">
             <a:extLst>
               <a:ext uri="{FF2B5EF4-FFF2-40B4-BE49-F238E27FC236}">
-                <a16:creationId xmlns:a16="http://schemas.microsoft.com/office/drawing/2014/main" id="{087F7B9C-8D01-481D-9787-78A78A4F7A08}"/>
+                <a16:creationId xmlns:a16="http://schemas.microsoft.com/office/drawing/2014/main" xmlns="" id="{087F7B9C-8D01-481D-9787-78A78A4F7A08}"/>
               </a:ext>
             </a:extLst>
           </p:cNvPr>
@@ -1506,7 +1506,7 @@
           <p:cNvPr id="6" name="슬라이드 번호 개체 틀 5">
             <a:extLst>
               <a:ext uri="{FF2B5EF4-FFF2-40B4-BE49-F238E27FC236}">
-                <a16:creationId xmlns:a16="http://schemas.microsoft.com/office/drawing/2014/main" id="{67DBEBFA-AD71-4C78-82F4-11322739A712}"/>
+                <a16:creationId xmlns:a16="http://schemas.microsoft.com/office/drawing/2014/main" xmlns="" id="{67DBEBFA-AD71-4C78-82F4-11322739A712}"/>
               </a:ext>
             </a:extLst>
           </p:cNvPr>
@@ -1565,7 +1565,7 @@
           <p:cNvPr id="2" name="제목 1">
             <a:extLst>
               <a:ext uri="{FF2B5EF4-FFF2-40B4-BE49-F238E27FC236}">
-                <a16:creationId xmlns:a16="http://schemas.microsoft.com/office/drawing/2014/main" id="{2982CC34-72BE-4075-BF5A-ECD0918ECA4A}"/>
+                <a16:creationId xmlns:a16="http://schemas.microsoft.com/office/drawing/2014/main" xmlns="" id="{2982CC34-72BE-4075-BF5A-ECD0918ECA4A}"/>
               </a:ext>
             </a:extLst>
           </p:cNvPr>
@@ -1602,7 +1602,7 @@
           <p:cNvPr id="3" name="텍스트 개체 틀 2">
             <a:extLst>
               <a:ext uri="{FF2B5EF4-FFF2-40B4-BE49-F238E27FC236}">
-                <a16:creationId xmlns:a16="http://schemas.microsoft.com/office/drawing/2014/main" id="{11F59000-7E94-4844-B5B8-855F991D47F4}"/>
+                <a16:creationId xmlns:a16="http://schemas.microsoft.com/office/drawing/2014/main" xmlns="" id="{11F59000-7E94-4844-B5B8-855F991D47F4}"/>
               </a:ext>
             </a:extLst>
           </p:cNvPr>
@@ -1727,7 +1727,7 @@
           <p:cNvPr id="4" name="날짜 개체 틀 3">
             <a:extLst>
               <a:ext uri="{FF2B5EF4-FFF2-40B4-BE49-F238E27FC236}">
-                <a16:creationId xmlns:a16="http://schemas.microsoft.com/office/drawing/2014/main" id="{885E7930-CC17-4BFF-A391-C665B62D1F97}"/>
+                <a16:creationId xmlns:a16="http://schemas.microsoft.com/office/drawing/2014/main" xmlns="" id="{885E7930-CC17-4BFF-A391-C665B62D1F97}"/>
               </a:ext>
             </a:extLst>
           </p:cNvPr>
@@ -1745,7 +1745,7 @@
           <a:p>
             <a:fld id="{71300FDF-26D8-4286-AD0F-7005EF3A2E9C}" type="datetimeFigureOut">
               <a:rPr lang="ko-KR" altLang="en-US" smtClean="0"/>
-              <a:t>2020-03-03</a:t>
+              <a:t>2020-03-05</a:t>
             </a:fld>
             <a:endParaRPr lang="ko-KR" altLang="en-US"/>
           </a:p>
@@ -1756,7 +1756,7 @@
           <p:cNvPr id="5" name="바닥글 개체 틀 4">
             <a:extLst>
               <a:ext uri="{FF2B5EF4-FFF2-40B4-BE49-F238E27FC236}">
-                <a16:creationId xmlns:a16="http://schemas.microsoft.com/office/drawing/2014/main" id="{C3310F2C-0C2B-4877-8C16-F74C2FE4491F}"/>
+                <a16:creationId xmlns:a16="http://schemas.microsoft.com/office/drawing/2014/main" xmlns="" id="{C3310F2C-0C2B-4877-8C16-F74C2FE4491F}"/>
               </a:ext>
             </a:extLst>
           </p:cNvPr>
@@ -1781,7 +1781,7 @@
           <p:cNvPr id="6" name="슬라이드 번호 개체 틀 5">
             <a:extLst>
               <a:ext uri="{FF2B5EF4-FFF2-40B4-BE49-F238E27FC236}">
-                <a16:creationId xmlns:a16="http://schemas.microsoft.com/office/drawing/2014/main" id="{DA4D2EF6-07C3-4365-B90F-083548EFF2E8}"/>
+                <a16:creationId xmlns:a16="http://schemas.microsoft.com/office/drawing/2014/main" xmlns="" id="{DA4D2EF6-07C3-4365-B90F-083548EFF2E8}"/>
               </a:ext>
             </a:extLst>
           </p:cNvPr>
@@ -1840,7 +1840,7 @@
           <p:cNvPr id="2" name="제목 1">
             <a:extLst>
               <a:ext uri="{FF2B5EF4-FFF2-40B4-BE49-F238E27FC236}">
-                <a16:creationId xmlns:a16="http://schemas.microsoft.com/office/drawing/2014/main" id="{1CEFF638-9610-4939-B22B-359CBD5F91BE}"/>
+                <a16:creationId xmlns:a16="http://schemas.microsoft.com/office/drawing/2014/main" xmlns="" id="{1CEFF638-9610-4939-B22B-359CBD5F91BE}"/>
               </a:ext>
             </a:extLst>
           </p:cNvPr>
@@ -1868,7 +1868,7 @@
           <p:cNvPr id="3" name="내용 개체 틀 2">
             <a:extLst>
               <a:ext uri="{FF2B5EF4-FFF2-40B4-BE49-F238E27FC236}">
-                <a16:creationId xmlns:a16="http://schemas.microsoft.com/office/drawing/2014/main" id="{72E510AA-1BBC-4F93-8AE2-C4D5D0344840}"/>
+                <a16:creationId xmlns:a16="http://schemas.microsoft.com/office/drawing/2014/main" xmlns="" id="{72E510AA-1BBC-4F93-8AE2-C4D5D0344840}"/>
               </a:ext>
             </a:extLst>
           </p:cNvPr>
@@ -1930,7 +1930,7 @@
           <p:cNvPr id="4" name="내용 개체 틀 3">
             <a:extLst>
               <a:ext uri="{FF2B5EF4-FFF2-40B4-BE49-F238E27FC236}">
-                <a16:creationId xmlns:a16="http://schemas.microsoft.com/office/drawing/2014/main" id="{CE39032D-9F3F-4113-A8C1-F02EC835219D}"/>
+                <a16:creationId xmlns:a16="http://schemas.microsoft.com/office/drawing/2014/main" xmlns="" id="{CE39032D-9F3F-4113-A8C1-F02EC835219D}"/>
               </a:ext>
             </a:extLst>
           </p:cNvPr>
@@ -1992,7 +1992,7 @@
           <p:cNvPr id="5" name="날짜 개체 틀 4">
             <a:extLst>
               <a:ext uri="{FF2B5EF4-FFF2-40B4-BE49-F238E27FC236}">
-                <a16:creationId xmlns:a16="http://schemas.microsoft.com/office/drawing/2014/main" id="{BC93A325-A8D9-4AB1-9C7A-8C7FE88228A0}"/>
+                <a16:creationId xmlns:a16="http://schemas.microsoft.com/office/drawing/2014/main" xmlns="" id="{BC93A325-A8D9-4AB1-9C7A-8C7FE88228A0}"/>
               </a:ext>
             </a:extLst>
           </p:cNvPr>
@@ -2010,7 +2010,7 @@
           <a:p>
             <a:fld id="{71300FDF-26D8-4286-AD0F-7005EF3A2E9C}" type="datetimeFigureOut">
               <a:rPr lang="ko-KR" altLang="en-US" smtClean="0"/>
-              <a:t>2020-03-03</a:t>
+              <a:t>2020-03-05</a:t>
             </a:fld>
             <a:endParaRPr lang="ko-KR" altLang="en-US"/>
           </a:p>
@@ -2021,7 +2021,7 @@
           <p:cNvPr id="6" name="바닥글 개체 틀 5">
             <a:extLst>
               <a:ext uri="{FF2B5EF4-FFF2-40B4-BE49-F238E27FC236}">
-                <a16:creationId xmlns:a16="http://schemas.microsoft.com/office/drawing/2014/main" id="{5C5B28D3-971B-44C3-8F6C-AC073D1B4B9C}"/>
+                <a16:creationId xmlns:a16="http://schemas.microsoft.com/office/drawing/2014/main" xmlns="" id="{5C5B28D3-971B-44C3-8F6C-AC073D1B4B9C}"/>
               </a:ext>
             </a:extLst>
           </p:cNvPr>
@@ -2046,7 +2046,7 @@
           <p:cNvPr id="7" name="슬라이드 번호 개체 틀 6">
             <a:extLst>
               <a:ext uri="{FF2B5EF4-FFF2-40B4-BE49-F238E27FC236}">
-                <a16:creationId xmlns:a16="http://schemas.microsoft.com/office/drawing/2014/main" id="{DE585D99-79E7-48B2-8DE8-95E709BEAD74}"/>
+                <a16:creationId xmlns:a16="http://schemas.microsoft.com/office/drawing/2014/main" xmlns="" id="{DE585D99-79E7-48B2-8DE8-95E709BEAD74}"/>
               </a:ext>
             </a:extLst>
           </p:cNvPr>
@@ -2105,7 +2105,7 @@
           <p:cNvPr id="2" name="제목 1">
             <a:extLst>
               <a:ext uri="{FF2B5EF4-FFF2-40B4-BE49-F238E27FC236}">
-                <a16:creationId xmlns:a16="http://schemas.microsoft.com/office/drawing/2014/main" id="{0F8D2365-73EF-42AD-92D2-8675546BC74A}"/>
+                <a16:creationId xmlns:a16="http://schemas.microsoft.com/office/drawing/2014/main" xmlns="" id="{0F8D2365-73EF-42AD-92D2-8675546BC74A}"/>
               </a:ext>
             </a:extLst>
           </p:cNvPr>
@@ -2138,7 +2138,7 @@
           <p:cNvPr id="3" name="텍스트 개체 틀 2">
             <a:extLst>
               <a:ext uri="{FF2B5EF4-FFF2-40B4-BE49-F238E27FC236}">
-                <a16:creationId xmlns:a16="http://schemas.microsoft.com/office/drawing/2014/main" id="{8B61A810-C606-41D1-AF68-41AF6F31ED4F}"/>
+                <a16:creationId xmlns:a16="http://schemas.microsoft.com/office/drawing/2014/main" xmlns="" id="{8B61A810-C606-41D1-AF68-41AF6F31ED4F}"/>
               </a:ext>
             </a:extLst>
           </p:cNvPr>
@@ -2209,7 +2209,7 @@
           <p:cNvPr id="4" name="내용 개체 틀 3">
             <a:extLst>
               <a:ext uri="{FF2B5EF4-FFF2-40B4-BE49-F238E27FC236}">
-                <a16:creationId xmlns:a16="http://schemas.microsoft.com/office/drawing/2014/main" id="{5A8BD828-CF40-4575-8B00-8085003832A7}"/>
+                <a16:creationId xmlns:a16="http://schemas.microsoft.com/office/drawing/2014/main" xmlns="" id="{5A8BD828-CF40-4575-8B00-8085003832A7}"/>
               </a:ext>
             </a:extLst>
           </p:cNvPr>
@@ -2271,7 +2271,7 @@
           <p:cNvPr id="5" name="텍스트 개체 틀 4">
             <a:extLst>
               <a:ext uri="{FF2B5EF4-FFF2-40B4-BE49-F238E27FC236}">
-                <a16:creationId xmlns:a16="http://schemas.microsoft.com/office/drawing/2014/main" id="{D8E17B86-E693-4B24-9C96-EB0E536EEA02}"/>
+                <a16:creationId xmlns:a16="http://schemas.microsoft.com/office/drawing/2014/main" xmlns="" id="{D8E17B86-E693-4B24-9C96-EB0E536EEA02}"/>
               </a:ext>
             </a:extLst>
           </p:cNvPr>
@@ -2342,7 +2342,7 @@
           <p:cNvPr id="6" name="내용 개체 틀 5">
             <a:extLst>
               <a:ext uri="{FF2B5EF4-FFF2-40B4-BE49-F238E27FC236}">
-                <a16:creationId xmlns:a16="http://schemas.microsoft.com/office/drawing/2014/main" id="{D04FD563-D929-44E0-A880-A74A993A6909}"/>
+                <a16:creationId xmlns:a16="http://schemas.microsoft.com/office/drawing/2014/main" xmlns="" id="{D04FD563-D929-44E0-A880-A74A993A6909}"/>
               </a:ext>
             </a:extLst>
           </p:cNvPr>
@@ -2404,7 +2404,7 @@
           <p:cNvPr id="7" name="날짜 개체 틀 6">
             <a:extLst>
               <a:ext uri="{FF2B5EF4-FFF2-40B4-BE49-F238E27FC236}">
-                <a16:creationId xmlns:a16="http://schemas.microsoft.com/office/drawing/2014/main" id="{509C3BBD-2418-4F74-BA08-F7DD8A23BBEA}"/>
+                <a16:creationId xmlns:a16="http://schemas.microsoft.com/office/drawing/2014/main" xmlns="" id="{509C3BBD-2418-4F74-BA08-F7DD8A23BBEA}"/>
               </a:ext>
             </a:extLst>
           </p:cNvPr>
@@ -2422,7 +2422,7 @@
           <a:p>
             <a:fld id="{71300FDF-26D8-4286-AD0F-7005EF3A2E9C}" type="datetimeFigureOut">
               <a:rPr lang="ko-KR" altLang="en-US" smtClean="0"/>
-              <a:t>2020-03-03</a:t>
+              <a:t>2020-03-05</a:t>
             </a:fld>
             <a:endParaRPr lang="ko-KR" altLang="en-US"/>
           </a:p>
@@ -2433,7 +2433,7 @@
           <p:cNvPr id="8" name="바닥글 개체 틀 7">
             <a:extLst>
               <a:ext uri="{FF2B5EF4-FFF2-40B4-BE49-F238E27FC236}">
-                <a16:creationId xmlns:a16="http://schemas.microsoft.com/office/drawing/2014/main" id="{29BAE7C7-C9E1-4257-850B-DBBC68D01F72}"/>
+                <a16:creationId xmlns:a16="http://schemas.microsoft.com/office/drawing/2014/main" xmlns="" id="{29BAE7C7-C9E1-4257-850B-DBBC68D01F72}"/>
               </a:ext>
             </a:extLst>
           </p:cNvPr>
@@ -2458,7 +2458,7 @@
           <p:cNvPr id="9" name="슬라이드 번호 개체 틀 8">
             <a:extLst>
               <a:ext uri="{FF2B5EF4-FFF2-40B4-BE49-F238E27FC236}">
-                <a16:creationId xmlns:a16="http://schemas.microsoft.com/office/drawing/2014/main" id="{13D0C6D5-DE41-402F-B3D6-8925E4AC5482}"/>
+                <a16:creationId xmlns:a16="http://schemas.microsoft.com/office/drawing/2014/main" xmlns="" id="{13D0C6D5-DE41-402F-B3D6-8925E4AC5482}"/>
               </a:ext>
             </a:extLst>
           </p:cNvPr>
@@ -2517,7 +2517,7 @@
           <p:cNvPr id="2" name="제목 1">
             <a:extLst>
               <a:ext uri="{FF2B5EF4-FFF2-40B4-BE49-F238E27FC236}">
-                <a16:creationId xmlns:a16="http://schemas.microsoft.com/office/drawing/2014/main" id="{9A09776A-AF25-476E-85AC-6BBC7C5ED977}"/>
+                <a16:creationId xmlns:a16="http://schemas.microsoft.com/office/drawing/2014/main" xmlns="" id="{9A09776A-AF25-476E-85AC-6BBC7C5ED977}"/>
               </a:ext>
             </a:extLst>
           </p:cNvPr>
@@ -2545,7 +2545,7 @@
           <p:cNvPr id="3" name="날짜 개체 틀 2">
             <a:extLst>
               <a:ext uri="{FF2B5EF4-FFF2-40B4-BE49-F238E27FC236}">
-                <a16:creationId xmlns:a16="http://schemas.microsoft.com/office/drawing/2014/main" id="{CC4F83EF-6DF0-4FD7-A194-D72994F8E7FC}"/>
+                <a16:creationId xmlns:a16="http://schemas.microsoft.com/office/drawing/2014/main" xmlns="" id="{CC4F83EF-6DF0-4FD7-A194-D72994F8E7FC}"/>
               </a:ext>
             </a:extLst>
           </p:cNvPr>
@@ -2563,7 +2563,7 @@
           <a:p>
             <a:fld id="{71300FDF-26D8-4286-AD0F-7005EF3A2E9C}" type="datetimeFigureOut">
               <a:rPr lang="ko-KR" altLang="en-US" smtClean="0"/>
-              <a:t>2020-03-03</a:t>
+              <a:t>2020-03-05</a:t>
             </a:fld>
             <a:endParaRPr lang="ko-KR" altLang="en-US"/>
           </a:p>
@@ -2574,7 +2574,7 @@
           <p:cNvPr id="4" name="바닥글 개체 틀 3">
             <a:extLst>
               <a:ext uri="{FF2B5EF4-FFF2-40B4-BE49-F238E27FC236}">
-                <a16:creationId xmlns:a16="http://schemas.microsoft.com/office/drawing/2014/main" id="{7F42B90B-7AFC-416F-89FE-C1A1A9E25E95}"/>
+                <a16:creationId xmlns:a16="http://schemas.microsoft.com/office/drawing/2014/main" xmlns="" id="{7F42B90B-7AFC-416F-89FE-C1A1A9E25E95}"/>
               </a:ext>
             </a:extLst>
           </p:cNvPr>
@@ -2599,7 +2599,7 @@
           <p:cNvPr id="5" name="슬라이드 번호 개체 틀 4">
             <a:extLst>
               <a:ext uri="{FF2B5EF4-FFF2-40B4-BE49-F238E27FC236}">
-                <a16:creationId xmlns:a16="http://schemas.microsoft.com/office/drawing/2014/main" id="{E77AB278-A815-4216-B65A-9D25056CB3E3}"/>
+                <a16:creationId xmlns:a16="http://schemas.microsoft.com/office/drawing/2014/main" xmlns="" id="{E77AB278-A815-4216-B65A-9D25056CB3E3}"/>
               </a:ext>
             </a:extLst>
           </p:cNvPr>
@@ -2658,7 +2658,7 @@
           <p:cNvPr id="2" name="날짜 개체 틀 1">
             <a:extLst>
               <a:ext uri="{FF2B5EF4-FFF2-40B4-BE49-F238E27FC236}">
-                <a16:creationId xmlns:a16="http://schemas.microsoft.com/office/drawing/2014/main" id="{B8E1D23B-48D3-4E47-8CB4-17E2ABE0232D}"/>
+                <a16:creationId xmlns:a16="http://schemas.microsoft.com/office/drawing/2014/main" xmlns="" id="{B8E1D23B-48D3-4E47-8CB4-17E2ABE0232D}"/>
               </a:ext>
             </a:extLst>
           </p:cNvPr>
@@ -2676,7 +2676,7 @@
           <a:p>
             <a:fld id="{71300FDF-26D8-4286-AD0F-7005EF3A2E9C}" type="datetimeFigureOut">
               <a:rPr lang="ko-KR" altLang="en-US" smtClean="0"/>
-              <a:t>2020-03-03</a:t>
+              <a:t>2020-03-05</a:t>
             </a:fld>
             <a:endParaRPr lang="ko-KR" altLang="en-US"/>
           </a:p>
@@ -2687,7 +2687,7 @@
           <p:cNvPr id="3" name="바닥글 개체 틀 2">
             <a:extLst>
               <a:ext uri="{FF2B5EF4-FFF2-40B4-BE49-F238E27FC236}">
-                <a16:creationId xmlns:a16="http://schemas.microsoft.com/office/drawing/2014/main" id="{784B537B-875E-4A5B-86A5-8235A2C99EB9}"/>
+                <a16:creationId xmlns:a16="http://schemas.microsoft.com/office/drawing/2014/main" xmlns="" id="{784B537B-875E-4A5B-86A5-8235A2C99EB9}"/>
               </a:ext>
             </a:extLst>
           </p:cNvPr>
@@ -2712,7 +2712,7 @@
           <p:cNvPr id="4" name="슬라이드 번호 개체 틀 3">
             <a:extLst>
               <a:ext uri="{FF2B5EF4-FFF2-40B4-BE49-F238E27FC236}">
-                <a16:creationId xmlns:a16="http://schemas.microsoft.com/office/drawing/2014/main" id="{C8B0FF00-A374-4D0F-9AE6-BD588F20547B}"/>
+                <a16:creationId xmlns:a16="http://schemas.microsoft.com/office/drawing/2014/main" xmlns="" id="{C8B0FF00-A374-4D0F-9AE6-BD588F20547B}"/>
               </a:ext>
             </a:extLst>
           </p:cNvPr>
@@ -2771,7 +2771,7 @@
           <p:cNvPr id="2" name="제목 1">
             <a:extLst>
               <a:ext uri="{FF2B5EF4-FFF2-40B4-BE49-F238E27FC236}">
-                <a16:creationId xmlns:a16="http://schemas.microsoft.com/office/drawing/2014/main" id="{7F62B13C-3FA9-4257-AC28-236E32DCFD45}"/>
+                <a16:creationId xmlns:a16="http://schemas.microsoft.com/office/drawing/2014/main" xmlns="" id="{7F62B13C-3FA9-4257-AC28-236E32DCFD45}"/>
               </a:ext>
             </a:extLst>
           </p:cNvPr>
@@ -2808,7 +2808,7 @@
           <p:cNvPr id="3" name="내용 개체 틀 2">
             <a:extLst>
               <a:ext uri="{FF2B5EF4-FFF2-40B4-BE49-F238E27FC236}">
-                <a16:creationId xmlns:a16="http://schemas.microsoft.com/office/drawing/2014/main" id="{B15DDFCA-DE51-4489-819A-3D57F8F486CF}"/>
+                <a16:creationId xmlns:a16="http://schemas.microsoft.com/office/drawing/2014/main" xmlns="" id="{B15DDFCA-DE51-4489-819A-3D57F8F486CF}"/>
               </a:ext>
             </a:extLst>
           </p:cNvPr>
@@ -2898,7 +2898,7 @@
           <p:cNvPr id="4" name="텍스트 개체 틀 3">
             <a:extLst>
               <a:ext uri="{FF2B5EF4-FFF2-40B4-BE49-F238E27FC236}">
-                <a16:creationId xmlns:a16="http://schemas.microsoft.com/office/drawing/2014/main" id="{91369300-2E70-4297-8CD0-8BD1FADC8FC1}"/>
+                <a16:creationId xmlns:a16="http://schemas.microsoft.com/office/drawing/2014/main" xmlns="" id="{91369300-2E70-4297-8CD0-8BD1FADC8FC1}"/>
               </a:ext>
             </a:extLst>
           </p:cNvPr>
@@ -2969,7 +2969,7 @@
           <p:cNvPr id="5" name="날짜 개체 틀 4">
             <a:extLst>
               <a:ext uri="{FF2B5EF4-FFF2-40B4-BE49-F238E27FC236}">
-                <a16:creationId xmlns:a16="http://schemas.microsoft.com/office/drawing/2014/main" id="{2E23366B-E5A7-4070-B18F-247D2FDF8857}"/>
+                <a16:creationId xmlns:a16="http://schemas.microsoft.com/office/drawing/2014/main" xmlns="" id="{2E23366B-E5A7-4070-B18F-247D2FDF8857}"/>
               </a:ext>
             </a:extLst>
           </p:cNvPr>
@@ -2987,7 +2987,7 @@
           <a:p>
             <a:fld id="{71300FDF-26D8-4286-AD0F-7005EF3A2E9C}" type="datetimeFigureOut">
               <a:rPr lang="ko-KR" altLang="en-US" smtClean="0"/>
-              <a:t>2020-03-03</a:t>
+              <a:t>2020-03-05</a:t>
             </a:fld>
             <a:endParaRPr lang="ko-KR" altLang="en-US"/>
           </a:p>
@@ -2998,7 +2998,7 @@
           <p:cNvPr id="6" name="바닥글 개체 틀 5">
             <a:extLst>
               <a:ext uri="{FF2B5EF4-FFF2-40B4-BE49-F238E27FC236}">
-                <a16:creationId xmlns:a16="http://schemas.microsoft.com/office/drawing/2014/main" id="{60EDA96D-B11F-4E33-99AD-DD8DED82D83F}"/>
+                <a16:creationId xmlns:a16="http://schemas.microsoft.com/office/drawing/2014/main" xmlns="" id="{60EDA96D-B11F-4E33-99AD-DD8DED82D83F}"/>
               </a:ext>
             </a:extLst>
           </p:cNvPr>
@@ -3023,7 +3023,7 @@
           <p:cNvPr id="7" name="슬라이드 번호 개체 틀 6">
             <a:extLst>
               <a:ext uri="{FF2B5EF4-FFF2-40B4-BE49-F238E27FC236}">
-                <a16:creationId xmlns:a16="http://schemas.microsoft.com/office/drawing/2014/main" id="{0DF683DF-3B15-40A6-A96B-E9AA2BB9248E}"/>
+                <a16:creationId xmlns:a16="http://schemas.microsoft.com/office/drawing/2014/main" xmlns="" id="{0DF683DF-3B15-40A6-A96B-E9AA2BB9248E}"/>
               </a:ext>
             </a:extLst>
           </p:cNvPr>
@@ -3082,7 +3082,7 @@
           <p:cNvPr id="2" name="제목 1">
             <a:extLst>
               <a:ext uri="{FF2B5EF4-FFF2-40B4-BE49-F238E27FC236}">
-                <a16:creationId xmlns:a16="http://schemas.microsoft.com/office/drawing/2014/main" id="{CB0F6DD0-FC53-4EA4-9EFC-3B2A646AC23D}"/>
+                <a16:creationId xmlns:a16="http://schemas.microsoft.com/office/drawing/2014/main" xmlns="" id="{CB0F6DD0-FC53-4EA4-9EFC-3B2A646AC23D}"/>
               </a:ext>
             </a:extLst>
           </p:cNvPr>
@@ -3119,7 +3119,7 @@
           <p:cNvPr id="3" name="그림 개체 틀 2">
             <a:extLst>
               <a:ext uri="{FF2B5EF4-FFF2-40B4-BE49-F238E27FC236}">
-                <a16:creationId xmlns:a16="http://schemas.microsoft.com/office/drawing/2014/main" id="{38BEFD27-C1FE-4D80-B276-6EC134427D21}"/>
+                <a16:creationId xmlns:a16="http://schemas.microsoft.com/office/drawing/2014/main" xmlns="" id="{38BEFD27-C1FE-4D80-B276-6EC134427D21}"/>
               </a:ext>
             </a:extLst>
           </p:cNvPr>
@@ -3186,7 +3186,7 @@
           <p:cNvPr id="4" name="텍스트 개체 틀 3">
             <a:extLst>
               <a:ext uri="{FF2B5EF4-FFF2-40B4-BE49-F238E27FC236}">
-                <a16:creationId xmlns:a16="http://schemas.microsoft.com/office/drawing/2014/main" id="{7C109E98-B7CC-4B91-8051-62B8A34CA71D}"/>
+                <a16:creationId xmlns:a16="http://schemas.microsoft.com/office/drawing/2014/main" xmlns="" id="{7C109E98-B7CC-4B91-8051-62B8A34CA71D}"/>
               </a:ext>
             </a:extLst>
           </p:cNvPr>
@@ -3257,7 +3257,7 @@
           <p:cNvPr id="5" name="날짜 개체 틀 4">
             <a:extLst>
               <a:ext uri="{FF2B5EF4-FFF2-40B4-BE49-F238E27FC236}">
-                <a16:creationId xmlns:a16="http://schemas.microsoft.com/office/drawing/2014/main" id="{E8CB7189-612E-4A43-A541-9FAAD250DFB4}"/>
+                <a16:creationId xmlns:a16="http://schemas.microsoft.com/office/drawing/2014/main" xmlns="" id="{E8CB7189-612E-4A43-A541-9FAAD250DFB4}"/>
               </a:ext>
             </a:extLst>
           </p:cNvPr>
@@ -3275,7 +3275,7 @@
           <a:p>
             <a:fld id="{71300FDF-26D8-4286-AD0F-7005EF3A2E9C}" type="datetimeFigureOut">
               <a:rPr lang="ko-KR" altLang="en-US" smtClean="0"/>
-              <a:t>2020-03-03</a:t>
+              <a:t>2020-03-05</a:t>
             </a:fld>
             <a:endParaRPr lang="ko-KR" altLang="en-US"/>
           </a:p>
@@ -3286,7 +3286,7 @@
           <p:cNvPr id="6" name="바닥글 개체 틀 5">
             <a:extLst>
               <a:ext uri="{FF2B5EF4-FFF2-40B4-BE49-F238E27FC236}">
-                <a16:creationId xmlns:a16="http://schemas.microsoft.com/office/drawing/2014/main" id="{34688642-C5A6-42DC-A3E3-FD02556FE556}"/>
+                <a16:creationId xmlns:a16="http://schemas.microsoft.com/office/drawing/2014/main" xmlns="" id="{34688642-C5A6-42DC-A3E3-FD02556FE556}"/>
               </a:ext>
             </a:extLst>
           </p:cNvPr>
@@ -3311,7 +3311,7 @@
           <p:cNvPr id="7" name="슬라이드 번호 개체 틀 6">
             <a:extLst>
               <a:ext uri="{FF2B5EF4-FFF2-40B4-BE49-F238E27FC236}">
-                <a16:creationId xmlns:a16="http://schemas.microsoft.com/office/drawing/2014/main" id="{8F260ECE-D337-48A6-892F-20141EE93FA1}"/>
+                <a16:creationId xmlns:a16="http://schemas.microsoft.com/office/drawing/2014/main" xmlns="" id="{8F260ECE-D337-48A6-892F-20141EE93FA1}"/>
               </a:ext>
             </a:extLst>
           </p:cNvPr>
@@ -3375,7 +3375,7 @@
           <p:cNvPr id="2" name="제목 개체 틀 1">
             <a:extLst>
               <a:ext uri="{FF2B5EF4-FFF2-40B4-BE49-F238E27FC236}">
-                <a16:creationId xmlns:a16="http://schemas.microsoft.com/office/drawing/2014/main" id="{C2D603F5-F3AB-4353-A59B-E70ABCF90E46}"/>
+                <a16:creationId xmlns:a16="http://schemas.microsoft.com/office/drawing/2014/main" xmlns="" id="{C2D603F5-F3AB-4353-A59B-E70ABCF90E46}"/>
               </a:ext>
             </a:extLst>
           </p:cNvPr>
@@ -3413,7 +3413,7 @@
           <p:cNvPr id="3" name="텍스트 개체 틀 2">
             <a:extLst>
               <a:ext uri="{FF2B5EF4-FFF2-40B4-BE49-F238E27FC236}">
-                <a16:creationId xmlns:a16="http://schemas.microsoft.com/office/drawing/2014/main" id="{93B9840C-2AB4-46ED-80D3-F2B33BCD6424}"/>
+                <a16:creationId xmlns:a16="http://schemas.microsoft.com/office/drawing/2014/main" xmlns="" id="{93B9840C-2AB4-46ED-80D3-F2B33BCD6424}"/>
               </a:ext>
             </a:extLst>
           </p:cNvPr>
@@ -3480,7 +3480,7 @@
           <p:cNvPr id="4" name="날짜 개체 틀 3">
             <a:extLst>
               <a:ext uri="{FF2B5EF4-FFF2-40B4-BE49-F238E27FC236}">
-                <a16:creationId xmlns:a16="http://schemas.microsoft.com/office/drawing/2014/main" id="{4CDF3D16-ED3F-42C7-B970-98ED651D2462}"/>
+                <a16:creationId xmlns:a16="http://schemas.microsoft.com/office/drawing/2014/main" xmlns="" id="{4CDF3D16-ED3F-42C7-B970-98ED651D2462}"/>
               </a:ext>
             </a:extLst>
           </p:cNvPr>
@@ -3516,7 +3516,7 @@
           <a:p>
             <a:fld id="{71300FDF-26D8-4286-AD0F-7005EF3A2E9C}" type="datetimeFigureOut">
               <a:rPr lang="ko-KR" altLang="en-US" smtClean="0"/>
-              <a:t>2020-03-03</a:t>
+              <a:t>2020-03-05</a:t>
             </a:fld>
             <a:endParaRPr lang="ko-KR" altLang="en-US"/>
           </a:p>
@@ -3527,7 +3527,7 @@
           <p:cNvPr id="5" name="바닥글 개체 틀 4">
             <a:extLst>
               <a:ext uri="{FF2B5EF4-FFF2-40B4-BE49-F238E27FC236}">
-                <a16:creationId xmlns:a16="http://schemas.microsoft.com/office/drawing/2014/main" id="{7AD22579-E3FF-424D-A73F-319C8D2DB990}"/>
+                <a16:creationId xmlns:a16="http://schemas.microsoft.com/office/drawing/2014/main" xmlns="" id="{7AD22579-E3FF-424D-A73F-319C8D2DB990}"/>
               </a:ext>
             </a:extLst>
           </p:cNvPr>
@@ -3570,7 +3570,7 @@
           <p:cNvPr id="6" name="슬라이드 번호 개체 틀 5">
             <a:extLst>
               <a:ext uri="{FF2B5EF4-FFF2-40B4-BE49-F238E27FC236}">
-                <a16:creationId xmlns:a16="http://schemas.microsoft.com/office/drawing/2014/main" id="{1D651F9D-F8A8-442C-8747-A760FC15F4AA}"/>
+                <a16:creationId xmlns:a16="http://schemas.microsoft.com/office/drawing/2014/main" xmlns="" id="{1D651F9D-F8A8-442C-8747-A760FC15F4AA}"/>
               </a:ext>
             </a:extLst>
           </p:cNvPr>
@@ -3959,14 +3959,14 @@
                 <a:gridCol w="1549025">
                   <a:extLst>
                     <a:ext uri="{9D8B030D-6E8A-4147-A177-3AD203B41FA5}">
-                      <a16:colId xmlns:a16="http://schemas.microsoft.com/office/drawing/2014/main" val="20000"/>
+                      <a16:colId xmlns:a16="http://schemas.microsoft.com/office/drawing/2014/main" xmlns="" val="20000"/>
                     </a:ext>
                   </a:extLst>
                 </a:gridCol>
                 <a:gridCol w="2144674">
                   <a:extLst>
                     <a:ext uri="{9D8B030D-6E8A-4147-A177-3AD203B41FA5}">
-                      <a16:colId xmlns:a16="http://schemas.microsoft.com/office/drawing/2014/main" val="20001"/>
+                      <a16:colId xmlns:a16="http://schemas.microsoft.com/office/drawing/2014/main" xmlns="" val="20001"/>
                     </a:ext>
                   </a:extLst>
                 </a:gridCol>
@@ -4124,7 +4124,7 @@
                 </a:tc>
                 <a:extLst>
                   <a:ext uri="{0D108BD9-81ED-4DB2-BD59-A6C34878D82A}">
-                    <a16:rowId xmlns:a16="http://schemas.microsoft.com/office/drawing/2014/main" val="10000"/>
+                    <a16:rowId xmlns:a16="http://schemas.microsoft.com/office/drawing/2014/main" xmlns="" val="10000"/>
                   </a:ext>
                 </a:extLst>
               </a:tr>
@@ -4289,7 +4289,7 @@
                 </a:tc>
                 <a:extLst>
                   <a:ext uri="{0D108BD9-81ED-4DB2-BD59-A6C34878D82A}">
-                    <a16:rowId xmlns:a16="http://schemas.microsoft.com/office/drawing/2014/main" val="10001"/>
+                    <a16:rowId xmlns:a16="http://schemas.microsoft.com/office/drawing/2014/main" xmlns="" val="10001"/>
                   </a:ext>
                 </a:extLst>
               </a:tr>
@@ -4385,7 +4385,7 @@
                 </a:tc>
                 <a:extLst>
                   <a:ext uri="{0D108BD9-81ED-4DB2-BD59-A6C34878D82A}">
-                    <a16:rowId xmlns:a16="http://schemas.microsoft.com/office/drawing/2014/main" val="10002"/>
+                    <a16:rowId xmlns:a16="http://schemas.microsoft.com/office/drawing/2014/main" xmlns="" val="10002"/>
                   </a:ext>
                 </a:extLst>
               </a:tr>
@@ -4413,14 +4413,14 @@
                 <a:gridCol w="1407750">
                   <a:extLst>
                     <a:ext uri="{9D8B030D-6E8A-4147-A177-3AD203B41FA5}">
-                      <a16:colId xmlns:a16="http://schemas.microsoft.com/office/drawing/2014/main" val="20000"/>
+                      <a16:colId xmlns:a16="http://schemas.microsoft.com/office/drawing/2014/main" xmlns="" val="20000"/>
                     </a:ext>
                   </a:extLst>
                 </a:gridCol>
                 <a:gridCol w="1407750">
                   <a:extLst>
                     <a:ext uri="{9D8B030D-6E8A-4147-A177-3AD203B41FA5}">
-                      <a16:colId xmlns:a16="http://schemas.microsoft.com/office/drawing/2014/main" val="20001"/>
+                      <a16:colId xmlns:a16="http://schemas.microsoft.com/office/drawing/2014/main" xmlns="" val="20001"/>
                     </a:ext>
                   </a:extLst>
                 </a:gridCol>
@@ -4586,7 +4586,7 @@
                 </a:tc>
                 <a:extLst>
                   <a:ext uri="{0D108BD9-81ED-4DB2-BD59-A6C34878D82A}">
-                    <a16:rowId xmlns:a16="http://schemas.microsoft.com/office/drawing/2014/main" val="10000"/>
+                    <a16:rowId xmlns:a16="http://schemas.microsoft.com/office/drawing/2014/main" xmlns="" val="10000"/>
                   </a:ext>
                 </a:extLst>
               </a:tr>
@@ -4614,14 +4614,14 @@
                 <a:gridCol w="1407750">
                   <a:extLst>
                     <a:ext uri="{9D8B030D-6E8A-4147-A177-3AD203B41FA5}">
-                      <a16:colId xmlns:a16="http://schemas.microsoft.com/office/drawing/2014/main" val="20000"/>
+                      <a16:colId xmlns:a16="http://schemas.microsoft.com/office/drawing/2014/main" xmlns="" val="20000"/>
                     </a:ext>
                   </a:extLst>
                 </a:gridCol>
                 <a:gridCol w="1407750">
                   <a:extLst>
                     <a:ext uri="{9D8B030D-6E8A-4147-A177-3AD203B41FA5}">
-                      <a16:colId xmlns:a16="http://schemas.microsoft.com/office/drawing/2014/main" val="20001"/>
+                      <a16:colId xmlns:a16="http://schemas.microsoft.com/office/drawing/2014/main" xmlns="" val="20001"/>
                     </a:ext>
                   </a:extLst>
                 </a:gridCol>
@@ -4779,7 +4779,7 @@
                 </a:tc>
                 <a:extLst>
                   <a:ext uri="{0D108BD9-81ED-4DB2-BD59-A6C34878D82A}">
-                    <a16:rowId xmlns:a16="http://schemas.microsoft.com/office/drawing/2014/main" val="10000"/>
+                    <a16:rowId xmlns:a16="http://schemas.microsoft.com/office/drawing/2014/main" xmlns="" val="10000"/>
                   </a:ext>
                 </a:extLst>
               </a:tr>
@@ -4794,7 +4794,7 @@
           <p:nvPr>
             <p:extLst>
               <p:ext uri="{D42A27DB-BD31-4B8C-83A1-F6EECF244321}">
-                <p14:modId xmlns:p14="http://schemas.microsoft.com/office/powerpoint/2010/main" val="3741255167"/>
+                <p14:modId xmlns:p14="http://schemas.microsoft.com/office/powerpoint/2010/main" val="857173977"/>
               </p:ext>
             </p:extLst>
           </p:nvPr>
@@ -4813,14 +4813,14 @@
                 <a:gridCol w="289755">
                   <a:extLst>
                     <a:ext uri="{9D8B030D-6E8A-4147-A177-3AD203B41FA5}">
-                      <a16:colId xmlns:a16="http://schemas.microsoft.com/office/drawing/2014/main" val="20000"/>
+                      <a16:colId xmlns:a16="http://schemas.microsoft.com/office/drawing/2014/main" xmlns="" val="20000"/>
                     </a:ext>
                   </a:extLst>
                 </a:gridCol>
                 <a:gridCol w="2662575">
                   <a:extLst>
                     <a:ext uri="{9D8B030D-6E8A-4147-A177-3AD203B41FA5}">
-                      <a16:colId xmlns:a16="http://schemas.microsoft.com/office/drawing/2014/main" val="20001"/>
+                      <a16:colId xmlns:a16="http://schemas.microsoft.com/office/drawing/2014/main" xmlns="" val="20001"/>
                     </a:ext>
                   </a:extLst>
                 </a:gridCol>
@@ -4986,7 +4986,1960 @@
                 </a:tc>
                 <a:extLst>
                   <a:ext uri="{0D108BD9-81ED-4DB2-BD59-A6C34878D82A}">
-                    <a16:rowId xmlns:a16="http://schemas.microsoft.com/office/drawing/2014/main" val="10000"/>
+                    <a16:rowId xmlns:a16="http://schemas.microsoft.com/office/drawing/2014/main" xmlns="" val="10000"/>
+                  </a:ext>
+                </a:extLst>
+              </a:tr>
+              <a:tr h="328022">
+                <a:tc>
+                  <a:txBody>
+                    <a:bodyPr/>
+                    <a:lstStyle/>
+                    <a:p>
+                      <a:pPr marL="0" marR="0" lvl="0" indent="0" algn="ctr" rtl="0">
+                        <a:lnSpc>
+                          <a:spcPct val="100000"/>
+                        </a:lnSpc>
+                        <a:spcBef>
+                          <a:spcPts val="0"/>
+                        </a:spcBef>
+                        <a:spcAft>
+                          <a:spcPts val="0"/>
+                        </a:spcAft>
+                        <a:buClr>
+                          <a:srgbClr val="000000"/>
+                        </a:buClr>
+                        <a:buSzPts val="1500"/>
+                        <a:buFont typeface="Arial"/>
+                        <a:buNone/>
+                      </a:pPr>
+                      <a:r>
+                        <a:rPr lang="ko-KR" sz="1500" u="none" strike="noStrike" cap="none" dirty="0">
+                          <a:solidFill>
+                            <a:schemeClr val="dk1"/>
+                          </a:solidFill>
+                        </a:rPr>
+                        <a:t>1</a:t>
+                      </a:r>
+                      <a:endParaRPr sz="1500" u="none" strike="noStrike" cap="none" dirty="0">
+                        <a:solidFill>
+                          <a:schemeClr val="dk1"/>
+                        </a:solidFill>
+                      </a:endParaRPr>
+                    </a:p>
+                  </a:txBody>
+                  <a:tcPr marL="91451" marR="91451" marT="45725" marB="45725" anchor="ctr">
+                    <a:lnL w="12700" cap="flat" cmpd="sng">
+                      <a:solidFill>
+                        <a:schemeClr val="dk1"/>
+                      </a:solidFill>
+                      <a:prstDash val="solid"/>
+                      <a:round/>
+                      <a:headEnd type="none" w="sm" len="sm"/>
+                      <a:tailEnd type="none" w="sm" len="sm"/>
+                    </a:lnL>
+                    <a:lnR w="12700" cap="flat" cmpd="sng">
+                      <a:solidFill>
+                        <a:schemeClr val="dk1"/>
+                      </a:solidFill>
+                      <a:prstDash val="solid"/>
+                      <a:round/>
+                      <a:headEnd type="none" w="sm" len="sm"/>
+                      <a:tailEnd type="none" w="sm" len="sm"/>
+                    </a:lnR>
+                    <a:lnT w="12700" cap="flat" cmpd="sng">
+                      <a:solidFill>
+                        <a:schemeClr val="dk1"/>
+                      </a:solidFill>
+                      <a:prstDash val="solid"/>
+                      <a:round/>
+                      <a:headEnd type="none" w="sm" len="sm"/>
+                      <a:tailEnd type="none" w="sm" len="sm"/>
+                    </a:lnT>
+                    <a:lnB w="12700" cap="flat" cmpd="sng">
+                      <a:solidFill>
+                        <a:schemeClr val="dk1"/>
+                      </a:solidFill>
+                      <a:prstDash val="solid"/>
+                      <a:round/>
+                      <a:headEnd type="none" w="sm" len="sm"/>
+                      <a:tailEnd type="none" w="sm" len="sm"/>
+                    </a:lnB>
+                    <a:solidFill>
+                      <a:schemeClr val="lt1"/>
+                    </a:solidFill>
+                  </a:tcPr>
+                </a:tc>
+                <a:tc>
+                  <a:txBody>
+                    <a:bodyPr/>
+                    <a:lstStyle/>
+                    <a:p>
+                      <a:pPr marL="133350" marR="0" lvl="0" indent="0" algn="l" rtl="0">
+                        <a:lnSpc>
+                          <a:spcPct val="100000"/>
+                        </a:lnSpc>
+                        <a:spcBef>
+                          <a:spcPts val="0"/>
+                        </a:spcBef>
+                        <a:spcAft>
+                          <a:spcPts val="0"/>
+                        </a:spcAft>
+                        <a:buClr>
+                          <a:srgbClr val="000000"/>
+                        </a:buClr>
+                        <a:buSzPts val="1500"/>
+                        <a:buFont typeface="Arial"/>
+                        <a:buNone/>
+                        <a:tabLst/>
+                      </a:pPr>
+                      <a:r>
+                        <a:rPr lang="ko-KR" altLang="en-US" sz="1300" b="0" u="none" strike="noStrike" cap="none" dirty="0" err="1"/>
+                        <a:t>신고카테고리</a:t>
+                      </a:r>
+                      <a:r>
+                        <a:rPr lang="ko-KR" altLang="en-US" sz="1300" b="0" u="none" strike="noStrike" cap="none" dirty="0"/>
+                        <a:t> 선택</a:t>
+                      </a:r>
+                      <a:endParaRPr lang="en-US" altLang="ko-KR" sz="1300" b="0" u="none" strike="noStrike" cap="none" dirty="0"/>
+                    </a:p>
+                    <a:p>
+                      <a:pPr marL="133350" marR="0" lvl="0" indent="0" algn="l" rtl="0">
+                        <a:lnSpc>
+                          <a:spcPct val="100000"/>
+                        </a:lnSpc>
+                        <a:spcBef>
+                          <a:spcPts val="0"/>
+                        </a:spcBef>
+                        <a:spcAft>
+                          <a:spcPts val="0"/>
+                        </a:spcAft>
+                        <a:buClr>
+                          <a:srgbClr val="000000"/>
+                        </a:buClr>
+                        <a:buSzPts val="1500"/>
+                        <a:buFont typeface="Arial"/>
+                        <a:buNone/>
+                        <a:tabLst/>
+                      </a:pPr>
+                      <a:r>
+                        <a:rPr lang="ko-KR" altLang="en-US" sz="1300" b="0" u="none" strike="noStrike" cap="none" dirty="0"/>
+                        <a:t>종류</a:t>
+                      </a:r>
+                      <a:r>
+                        <a:rPr lang="en-US" altLang="ko-KR" sz="1300" b="0" u="none" strike="noStrike" cap="none" dirty="0"/>
+                        <a:t>(</a:t>
+                      </a:r>
+                      <a:r>
+                        <a:rPr lang="ko-KR" altLang="en-US" sz="1300" b="0" u="none" strike="noStrike" cap="none" dirty="0"/>
+                        <a:t>광고</a:t>
+                      </a:r>
+                      <a:r>
+                        <a:rPr lang="en-US" altLang="ko-KR" sz="1300" b="0" u="none" strike="noStrike" cap="none" dirty="0"/>
+                        <a:t>, </a:t>
+                      </a:r>
+                      <a:r>
+                        <a:rPr lang="ko-KR" altLang="en-US" sz="1300" b="0" u="none" strike="noStrike" cap="none" dirty="0"/>
+                        <a:t>물품정보 부정확</a:t>
+                      </a:r>
+                      <a:r>
+                        <a:rPr lang="en-US" altLang="ko-KR" sz="1300" b="0" u="none" strike="noStrike" cap="none" dirty="0"/>
+                        <a:t>, </a:t>
+                      </a:r>
+                      <a:r>
+                        <a:rPr lang="ko-KR" altLang="en-US" sz="1300" b="0" u="none" strike="noStrike" cap="none" dirty="0"/>
+                        <a:t>거래 금지 품목</a:t>
+                      </a:r>
+                      <a:r>
+                        <a:rPr lang="en-US" altLang="ko-KR" sz="1300" b="0" u="none" strike="noStrike" cap="none" dirty="0"/>
+                        <a:t>, </a:t>
+                      </a:r>
+                      <a:r>
+                        <a:rPr lang="ko-KR" altLang="en-US" sz="1300" b="0" u="none" strike="noStrike" cap="none" dirty="0"/>
+                        <a:t>언어폭력</a:t>
+                      </a:r>
+                      <a:r>
+                        <a:rPr lang="en-US" altLang="ko-KR" sz="1300" b="0" u="none" strike="noStrike" cap="none" dirty="0"/>
+                        <a:t>, </a:t>
+                      </a:r>
+                      <a:r>
+                        <a:rPr lang="ko-KR" altLang="en-US" sz="1300" b="0" u="none" strike="noStrike" cap="none" dirty="0"/>
+                        <a:t>기타사유</a:t>
+                      </a:r>
+                      <a:r>
+                        <a:rPr lang="en-US" altLang="ko-KR" sz="1300" b="0" u="none" strike="noStrike" cap="none" dirty="0"/>
+                        <a:t>, </a:t>
+                      </a:r>
+                      <a:r>
+                        <a:rPr lang="ko-KR" altLang="en-US" sz="1300" b="0" u="none" strike="noStrike" cap="none" dirty="0"/>
+                        <a:t>기타 사유</a:t>
+                      </a:r>
+                      <a:r>
+                        <a:rPr lang="en-US" altLang="ko-KR" sz="1300" b="0" u="none" strike="noStrike" cap="none" dirty="0"/>
+                        <a:t>)</a:t>
+                      </a:r>
+                    </a:p>
+                    <a:p>
+                      <a:pPr marL="133350" marR="0" lvl="0" indent="0" algn="l" rtl="0">
+                        <a:lnSpc>
+                          <a:spcPct val="100000"/>
+                        </a:lnSpc>
+                        <a:spcBef>
+                          <a:spcPts val="0"/>
+                        </a:spcBef>
+                        <a:spcAft>
+                          <a:spcPts val="0"/>
+                        </a:spcAft>
+                        <a:buClr>
+                          <a:srgbClr val="000000"/>
+                        </a:buClr>
+                        <a:buSzPts val="1500"/>
+                        <a:buFont typeface="Arial"/>
+                        <a:buNone/>
+                        <a:tabLst/>
+                      </a:pPr>
+                      <a:r>
+                        <a:rPr lang="ko-KR" altLang="en-US" sz="1300" b="0" u="none" strike="noStrike" cap="none" dirty="0" err="1"/>
+                        <a:t>셀렉트</a:t>
+                      </a:r>
+                      <a:r>
+                        <a:rPr lang="ko-KR" altLang="en-US" sz="1300" b="0" u="none" strike="noStrike" cap="none" dirty="0"/>
+                        <a:t> 메뉴로 선택가능</a:t>
+                      </a:r>
+                      <a:r>
+                        <a:rPr lang="en-US" altLang="ko-KR" sz="1300" b="0" u="none" strike="noStrike" cap="none" dirty="0" smtClean="0"/>
+                        <a:t>.</a:t>
+                      </a:r>
+                    </a:p>
+                  </a:txBody>
+                  <a:tcPr marL="91451" marR="91451" marT="45725" marB="45725">
+                    <a:lnL w="12700" cap="flat" cmpd="sng">
+                      <a:solidFill>
+                        <a:schemeClr val="dk1"/>
+                      </a:solidFill>
+                      <a:prstDash val="solid"/>
+                      <a:round/>
+                      <a:headEnd type="none" w="sm" len="sm"/>
+                      <a:tailEnd type="none" w="sm" len="sm"/>
+                    </a:lnL>
+                    <a:lnR w="12700" cap="flat" cmpd="sng">
+                      <a:solidFill>
+                        <a:schemeClr val="dk1"/>
+                      </a:solidFill>
+                      <a:prstDash val="solid"/>
+                      <a:round/>
+                      <a:headEnd type="none" w="sm" len="sm"/>
+                      <a:tailEnd type="none" w="sm" len="sm"/>
+                    </a:lnR>
+                    <a:lnT w="12700" cap="flat" cmpd="sng">
+                      <a:solidFill>
+                        <a:schemeClr val="dk1"/>
+                      </a:solidFill>
+                      <a:prstDash val="solid"/>
+                      <a:round/>
+                      <a:headEnd type="none" w="sm" len="sm"/>
+                      <a:tailEnd type="none" w="sm" len="sm"/>
+                    </a:lnT>
+                    <a:lnB w="12700" cap="flat" cmpd="sng">
+                      <a:solidFill>
+                        <a:schemeClr val="dk1"/>
+                      </a:solidFill>
+                      <a:prstDash val="solid"/>
+                      <a:round/>
+                      <a:headEnd type="none" w="sm" len="sm"/>
+                      <a:tailEnd type="none" w="sm" len="sm"/>
+                    </a:lnB>
+                    <a:solidFill>
+                      <a:schemeClr val="lt1"/>
+                    </a:solidFill>
+                  </a:tcPr>
+                </a:tc>
+                <a:extLst>
+                  <a:ext uri="{0D108BD9-81ED-4DB2-BD59-A6C34878D82A}">
+                    <a16:rowId xmlns:a16="http://schemas.microsoft.com/office/drawing/2014/main" xmlns="" val="10001"/>
+                  </a:ext>
+                </a:extLst>
+              </a:tr>
+              <a:tr h="819048">
+                <a:tc>
+                  <a:txBody>
+                    <a:bodyPr/>
+                    <a:lstStyle/>
+                    <a:p>
+                      <a:pPr marL="0" marR="0" lvl="0" indent="0" algn="ctr" rtl="0">
+                        <a:lnSpc>
+                          <a:spcPct val="100000"/>
+                        </a:lnSpc>
+                        <a:spcBef>
+                          <a:spcPts val="0"/>
+                        </a:spcBef>
+                        <a:spcAft>
+                          <a:spcPts val="0"/>
+                        </a:spcAft>
+                        <a:buClr>
+                          <a:srgbClr val="000000"/>
+                        </a:buClr>
+                        <a:buSzPts val="1500"/>
+                        <a:buFont typeface="Arial"/>
+                        <a:buNone/>
+                      </a:pPr>
+                      <a:r>
+                        <a:rPr lang="ko-KR" sz="1500" u="none" strike="noStrike" cap="none" dirty="0">
+                          <a:solidFill>
+                            <a:schemeClr val="dk1"/>
+                          </a:solidFill>
+                        </a:rPr>
+                        <a:t>2</a:t>
+                      </a:r>
+                      <a:endParaRPr sz="1500" u="none" strike="noStrike" cap="none" dirty="0">
+                        <a:solidFill>
+                          <a:schemeClr val="dk1"/>
+                        </a:solidFill>
+                      </a:endParaRPr>
+                    </a:p>
+                  </a:txBody>
+                  <a:tcPr marL="91451" marR="91451" marT="45725" marB="45725" anchor="ctr">
+                    <a:lnL w="12700" cap="flat" cmpd="sng">
+                      <a:solidFill>
+                        <a:schemeClr val="dk1"/>
+                      </a:solidFill>
+                      <a:prstDash val="solid"/>
+                      <a:round/>
+                      <a:headEnd type="none" w="sm" len="sm"/>
+                      <a:tailEnd type="none" w="sm" len="sm"/>
+                    </a:lnL>
+                    <a:lnR w="12700" cap="flat" cmpd="sng">
+                      <a:solidFill>
+                        <a:schemeClr val="dk1"/>
+                      </a:solidFill>
+                      <a:prstDash val="solid"/>
+                      <a:round/>
+                      <a:headEnd type="none" w="sm" len="sm"/>
+                      <a:tailEnd type="none" w="sm" len="sm"/>
+                    </a:lnR>
+                    <a:lnT w="12700" cap="flat" cmpd="sng">
+                      <a:solidFill>
+                        <a:schemeClr val="dk1"/>
+                      </a:solidFill>
+                      <a:prstDash val="solid"/>
+                      <a:round/>
+                      <a:headEnd type="none" w="sm" len="sm"/>
+                      <a:tailEnd type="none" w="sm" len="sm"/>
+                    </a:lnT>
+                    <a:lnB w="12700" cap="flat" cmpd="sng">
+                      <a:solidFill>
+                        <a:schemeClr val="dk1"/>
+                      </a:solidFill>
+                      <a:prstDash val="solid"/>
+                      <a:round/>
+                      <a:headEnd type="none" w="sm" len="sm"/>
+                      <a:tailEnd type="none" w="sm" len="sm"/>
+                    </a:lnB>
+                    <a:solidFill>
+                      <a:schemeClr val="lt1"/>
+                    </a:solidFill>
+                  </a:tcPr>
+                </a:tc>
+                <a:tc>
+                  <a:txBody>
+                    <a:bodyPr/>
+                    <a:lstStyle/>
+                    <a:p>
+                      <a:pPr marL="133350" marR="0" lvl="0" indent="0" algn="l" rtl="0">
+                        <a:lnSpc>
+                          <a:spcPct val="100000"/>
+                        </a:lnSpc>
+                        <a:spcBef>
+                          <a:spcPts val="0"/>
+                        </a:spcBef>
+                        <a:spcAft>
+                          <a:spcPts val="0"/>
+                        </a:spcAft>
+                        <a:buClr>
+                          <a:srgbClr val="000000"/>
+                        </a:buClr>
+                        <a:buSzPts val="1500"/>
+                        <a:buFont typeface="Arial"/>
+                        <a:buNone/>
+                      </a:pPr>
+                      <a:r>
+                        <a:rPr lang="ko-KR" altLang="en-US" sz="1300" b="0" u="none" strike="noStrike" cap="none" dirty="0"/>
+                        <a:t>상세내용 입력 후</a:t>
+                      </a:r>
+                      <a:r>
+                        <a:rPr lang="en-US" altLang="ko-KR" sz="1300" b="0" u="none" strike="noStrike" cap="none" dirty="0"/>
+                        <a:t>, </a:t>
+                      </a:r>
+                      <a:r>
+                        <a:rPr lang="ko-KR" altLang="en-US" sz="1300" b="0" u="none" strike="noStrike" cap="none" dirty="0"/>
+                        <a:t>등록을 누르면 신고가 완료됨</a:t>
+                      </a:r>
+                      <a:r>
+                        <a:rPr lang="en-US" altLang="ko-KR" sz="1300" b="0" u="none" strike="noStrike" cap="none"/>
+                        <a:t>.</a:t>
+                      </a:r>
+                      <a:endParaRPr lang="en-US" altLang="ko-KR" sz="1300" b="0" u="none" strike="noStrike" cap="none" dirty="0"/>
+                    </a:p>
+                  </a:txBody>
+                  <a:tcPr marL="91451" marR="91451" marT="45725" marB="45725">
+                    <a:lnL w="12700" cap="flat" cmpd="sng">
+                      <a:solidFill>
+                        <a:schemeClr val="dk1"/>
+                      </a:solidFill>
+                      <a:prstDash val="solid"/>
+                      <a:round/>
+                      <a:headEnd type="none" w="sm" len="sm"/>
+                      <a:tailEnd type="none" w="sm" len="sm"/>
+                    </a:lnL>
+                    <a:lnR w="12700" cap="flat" cmpd="sng">
+                      <a:solidFill>
+                        <a:schemeClr val="dk1"/>
+                      </a:solidFill>
+                      <a:prstDash val="solid"/>
+                      <a:round/>
+                      <a:headEnd type="none" w="sm" len="sm"/>
+                      <a:tailEnd type="none" w="sm" len="sm"/>
+                    </a:lnR>
+                    <a:lnT w="12700" cap="flat" cmpd="sng">
+                      <a:solidFill>
+                        <a:schemeClr val="dk1"/>
+                      </a:solidFill>
+                      <a:prstDash val="solid"/>
+                      <a:round/>
+                      <a:headEnd type="none" w="sm" len="sm"/>
+                      <a:tailEnd type="none" w="sm" len="sm"/>
+                    </a:lnT>
+                    <a:lnB w="12700" cap="flat" cmpd="sng">
+                      <a:solidFill>
+                        <a:schemeClr val="dk1"/>
+                      </a:solidFill>
+                      <a:prstDash val="solid"/>
+                      <a:round/>
+                      <a:headEnd type="none" w="sm" len="sm"/>
+                      <a:tailEnd type="none" w="sm" len="sm"/>
+                    </a:lnB>
+                    <a:solidFill>
+                      <a:schemeClr val="lt1"/>
+                    </a:solidFill>
+                  </a:tcPr>
+                </a:tc>
+                <a:extLst>
+                  <a:ext uri="{0D108BD9-81ED-4DB2-BD59-A6C34878D82A}">
+                    <a16:rowId xmlns:a16="http://schemas.microsoft.com/office/drawing/2014/main" xmlns="" val="10002"/>
+                  </a:ext>
+                </a:extLst>
+              </a:tr>
+            </a:tbl>
+          </a:graphicData>
+        </a:graphic>
+      </p:graphicFrame>
+      <p:sp>
+        <p:nvSpPr>
+          <p:cNvPr id="6" name="직사각형 5"/>
+          <p:cNvSpPr/>
+          <p:nvPr/>
+        </p:nvSpPr>
+        <p:spPr>
+          <a:xfrm>
+            <a:off x="876293" y="2581906"/>
+            <a:ext cx="289014" cy="216024"/>
+          </a:xfrm>
+          <a:prstGeom prst="rect">
+            <a:avLst/>
+          </a:prstGeom>
+          <a:solidFill>
+            <a:srgbClr val="FF0000"/>
+          </a:solidFill>
+          <a:ln>
+            <a:solidFill>
+              <a:schemeClr val="tx1"/>
+            </a:solidFill>
+          </a:ln>
+        </p:spPr>
+        <p:style>
+          <a:lnRef idx="2">
+            <a:schemeClr val="accent1">
+              <a:shade val="50000"/>
+            </a:schemeClr>
+          </a:lnRef>
+          <a:fillRef idx="1">
+            <a:schemeClr val="accent1"/>
+          </a:fillRef>
+          <a:effectRef idx="0">
+            <a:schemeClr val="accent1"/>
+          </a:effectRef>
+          <a:fontRef idx="minor">
+            <a:schemeClr val="lt1"/>
+          </a:fontRef>
+        </p:style>
+        <p:txBody>
+          <a:bodyPr rtlCol="0" anchor="ctr"/>
+          <a:lstStyle/>
+          <a:p>
+            <a:pPr algn="ctr"/>
+            <a:r>
+              <a:rPr lang="en-US" altLang="ko-KR" sz="1200" dirty="0">
+                <a:solidFill>
+                  <a:schemeClr val="tx1"/>
+                </a:solidFill>
+              </a:rPr>
+              <a:t>1</a:t>
+            </a:r>
+            <a:endParaRPr lang="ko-KR" altLang="en-US" sz="1200" dirty="0">
+              <a:solidFill>
+                <a:schemeClr val="tx1"/>
+              </a:solidFill>
+            </a:endParaRPr>
+          </a:p>
+        </p:txBody>
+      </p:sp>
+      <p:sp>
+        <p:nvSpPr>
+          <p:cNvPr id="28" name="직사각형 27"/>
+          <p:cNvSpPr/>
+          <p:nvPr/>
+        </p:nvSpPr>
+        <p:spPr>
+          <a:xfrm>
+            <a:off x="866567" y="3825819"/>
+            <a:ext cx="289014" cy="216024"/>
+          </a:xfrm>
+          <a:prstGeom prst="rect">
+            <a:avLst/>
+          </a:prstGeom>
+          <a:solidFill>
+            <a:srgbClr val="FF0000"/>
+          </a:solidFill>
+          <a:ln>
+            <a:solidFill>
+              <a:schemeClr val="tx1"/>
+            </a:solidFill>
+          </a:ln>
+        </p:spPr>
+        <p:style>
+          <a:lnRef idx="2">
+            <a:schemeClr val="accent1">
+              <a:shade val="50000"/>
+            </a:schemeClr>
+          </a:lnRef>
+          <a:fillRef idx="1">
+            <a:schemeClr val="accent1"/>
+          </a:fillRef>
+          <a:effectRef idx="0">
+            <a:schemeClr val="accent1"/>
+          </a:effectRef>
+          <a:fontRef idx="minor">
+            <a:schemeClr val="lt1"/>
+          </a:fontRef>
+        </p:style>
+        <p:txBody>
+          <a:bodyPr rtlCol="0" anchor="ctr"/>
+          <a:lstStyle/>
+          <a:p>
+            <a:pPr algn="ctr"/>
+            <a:r>
+              <a:rPr lang="en-US" altLang="ko-KR" sz="1200" dirty="0">
+                <a:solidFill>
+                  <a:schemeClr val="tx1"/>
+                </a:solidFill>
+              </a:rPr>
+              <a:t>2</a:t>
+            </a:r>
+            <a:endParaRPr lang="ko-KR" altLang="en-US" sz="1200" dirty="0">
+              <a:solidFill>
+                <a:schemeClr val="tx1"/>
+              </a:solidFill>
+            </a:endParaRPr>
+          </a:p>
+        </p:txBody>
+      </p:sp>
+      <p:sp>
+        <p:nvSpPr>
+          <p:cNvPr id="12" name="직사각형 11"/>
+          <p:cNvSpPr/>
+          <p:nvPr/>
+        </p:nvSpPr>
+        <p:spPr>
+          <a:xfrm>
+            <a:off x="797627" y="1412776"/>
+            <a:ext cx="5194611" cy="5184576"/>
+          </a:xfrm>
+          <a:prstGeom prst="rect">
+            <a:avLst/>
+          </a:prstGeom>
+          <a:noFill/>
+          <a:ln>
+            <a:solidFill>
+              <a:schemeClr val="tx1"/>
+            </a:solidFill>
+          </a:ln>
+        </p:spPr>
+        <p:style>
+          <a:lnRef idx="2">
+            <a:schemeClr val="accent1">
+              <a:shade val="50000"/>
+            </a:schemeClr>
+          </a:lnRef>
+          <a:fillRef idx="1">
+            <a:schemeClr val="accent1"/>
+          </a:fillRef>
+          <a:effectRef idx="0">
+            <a:schemeClr val="accent1"/>
+          </a:effectRef>
+          <a:fontRef idx="minor">
+            <a:schemeClr val="lt1"/>
+          </a:fontRef>
+        </p:style>
+        <p:txBody>
+          <a:bodyPr rtlCol="0" anchor="ctr"/>
+          <a:lstStyle/>
+          <a:p>
+            <a:pPr algn="ctr"/>
+            <a:endParaRPr lang="ko-KR" altLang="en-US"/>
+          </a:p>
+        </p:txBody>
+      </p:sp>
+      <p:pic>
+        <p:nvPicPr>
+          <p:cNvPr id="29" name="그림 28">
+            <a:extLst>
+              <a:ext uri="{FF2B5EF4-FFF2-40B4-BE49-F238E27FC236}">
+                <a16:creationId xmlns:a16="http://schemas.microsoft.com/office/drawing/2014/main" xmlns="" id="{CDC65914-2404-4E6E-86BB-89502E852F33}"/>
+              </a:ext>
+            </a:extLst>
+          </p:cNvPr>
+          <p:cNvPicPr>
+            <a:picLocks noChangeAspect="1"/>
+          </p:cNvPicPr>
+          <p:nvPr/>
+        </p:nvPicPr>
+        <p:blipFill>
+          <a:blip r:embed="rId3">
+            <a:extLst>
+              <a:ext uri="{28A0092B-C50C-407E-A947-70E740481C1C}">
+                <a14:useLocalDpi xmlns:a14="http://schemas.microsoft.com/office/drawing/2010/main" val="0"/>
+              </a:ext>
+            </a:extLst>
+          </a:blip>
+          <a:stretch>
+            <a:fillRect/>
+          </a:stretch>
+        </p:blipFill>
+        <p:spPr>
+          <a:xfrm>
+            <a:off x="952625" y="1536920"/>
+            <a:ext cx="4842064" cy="801103"/>
+          </a:xfrm>
+          <a:prstGeom prst="rect">
+            <a:avLst/>
+          </a:prstGeom>
+        </p:spPr>
+      </p:pic>
+      <p:sp>
+        <p:nvSpPr>
+          <p:cNvPr id="2" name="직사각형 1"/>
+          <p:cNvSpPr/>
+          <p:nvPr/>
+        </p:nvSpPr>
+        <p:spPr>
+          <a:xfrm>
+            <a:off x="1352496" y="2483224"/>
+            <a:ext cx="4340092" cy="591670"/>
+          </a:xfrm>
+          <a:prstGeom prst="rect">
+            <a:avLst/>
+          </a:prstGeom>
+          <a:noFill/>
+          <a:ln>
+            <a:solidFill>
+              <a:schemeClr val="tx1"/>
+            </a:solidFill>
+          </a:ln>
+        </p:spPr>
+        <p:style>
+          <a:lnRef idx="2">
+            <a:schemeClr val="accent1">
+              <a:shade val="50000"/>
+            </a:schemeClr>
+          </a:lnRef>
+          <a:fillRef idx="1">
+            <a:schemeClr val="accent1"/>
+          </a:fillRef>
+          <a:effectRef idx="0">
+            <a:schemeClr val="accent1"/>
+          </a:effectRef>
+          <a:fontRef idx="minor">
+            <a:schemeClr val="lt1"/>
+          </a:fontRef>
+        </p:style>
+        <p:txBody>
+          <a:bodyPr rtlCol="0" anchor="ctr"/>
+          <a:lstStyle/>
+          <a:p>
+            <a:pPr algn="ctr"/>
+            <a:r>
+              <a:rPr lang="ko-KR" altLang="en-US" dirty="0" smtClean="0">
+                <a:solidFill>
+                  <a:schemeClr val="tx1"/>
+                </a:solidFill>
+              </a:rPr>
+              <a:t>카테고리 선택 </a:t>
+            </a:r>
+            <a:endParaRPr lang="ko-KR" altLang="en-US" dirty="0">
+              <a:solidFill>
+                <a:schemeClr val="tx1"/>
+              </a:solidFill>
+            </a:endParaRPr>
+          </a:p>
+        </p:txBody>
+      </p:sp>
+      <p:sp>
+        <p:nvSpPr>
+          <p:cNvPr id="13" name="직사각형 12"/>
+          <p:cNvSpPr/>
+          <p:nvPr/>
+        </p:nvSpPr>
+        <p:spPr>
+          <a:xfrm>
+            <a:off x="1352496" y="3834783"/>
+            <a:ext cx="4340092" cy="1535075"/>
+          </a:xfrm>
+          <a:prstGeom prst="rect">
+            <a:avLst/>
+          </a:prstGeom>
+          <a:noFill/>
+          <a:ln>
+            <a:solidFill>
+              <a:schemeClr val="tx1"/>
+            </a:solidFill>
+          </a:ln>
+        </p:spPr>
+        <p:style>
+          <a:lnRef idx="2">
+            <a:schemeClr val="accent1">
+              <a:shade val="50000"/>
+            </a:schemeClr>
+          </a:lnRef>
+          <a:fillRef idx="1">
+            <a:schemeClr val="accent1"/>
+          </a:fillRef>
+          <a:effectRef idx="0">
+            <a:schemeClr val="accent1"/>
+          </a:effectRef>
+          <a:fontRef idx="minor">
+            <a:schemeClr val="lt1"/>
+          </a:fontRef>
+        </p:style>
+        <p:txBody>
+          <a:bodyPr rtlCol="0" anchor="ctr"/>
+          <a:lstStyle/>
+          <a:p>
+            <a:pPr algn="ctr"/>
+            <a:r>
+              <a:rPr lang="ko-KR" altLang="en-US" dirty="0" smtClean="0">
+                <a:solidFill>
+                  <a:schemeClr val="tx1"/>
+                </a:solidFill>
+              </a:rPr>
+              <a:t>내용</a:t>
+            </a:r>
+            <a:endParaRPr lang="ko-KR" altLang="en-US" dirty="0">
+              <a:solidFill>
+                <a:schemeClr val="tx1"/>
+              </a:solidFill>
+            </a:endParaRPr>
+          </a:p>
+        </p:txBody>
+      </p:sp>
+      <p:sp>
+        <p:nvSpPr>
+          <p:cNvPr id="15" name="직사각형 14"/>
+          <p:cNvSpPr/>
+          <p:nvPr/>
+        </p:nvSpPr>
+        <p:spPr>
+          <a:xfrm>
+            <a:off x="4597719" y="5862916"/>
+            <a:ext cx="1094869" cy="430305"/>
+          </a:xfrm>
+          <a:prstGeom prst="rect">
+            <a:avLst/>
+          </a:prstGeom>
+          <a:noFill/>
+          <a:ln>
+            <a:solidFill>
+              <a:schemeClr val="tx1"/>
+            </a:solidFill>
+          </a:ln>
+        </p:spPr>
+        <p:style>
+          <a:lnRef idx="2">
+            <a:schemeClr val="accent1">
+              <a:shade val="50000"/>
+            </a:schemeClr>
+          </a:lnRef>
+          <a:fillRef idx="1">
+            <a:schemeClr val="accent1"/>
+          </a:fillRef>
+          <a:effectRef idx="0">
+            <a:schemeClr val="accent1"/>
+          </a:effectRef>
+          <a:fontRef idx="minor">
+            <a:schemeClr val="lt1"/>
+          </a:fontRef>
+        </p:style>
+        <p:txBody>
+          <a:bodyPr rtlCol="0" anchor="ctr"/>
+          <a:lstStyle/>
+          <a:p>
+            <a:pPr algn="ctr"/>
+            <a:r>
+              <a:rPr lang="ko-KR" altLang="en-US" smtClean="0">
+                <a:solidFill>
+                  <a:schemeClr val="tx1"/>
+                </a:solidFill>
+              </a:rPr>
+              <a:t>등록</a:t>
+            </a:r>
+            <a:endParaRPr lang="ko-KR" altLang="en-US" dirty="0">
+              <a:solidFill>
+                <a:schemeClr val="tx1"/>
+              </a:solidFill>
+            </a:endParaRPr>
+          </a:p>
+        </p:txBody>
+      </p:sp>
+      <p:sp>
+        <p:nvSpPr>
+          <p:cNvPr id="3" name="이등변 삼각형 2"/>
+          <p:cNvSpPr/>
+          <p:nvPr/>
+        </p:nvSpPr>
+        <p:spPr>
+          <a:xfrm rot="10800000">
+            <a:off x="5293658" y="2663277"/>
+            <a:ext cx="259977" cy="250506"/>
+          </a:xfrm>
+          <a:prstGeom prst="triangle">
+            <a:avLst/>
+          </a:prstGeom>
+          <a:solidFill>
+            <a:schemeClr val="tx1"/>
+          </a:solidFill>
+        </p:spPr>
+        <p:style>
+          <a:lnRef idx="2">
+            <a:schemeClr val="accent1">
+              <a:shade val="50000"/>
+            </a:schemeClr>
+          </a:lnRef>
+          <a:fillRef idx="1">
+            <a:schemeClr val="accent1"/>
+          </a:fillRef>
+          <a:effectRef idx="0">
+            <a:schemeClr val="accent1"/>
+          </a:effectRef>
+          <a:fontRef idx="minor">
+            <a:schemeClr val="lt1"/>
+          </a:fontRef>
+        </p:style>
+        <p:txBody>
+          <a:bodyPr rtlCol="0" anchor="ctr"/>
+          <a:lstStyle/>
+          <a:p>
+            <a:pPr algn="ctr"/>
+            <a:endParaRPr lang="ko-KR" altLang="en-US">
+              <a:solidFill>
+                <a:schemeClr val="tx1"/>
+              </a:solidFill>
+            </a:endParaRPr>
+          </a:p>
+        </p:txBody>
+      </p:sp>
+    </p:spTree>
+    <p:extLst>
+      <p:ext uri="{BB962C8B-B14F-4D97-AF65-F5344CB8AC3E}">
+        <p14:creationId xmlns:p14="http://schemas.microsoft.com/office/powerpoint/2010/main" val="1538687124"/>
+      </p:ext>
+    </p:extLst>
+  </p:cSld>
+  <p:clrMapOvr>
+    <a:masterClrMapping/>
+  </p:clrMapOvr>
+</p:sld>
+</file>
+
+<file path=ppt/slides/slide2.xml><?xml version="1.0" encoding="utf-8"?>
+<p:sld xmlns:a="http://schemas.openxmlformats.org/drawingml/2006/main" xmlns:r="http://schemas.openxmlformats.org/officeDocument/2006/relationships" xmlns:p="http://schemas.openxmlformats.org/presentationml/2006/main">
+  <p:cSld>
+    <p:spTree>
+      <p:nvGrpSpPr>
+        <p:cNvPr id="1" name="Shape 90"/>
+        <p:cNvGrpSpPr/>
+        <p:nvPr/>
+      </p:nvGrpSpPr>
+      <p:grpSpPr>
+        <a:xfrm>
+          <a:off x="0" y="0"/>
+          <a:ext cx="0" cy="0"/>
+          <a:chOff x="0" y="0"/>
+          <a:chExt cx="0" cy="0"/>
+        </a:xfrm>
+      </p:grpSpPr>
+      <p:graphicFrame>
+        <p:nvGraphicFramePr>
+          <p:cNvPr id="92" name="Google Shape;92;g7c553259d1_0_3"/>
+          <p:cNvGraphicFramePr/>
+          <p:nvPr>
+            <p:extLst>
+              <p:ext uri="{D42A27DB-BD31-4B8C-83A1-F6EECF244321}">
+                <p14:modId xmlns:p14="http://schemas.microsoft.com/office/powerpoint/2010/main" val="2198146768"/>
+              </p:ext>
+            </p:extLst>
+          </p:nvPr>
+        </p:nvGraphicFramePr>
+        <p:xfrm>
+          <a:off x="131604" y="115759"/>
+          <a:ext cx="3693699" cy="960150"/>
+        </p:xfrm>
+        <a:graphic>
+          <a:graphicData uri="http://schemas.openxmlformats.org/drawingml/2006/table">
+            <a:tbl>
+              <a:tblPr firstRow="1" bandRow="1">
+                <a:noFill/>
+              </a:tblPr>
+              <a:tblGrid>
+                <a:gridCol w="1549025">
+                  <a:extLst>
+                    <a:ext uri="{9D8B030D-6E8A-4147-A177-3AD203B41FA5}">
+                      <a16:colId xmlns:a16="http://schemas.microsoft.com/office/drawing/2014/main" xmlns="" val="20000"/>
+                    </a:ext>
+                  </a:extLst>
+                </a:gridCol>
+                <a:gridCol w="2144674">
+                  <a:extLst>
+                    <a:ext uri="{9D8B030D-6E8A-4147-A177-3AD203B41FA5}">
+                      <a16:colId xmlns:a16="http://schemas.microsoft.com/office/drawing/2014/main" xmlns="" val="20001"/>
+                    </a:ext>
+                  </a:extLst>
+                </a:gridCol>
+              </a:tblGrid>
+              <a:tr h="271225">
+                <a:tc>
+                  <a:txBody>
+                    <a:bodyPr/>
+                    <a:lstStyle/>
+                    <a:p>
+                      <a:pPr marL="0" marR="0" lvl="0" indent="0" algn="ctr" rtl="0">
+                        <a:lnSpc>
+                          <a:spcPct val="100000"/>
+                        </a:lnSpc>
+                        <a:spcBef>
+                          <a:spcPts val="0"/>
+                        </a:spcBef>
+                        <a:spcAft>
+                          <a:spcPts val="0"/>
+                        </a:spcAft>
+                        <a:buClr>
+                          <a:srgbClr val="000000"/>
+                        </a:buClr>
+                        <a:buSzPts val="1500"/>
+                        <a:buFont typeface="Arial"/>
+                        <a:buNone/>
+                      </a:pPr>
+                      <a:r>
+                        <a:rPr lang="ko-KR" sz="1500" b="0" u="none" strike="noStrike" cap="none" dirty="0">
+                          <a:solidFill>
+                            <a:schemeClr val="dk1"/>
+                          </a:solidFill>
+                        </a:rPr>
+                        <a:t>화면코드</a:t>
+                      </a:r>
+                      <a:endParaRPr sz="1500" b="0" u="none" strike="noStrike" cap="none" dirty="0">
+                        <a:solidFill>
+                          <a:schemeClr val="dk1"/>
+                        </a:solidFill>
+                      </a:endParaRPr>
+                    </a:p>
+                  </a:txBody>
+                  <a:tcPr marL="91451" marR="91451" marT="45725" marB="45725" anchor="ctr">
+                    <a:lnL w="12700" cap="flat" cmpd="sng">
+                      <a:solidFill>
+                        <a:schemeClr val="dk1"/>
+                      </a:solidFill>
+                      <a:prstDash val="solid"/>
+                      <a:round/>
+                      <a:headEnd type="none" w="sm" len="sm"/>
+                      <a:tailEnd type="none" w="sm" len="sm"/>
+                    </a:lnL>
+                    <a:lnR w="12700" cap="flat" cmpd="sng">
+                      <a:solidFill>
+                        <a:schemeClr val="dk1"/>
+                      </a:solidFill>
+                      <a:prstDash val="solid"/>
+                      <a:round/>
+                      <a:headEnd type="none" w="sm" len="sm"/>
+                      <a:tailEnd type="none" w="sm" len="sm"/>
+                    </a:lnR>
+                    <a:lnT w="12700" cap="flat" cmpd="sng">
+                      <a:solidFill>
+                        <a:schemeClr val="dk1"/>
+                      </a:solidFill>
+                      <a:prstDash val="solid"/>
+                      <a:round/>
+                      <a:headEnd type="none" w="sm" len="sm"/>
+                      <a:tailEnd type="none" w="sm" len="sm"/>
+                    </a:lnT>
+                    <a:lnB w="12700" cap="flat" cmpd="sng">
+                      <a:solidFill>
+                        <a:schemeClr val="dk1"/>
+                      </a:solidFill>
+                      <a:prstDash val="solid"/>
+                      <a:round/>
+                      <a:headEnd type="none" w="sm" len="sm"/>
+                      <a:tailEnd type="none" w="sm" len="sm"/>
+                    </a:lnB>
+                    <a:solidFill>
+                      <a:srgbClr val="D8D8D8"/>
+                    </a:solidFill>
+                  </a:tcPr>
+                </a:tc>
+                <a:tc>
+                  <a:txBody>
+                    <a:bodyPr/>
+                    <a:lstStyle/>
+                    <a:p>
+                      <a:pPr marL="0" marR="0" lvl="0" indent="0" algn="ctr" rtl="0">
+                        <a:lnSpc>
+                          <a:spcPct val="100000"/>
+                        </a:lnSpc>
+                        <a:spcBef>
+                          <a:spcPts val="0"/>
+                        </a:spcBef>
+                        <a:spcAft>
+                          <a:spcPts val="0"/>
+                        </a:spcAft>
+                        <a:buClr>
+                          <a:srgbClr val="000000"/>
+                        </a:buClr>
+                        <a:buSzPts val="1500"/>
+                        <a:buFont typeface="Arial"/>
+                        <a:buNone/>
+                      </a:pPr>
+                      <a:endParaRPr sz="1100" b="0" u="none" strike="noStrike" cap="none" dirty="0">
+                        <a:solidFill>
+                          <a:schemeClr val="dk1"/>
+                        </a:solidFill>
+                      </a:endParaRPr>
+                    </a:p>
+                  </a:txBody>
+                  <a:tcPr marL="91451" marR="91451" marT="45725" marB="45725" anchor="ctr">
+                    <a:lnL w="12700" cap="flat" cmpd="sng">
+                      <a:solidFill>
+                        <a:schemeClr val="dk1"/>
+                      </a:solidFill>
+                      <a:prstDash val="solid"/>
+                      <a:round/>
+                      <a:headEnd type="none" w="sm" len="sm"/>
+                      <a:tailEnd type="none" w="sm" len="sm"/>
+                    </a:lnL>
+                    <a:lnR w="12700" cap="flat" cmpd="sng">
+                      <a:solidFill>
+                        <a:schemeClr val="dk1"/>
+                      </a:solidFill>
+                      <a:prstDash val="solid"/>
+                      <a:round/>
+                      <a:headEnd type="none" w="sm" len="sm"/>
+                      <a:tailEnd type="none" w="sm" len="sm"/>
+                    </a:lnR>
+                    <a:lnT w="12700" cap="flat" cmpd="sng">
+                      <a:solidFill>
+                        <a:schemeClr val="dk1"/>
+                      </a:solidFill>
+                      <a:prstDash val="solid"/>
+                      <a:round/>
+                      <a:headEnd type="none" w="sm" len="sm"/>
+                      <a:tailEnd type="none" w="sm" len="sm"/>
+                    </a:lnT>
+                    <a:lnB w="12700" cap="flat" cmpd="sng">
+                      <a:solidFill>
+                        <a:schemeClr val="dk1"/>
+                      </a:solidFill>
+                      <a:prstDash val="solid"/>
+                      <a:round/>
+                      <a:headEnd type="none" w="sm" len="sm"/>
+                      <a:tailEnd type="none" w="sm" len="sm"/>
+                    </a:lnB>
+                    <a:solidFill>
+                      <a:schemeClr val="lt1"/>
+                    </a:solidFill>
+                  </a:tcPr>
+                </a:tc>
+                <a:extLst>
+                  <a:ext uri="{0D108BD9-81ED-4DB2-BD59-A6C34878D82A}">
+                    <a16:rowId xmlns:a16="http://schemas.microsoft.com/office/drawing/2014/main" xmlns="" val="10000"/>
+                  </a:ext>
+                </a:extLst>
+              </a:tr>
+              <a:tr h="271225">
+                <a:tc rowSpan="2">
+                  <a:txBody>
+                    <a:bodyPr/>
+                    <a:lstStyle/>
+                    <a:p>
+                      <a:pPr marL="0" marR="0" lvl="0" indent="0" algn="ctr" rtl="0">
+                        <a:lnSpc>
+                          <a:spcPct val="100000"/>
+                        </a:lnSpc>
+                        <a:spcBef>
+                          <a:spcPts val="0"/>
+                        </a:spcBef>
+                        <a:spcAft>
+                          <a:spcPts val="0"/>
+                        </a:spcAft>
+                        <a:buClr>
+                          <a:srgbClr val="000000"/>
+                        </a:buClr>
+                        <a:buSzPts val="1500"/>
+                        <a:buFont typeface="Arial"/>
+                        <a:buNone/>
+                      </a:pPr>
+                      <a:r>
+                        <a:rPr lang="ko-KR" sz="1500" b="0" u="none" strike="noStrike" cap="none">
+                          <a:solidFill>
+                            <a:schemeClr val="dk1"/>
+                          </a:solidFill>
+                        </a:rPr>
+                        <a:t>화면명</a:t>
+                      </a:r>
+                      <a:endParaRPr sz="1500" b="0" u="none" strike="noStrike" cap="none">
+                        <a:solidFill>
+                          <a:schemeClr val="dk1"/>
+                        </a:solidFill>
+                      </a:endParaRPr>
+                    </a:p>
+                  </a:txBody>
+                  <a:tcPr marL="91451" marR="91451" marT="45725" marB="45725" anchor="ctr">
+                    <a:lnL w="12700" cap="flat" cmpd="sng">
+                      <a:solidFill>
+                        <a:schemeClr val="dk1"/>
+                      </a:solidFill>
+                      <a:prstDash val="solid"/>
+                      <a:round/>
+                      <a:headEnd type="none" w="sm" len="sm"/>
+                      <a:tailEnd type="none" w="sm" len="sm"/>
+                    </a:lnL>
+                    <a:lnR w="12700" cap="flat" cmpd="sng">
+                      <a:solidFill>
+                        <a:schemeClr val="dk1"/>
+                      </a:solidFill>
+                      <a:prstDash val="solid"/>
+                      <a:round/>
+                      <a:headEnd type="none" w="sm" len="sm"/>
+                      <a:tailEnd type="none" w="sm" len="sm"/>
+                    </a:lnR>
+                    <a:lnT w="12700" cap="flat" cmpd="sng">
+                      <a:solidFill>
+                        <a:schemeClr val="dk1"/>
+                      </a:solidFill>
+                      <a:prstDash val="solid"/>
+                      <a:round/>
+                      <a:headEnd type="none" w="sm" len="sm"/>
+                      <a:tailEnd type="none" w="sm" len="sm"/>
+                    </a:lnT>
+                    <a:lnB w="12700" cap="flat" cmpd="sng">
+                      <a:solidFill>
+                        <a:schemeClr val="dk1"/>
+                      </a:solidFill>
+                      <a:prstDash val="solid"/>
+                      <a:round/>
+                      <a:headEnd type="none" w="sm" len="sm"/>
+                      <a:tailEnd type="none" w="sm" len="sm"/>
+                    </a:lnB>
+                    <a:solidFill>
+                      <a:srgbClr val="D8D8D8"/>
+                    </a:solidFill>
+                  </a:tcPr>
+                </a:tc>
+                <a:tc>
+                  <a:txBody>
+                    <a:bodyPr/>
+                    <a:lstStyle/>
+                    <a:p>
+                      <a:pPr marL="0" marR="0" lvl="0" indent="0" algn="ctr" rtl="0">
+                        <a:lnSpc>
+                          <a:spcPct val="100000"/>
+                        </a:lnSpc>
+                        <a:spcBef>
+                          <a:spcPts val="0"/>
+                        </a:spcBef>
+                        <a:spcAft>
+                          <a:spcPts val="0"/>
+                        </a:spcAft>
+                        <a:buClr>
+                          <a:srgbClr val="000000"/>
+                        </a:buClr>
+                        <a:buSzPts val="1500"/>
+                        <a:buFont typeface="Arial"/>
+                        <a:buNone/>
+                      </a:pPr>
+                      <a:r>
+                        <a:rPr lang="ko-KR" altLang="en-US" sz="1500" b="0" u="none" strike="noStrike" cap="none" dirty="0">
+                          <a:solidFill>
+                            <a:schemeClr val="dk1"/>
+                          </a:solidFill>
+                        </a:rPr>
+                        <a:t>상품신고페이지</a:t>
+                      </a:r>
+                      <a:endParaRPr sz="1500" b="0" u="none" strike="noStrike" cap="none" dirty="0">
+                        <a:solidFill>
+                          <a:schemeClr val="dk1"/>
+                        </a:solidFill>
+                      </a:endParaRPr>
+                    </a:p>
+                  </a:txBody>
+                  <a:tcPr marL="91451" marR="91451" marT="45725" marB="45725" anchor="ctr">
+                    <a:lnL w="12700" cap="flat" cmpd="sng">
+                      <a:solidFill>
+                        <a:schemeClr val="dk1"/>
+                      </a:solidFill>
+                      <a:prstDash val="solid"/>
+                      <a:round/>
+                      <a:headEnd type="none" w="sm" len="sm"/>
+                      <a:tailEnd type="none" w="sm" len="sm"/>
+                    </a:lnL>
+                    <a:lnR w="12700" cap="flat" cmpd="sng">
+                      <a:solidFill>
+                        <a:schemeClr val="dk1"/>
+                      </a:solidFill>
+                      <a:prstDash val="solid"/>
+                      <a:round/>
+                      <a:headEnd type="none" w="sm" len="sm"/>
+                      <a:tailEnd type="none" w="sm" len="sm"/>
+                    </a:lnR>
+                    <a:lnT w="12700" cap="flat" cmpd="sng">
+                      <a:solidFill>
+                        <a:schemeClr val="dk1"/>
+                      </a:solidFill>
+                      <a:prstDash val="solid"/>
+                      <a:round/>
+                      <a:headEnd type="none" w="sm" len="sm"/>
+                      <a:tailEnd type="none" w="sm" len="sm"/>
+                    </a:lnT>
+                    <a:lnB w="12700" cap="flat" cmpd="sng">
+                      <a:solidFill>
+                        <a:schemeClr val="dk1"/>
+                      </a:solidFill>
+                      <a:prstDash val="solid"/>
+                      <a:round/>
+                      <a:headEnd type="none" w="sm" len="sm"/>
+                      <a:tailEnd type="none" w="sm" len="sm"/>
+                    </a:lnB>
+                    <a:solidFill>
+                      <a:schemeClr val="lt1"/>
+                    </a:solidFill>
+                  </a:tcPr>
+                </a:tc>
+                <a:extLst>
+                  <a:ext uri="{0D108BD9-81ED-4DB2-BD59-A6C34878D82A}">
+                    <a16:rowId xmlns:a16="http://schemas.microsoft.com/office/drawing/2014/main" xmlns="" val="10001"/>
+                  </a:ext>
+                </a:extLst>
+              </a:tr>
+              <a:tr h="271225">
+                <a:tc vMerge="1">
+                  <a:txBody>
+                    <a:bodyPr/>
+                    <a:lstStyle/>
+                    <a:p>
+                      <a:endParaRPr lang="ko-KR"/>
+                    </a:p>
+                  </a:txBody>
+                  <a:tcPr/>
+                </a:tc>
+                <a:tc>
+                  <a:txBody>
+                    <a:bodyPr/>
+                    <a:lstStyle/>
+                    <a:p>
+                      <a:pPr marL="0" marR="0" lvl="0" indent="0" algn="ctr" rtl="0">
+                        <a:lnSpc>
+                          <a:spcPct val="100000"/>
+                        </a:lnSpc>
+                        <a:spcBef>
+                          <a:spcPts val="0"/>
+                        </a:spcBef>
+                        <a:spcAft>
+                          <a:spcPts val="0"/>
+                        </a:spcAft>
+                        <a:buClr>
+                          <a:srgbClr val="000000"/>
+                        </a:buClr>
+                        <a:buSzPts val="1500"/>
+                        <a:buFont typeface="Arial"/>
+                        <a:buNone/>
+                      </a:pPr>
+                      <a:r>
+                        <a:rPr lang="ko-KR" altLang="en-US" sz="1500" b="0" u="none" strike="noStrike" cap="none" dirty="0">
+                          <a:solidFill>
+                            <a:schemeClr val="dk1"/>
+                          </a:solidFill>
+                        </a:rPr>
+                        <a:t>모바일</a:t>
+                      </a:r>
+                      <a:endParaRPr sz="1500" b="0" u="none" strike="noStrike" cap="none" dirty="0">
+                        <a:solidFill>
+                          <a:schemeClr val="dk1"/>
+                        </a:solidFill>
+                      </a:endParaRPr>
+                    </a:p>
+                  </a:txBody>
+                  <a:tcPr marL="91451" marR="91451" marT="45725" marB="45725" anchor="ctr">
+                    <a:lnL w="12700" cap="flat" cmpd="sng">
+                      <a:solidFill>
+                        <a:schemeClr val="dk1"/>
+                      </a:solidFill>
+                      <a:prstDash val="solid"/>
+                      <a:round/>
+                      <a:headEnd type="none" w="sm" len="sm"/>
+                      <a:tailEnd type="none" w="sm" len="sm"/>
+                    </a:lnL>
+                    <a:lnR w="12700" cap="flat" cmpd="sng">
+                      <a:solidFill>
+                        <a:schemeClr val="dk1"/>
+                      </a:solidFill>
+                      <a:prstDash val="solid"/>
+                      <a:round/>
+                      <a:headEnd type="none" w="sm" len="sm"/>
+                      <a:tailEnd type="none" w="sm" len="sm"/>
+                    </a:lnR>
+                    <a:lnT w="12700" cap="flat" cmpd="sng">
+                      <a:solidFill>
+                        <a:schemeClr val="dk1"/>
+                      </a:solidFill>
+                      <a:prstDash val="solid"/>
+                      <a:round/>
+                      <a:headEnd type="none" w="sm" len="sm"/>
+                      <a:tailEnd type="none" w="sm" len="sm"/>
+                    </a:lnT>
+                    <a:lnB w="12700" cap="flat" cmpd="sng">
+                      <a:solidFill>
+                        <a:schemeClr val="dk1"/>
+                      </a:solidFill>
+                      <a:prstDash val="solid"/>
+                      <a:round/>
+                      <a:headEnd type="none" w="sm" len="sm"/>
+                      <a:tailEnd type="none" w="sm" len="sm"/>
+                    </a:lnB>
+                    <a:solidFill>
+                      <a:schemeClr val="lt1"/>
+                    </a:solidFill>
+                  </a:tcPr>
+                </a:tc>
+                <a:extLst>
+                  <a:ext uri="{0D108BD9-81ED-4DB2-BD59-A6C34878D82A}">
+                    <a16:rowId xmlns:a16="http://schemas.microsoft.com/office/drawing/2014/main" xmlns="" val="10002"/>
+                  </a:ext>
+                </a:extLst>
+              </a:tr>
+            </a:tbl>
+          </a:graphicData>
+        </a:graphic>
+      </p:graphicFrame>
+      <p:graphicFrame>
+        <p:nvGraphicFramePr>
+          <p:cNvPr id="93" name="Google Shape;93;g7c553259d1_0_3"/>
+          <p:cNvGraphicFramePr/>
+          <p:nvPr/>
+        </p:nvGraphicFramePr>
+        <p:xfrm>
+          <a:off x="9309046" y="197403"/>
+          <a:ext cx="2815500" cy="320050"/>
+        </p:xfrm>
+        <a:graphic>
+          <a:graphicData uri="http://schemas.openxmlformats.org/drawingml/2006/table">
+            <a:tbl>
+              <a:tblPr firstRow="1" bandRow="1">
+                <a:noFill/>
+              </a:tblPr>
+              <a:tblGrid>
+                <a:gridCol w="1407750">
+                  <a:extLst>
+                    <a:ext uri="{9D8B030D-6E8A-4147-A177-3AD203B41FA5}">
+                      <a16:colId xmlns:a16="http://schemas.microsoft.com/office/drawing/2014/main" xmlns="" val="20000"/>
+                    </a:ext>
+                  </a:extLst>
+                </a:gridCol>
+                <a:gridCol w="1407750">
+                  <a:extLst>
+                    <a:ext uri="{9D8B030D-6E8A-4147-A177-3AD203B41FA5}">
+                      <a16:colId xmlns:a16="http://schemas.microsoft.com/office/drawing/2014/main" xmlns="" val="20001"/>
+                    </a:ext>
+                  </a:extLst>
+                </a:gridCol>
+              </a:tblGrid>
+              <a:tr h="265075">
+                <a:tc>
+                  <a:txBody>
+                    <a:bodyPr/>
+                    <a:lstStyle/>
+                    <a:p>
+                      <a:pPr marL="0" marR="0" lvl="0" indent="0" algn="ctr" rtl="0">
+                        <a:lnSpc>
+                          <a:spcPct val="100000"/>
+                        </a:lnSpc>
+                        <a:spcBef>
+                          <a:spcPts val="0"/>
+                        </a:spcBef>
+                        <a:spcAft>
+                          <a:spcPts val="0"/>
+                        </a:spcAft>
+                        <a:buClr>
+                          <a:srgbClr val="000000"/>
+                        </a:buClr>
+                        <a:buSzPts val="1500"/>
+                        <a:buFont typeface="Arial"/>
+                        <a:buNone/>
+                      </a:pPr>
+                      <a:r>
+                        <a:rPr lang="ko-KR" sz="1500" b="0" u="none" strike="noStrike" cap="none" dirty="0">
+                          <a:solidFill>
+                            <a:schemeClr val="dk1"/>
+                          </a:solidFill>
+                        </a:rPr>
+                        <a:t>화면 번호</a:t>
+                      </a:r>
+                      <a:endParaRPr sz="1500" b="0" u="none" strike="noStrike" cap="none" dirty="0">
+                        <a:solidFill>
+                          <a:schemeClr val="dk1"/>
+                        </a:solidFill>
+                      </a:endParaRPr>
+                    </a:p>
+                  </a:txBody>
+                  <a:tcPr marL="91451" marR="91451" marT="45725" marB="45725" anchor="ctr">
+                    <a:lnL w="12700" cap="flat" cmpd="sng">
+                      <a:solidFill>
+                        <a:schemeClr val="dk1"/>
+                      </a:solidFill>
+                      <a:prstDash val="solid"/>
+                      <a:round/>
+                      <a:headEnd type="none" w="sm" len="sm"/>
+                      <a:tailEnd type="none" w="sm" len="sm"/>
+                    </a:lnL>
+                    <a:lnR w="12700" cap="flat" cmpd="sng">
+                      <a:solidFill>
+                        <a:schemeClr val="dk1"/>
+                      </a:solidFill>
+                      <a:prstDash val="solid"/>
+                      <a:round/>
+                      <a:headEnd type="none" w="sm" len="sm"/>
+                      <a:tailEnd type="none" w="sm" len="sm"/>
+                    </a:lnR>
+                    <a:lnT w="12700" cap="flat" cmpd="sng">
+                      <a:solidFill>
+                        <a:schemeClr val="dk1"/>
+                      </a:solidFill>
+                      <a:prstDash val="solid"/>
+                      <a:round/>
+                      <a:headEnd type="none" w="sm" len="sm"/>
+                      <a:tailEnd type="none" w="sm" len="sm"/>
+                    </a:lnT>
+                    <a:lnB w="12700" cap="flat" cmpd="sng">
+                      <a:solidFill>
+                        <a:schemeClr val="dk1"/>
+                      </a:solidFill>
+                      <a:prstDash val="solid"/>
+                      <a:round/>
+                      <a:headEnd type="none" w="sm" len="sm"/>
+                      <a:tailEnd type="none" w="sm" len="sm"/>
+                    </a:lnB>
+                    <a:solidFill>
+                      <a:srgbClr val="D8D8D8"/>
+                    </a:solidFill>
+                  </a:tcPr>
+                </a:tc>
+                <a:tc>
+                  <a:txBody>
+                    <a:bodyPr/>
+                    <a:lstStyle/>
+                    <a:p>
+                      <a:pPr marL="0" marR="0" lvl="0" indent="0" algn="ctr" rtl="0">
+                        <a:lnSpc>
+                          <a:spcPct val="100000"/>
+                        </a:lnSpc>
+                        <a:spcBef>
+                          <a:spcPts val="0"/>
+                        </a:spcBef>
+                        <a:spcAft>
+                          <a:spcPts val="0"/>
+                        </a:spcAft>
+                        <a:buClr>
+                          <a:srgbClr val="000000"/>
+                        </a:buClr>
+                        <a:buSzPts val="1500"/>
+                        <a:buFont typeface="Arial"/>
+                        <a:buNone/>
+                      </a:pPr>
+                      <a:r>
+                        <a:rPr lang="en-US" sz="1500" b="0" u="none" strike="noStrike" cap="none" dirty="0">
+                          <a:solidFill>
+                            <a:schemeClr val="dk1"/>
+                          </a:solidFill>
+                        </a:rPr>
+                        <a:t>1</a:t>
+                      </a:r>
+                      <a:endParaRPr sz="1500" b="0" u="none" strike="noStrike" cap="none" dirty="0">
+                        <a:solidFill>
+                          <a:schemeClr val="dk1"/>
+                        </a:solidFill>
+                      </a:endParaRPr>
+                    </a:p>
+                  </a:txBody>
+                  <a:tcPr marL="91451" marR="91451" marT="45725" marB="45725" anchor="ctr">
+                    <a:lnL w="12700" cap="flat" cmpd="sng">
+                      <a:solidFill>
+                        <a:schemeClr val="dk1"/>
+                      </a:solidFill>
+                      <a:prstDash val="solid"/>
+                      <a:round/>
+                      <a:headEnd type="none" w="sm" len="sm"/>
+                      <a:tailEnd type="none" w="sm" len="sm"/>
+                    </a:lnL>
+                    <a:lnR w="12700" cap="flat" cmpd="sng">
+                      <a:solidFill>
+                        <a:schemeClr val="dk1"/>
+                      </a:solidFill>
+                      <a:prstDash val="solid"/>
+                      <a:round/>
+                      <a:headEnd type="none" w="sm" len="sm"/>
+                      <a:tailEnd type="none" w="sm" len="sm"/>
+                    </a:lnR>
+                    <a:lnT w="12700" cap="flat" cmpd="sng">
+                      <a:solidFill>
+                        <a:schemeClr val="dk1"/>
+                      </a:solidFill>
+                      <a:prstDash val="solid"/>
+                      <a:round/>
+                      <a:headEnd type="none" w="sm" len="sm"/>
+                      <a:tailEnd type="none" w="sm" len="sm"/>
+                    </a:lnT>
+                    <a:lnB w="12700" cap="flat" cmpd="sng">
+                      <a:solidFill>
+                        <a:schemeClr val="dk1"/>
+                      </a:solidFill>
+                      <a:prstDash val="solid"/>
+                      <a:round/>
+                      <a:headEnd type="none" w="sm" len="sm"/>
+                      <a:tailEnd type="none" w="sm" len="sm"/>
+                    </a:lnB>
+                    <a:solidFill>
+                      <a:schemeClr val="lt1"/>
+                    </a:solidFill>
+                  </a:tcPr>
+                </a:tc>
+                <a:extLst>
+                  <a:ext uri="{0D108BD9-81ED-4DB2-BD59-A6C34878D82A}">
+                    <a16:rowId xmlns:a16="http://schemas.microsoft.com/office/drawing/2014/main" xmlns="" val="10000"/>
+                  </a:ext>
+                </a:extLst>
+              </a:tr>
+            </a:tbl>
+          </a:graphicData>
+        </a:graphic>
+      </p:graphicFrame>
+      <p:graphicFrame>
+        <p:nvGraphicFramePr>
+          <p:cNvPr id="94" name="Google Shape;94;g7c553259d1_0_3"/>
+          <p:cNvGraphicFramePr/>
+          <p:nvPr/>
+        </p:nvGraphicFramePr>
+        <p:xfrm>
+          <a:off x="6200086" y="197403"/>
+          <a:ext cx="2815500" cy="320050"/>
+        </p:xfrm>
+        <a:graphic>
+          <a:graphicData uri="http://schemas.openxmlformats.org/drawingml/2006/table">
+            <a:tbl>
+              <a:tblPr firstRow="1" bandRow="1">
+                <a:noFill/>
+              </a:tblPr>
+              <a:tblGrid>
+                <a:gridCol w="1407750">
+                  <a:extLst>
+                    <a:ext uri="{9D8B030D-6E8A-4147-A177-3AD203B41FA5}">
+                      <a16:colId xmlns:a16="http://schemas.microsoft.com/office/drawing/2014/main" xmlns="" val="20000"/>
+                    </a:ext>
+                  </a:extLst>
+                </a:gridCol>
+                <a:gridCol w="1407750">
+                  <a:extLst>
+                    <a:ext uri="{9D8B030D-6E8A-4147-A177-3AD203B41FA5}">
+                      <a16:colId xmlns:a16="http://schemas.microsoft.com/office/drawing/2014/main" xmlns="" val="20001"/>
+                    </a:ext>
+                  </a:extLst>
+                </a:gridCol>
+              </a:tblGrid>
+              <a:tr h="265075">
+                <a:tc>
+                  <a:txBody>
+                    <a:bodyPr/>
+                    <a:lstStyle/>
+                    <a:p>
+                      <a:pPr marL="0" marR="0" lvl="0" indent="0" algn="ctr" rtl="0">
+                        <a:lnSpc>
+                          <a:spcPct val="100000"/>
+                        </a:lnSpc>
+                        <a:spcBef>
+                          <a:spcPts val="0"/>
+                        </a:spcBef>
+                        <a:spcAft>
+                          <a:spcPts val="0"/>
+                        </a:spcAft>
+                        <a:buClr>
+                          <a:srgbClr val="000000"/>
+                        </a:buClr>
+                        <a:buSzPts val="1500"/>
+                        <a:buFont typeface="Arial"/>
+                        <a:buNone/>
+                      </a:pPr>
+                      <a:r>
+                        <a:rPr lang="ko-KR" sz="1500" b="0" u="none" strike="noStrike" cap="none">
+                          <a:solidFill>
+                            <a:schemeClr val="dk1"/>
+                          </a:solidFill>
+                        </a:rPr>
+                        <a:t>프로젝트</a:t>
+                      </a:r>
+                      <a:endParaRPr sz="1500" b="0" u="none" strike="noStrike" cap="none">
+                        <a:solidFill>
+                          <a:schemeClr val="dk1"/>
+                        </a:solidFill>
+                      </a:endParaRPr>
+                    </a:p>
+                  </a:txBody>
+                  <a:tcPr marL="91451" marR="91451" marT="45725" marB="45725" anchor="ctr">
+                    <a:lnL w="12700" cap="flat" cmpd="sng">
+                      <a:solidFill>
+                        <a:schemeClr val="dk1"/>
+                      </a:solidFill>
+                      <a:prstDash val="solid"/>
+                      <a:round/>
+                      <a:headEnd type="none" w="sm" len="sm"/>
+                      <a:tailEnd type="none" w="sm" len="sm"/>
+                    </a:lnL>
+                    <a:lnR w="12700" cap="flat" cmpd="sng">
+                      <a:solidFill>
+                        <a:schemeClr val="dk1"/>
+                      </a:solidFill>
+                      <a:prstDash val="solid"/>
+                      <a:round/>
+                      <a:headEnd type="none" w="sm" len="sm"/>
+                      <a:tailEnd type="none" w="sm" len="sm"/>
+                    </a:lnR>
+                    <a:lnT w="12700" cap="flat" cmpd="sng">
+                      <a:solidFill>
+                        <a:schemeClr val="dk1"/>
+                      </a:solidFill>
+                      <a:prstDash val="solid"/>
+                      <a:round/>
+                      <a:headEnd type="none" w="sm" len="sm"/>
+                      <a:tailEnd type="none" w="sm" len="sm"/>
+                    </a:lnT>
+                    <a:lnB w="12700" cap="flat" cmpd="sng">
+                      <a:solidFill>
+                        <a:schemeClr val="dk1"/>
+                      </a:solidFill>
+                      <a:prstDash val="solid"/>
+                      <a:round/>
+                      <a:headEnd type="none" w="sm" len="sm"/>
+                      <a:tailEnd type="none" w="sm" len="sm"/>
+                    </a:lnB>
+                    <a:solidFill>
+                      <a:srgbClr val="D8D8D8"/>
+                    </a:solidFill>
+                  </a:tcPr>
+                </a:tc>
+                <a:tc>
+                  <a:txBody>
+                    <a:bodyPr/>
+                    <a:lstStyle/>
+                    <a:p>
+                      <a:pPr marL="0" marR="0" lvl="0" indent="0" algn="ctr" rtl="0">
+                        <a:lnSpc>
+                          <a:spcPct val="100000"/>
+                        </a:lnSpc>
+                        <a:spcBef>
+                          <a:spcPts val="0"/>
+                        </a:spcBef>
+                        <a:spcAft>
+                          <a:spcPts val="0"/>
+                        </a:spcAft>
+                        <a:buClr>
+                          <a:srgbClr val="000000"/>
+                        </a:buClr>
+                        <a:buSzPts val="1500"/>
+                        <a:buFont typeface="Arial"/>
+                        <a:buNone/>
+                      </a:pPr>
+                      <a:endParaRPr sz="1500" b="0" u="none" strike="noStrike" cap="none">
+                        <a:solidFill>
+                          <a:schemeClr val="dk1"/>
+                        </a:solidFill>
+                      </a:endParaRPr>
+                    </a:p>
+                  </a:txBody>
+                  <a:tcPr marL="91451" marR="91451" marT="45725" marB="45725" anchor="ctr">
+                    <a:lnL w="12700" cap="flat" cmpd="sng">
+                      <a:solidFill>
+                        <a:schemeClr val="dk1"/>
+                      </a:solidFill>
+                      <a:prstDash val="solid"/>
+                      <a:round/>
+                      <a:headEnd type="none" w="sm" len="sm"/>
+                      <a:tailEnd type="none" w="sm" len="sm"/>
+                    </a:lnL>
+                    <a:lnR w="12700" cap="flat" cmpd="sng">
+                      <a:solidFill>
+                        <a:schemeClr val="dk1"/>
+                      </a:solidFill>
+                      <a:prstDash val="solid"/>
+                      <a:round/>
+                      <a:headEnd type="none" w="sm" len="sm"/>
+                      <a:tailEnd type="none" w="sm" len="sm"/>
+                    </a:lnR>
+                    <a:lnT w="12700" cap="flat" cmpd="sng">
+                      <a:solidFill>
+                        <a:schemeClr val="dk1"/>
+                      </a:solidFill>
+                      <a:prstDash val="solid"/>
+                      <a:round/>
+                      <a:headEnd type="none" w="sm" len="sm"/>
+                      <a:tailEnd type="none" w="sm" len="sm"/>
+                    </a:lnT>
+                    <a:lnB w="12700" cap="flat" cmpd="sng">
+                      <a:solidFill>
+                        <a:schemeClr val="dk1"/>
+                      </a:solidFill>
+                      <a:prstDash val="solid"/>
+                      <a:round/>
+                      <a:headEnd type="none" w="sm" len="sm"/>
+                      <a:tailEnd type="none" w="sm" len="sm"/>
+                    </a:lnB>
+                    <a:solidFill>
+                      <a:schemeClr val="lt1"/>
+                    </a:solidFill>
+                  </a:tcPr>
+                </a:tc>
+                <a:extLst>
+                  <a:ext uri="{0D108BD9-81ED-4DB2-BD59-A6C34878D82A}">
+                    <a16:rowId xmlns:a16="http://schemas.microsoft.com/office/drawing/2014/main" xmlns="" val="10000"/>
+                  </a:ext>
+                </a:extLst>
+              </a:tr>
+            </a:tbl>
+          </a:graphicData>
+        </a:graphic>
+      </p:graphicFrame>
+      <p:graphicFrame>
+        <p:nvGraphicFramePr>
+          <p:cNvPr id="96" name="Google Shape;96;g7c553259d1_0_3"/>
+          <p:cNvGraphicFramePr/>
+          <p:nvPr>
+            <p:extLst>
+              <p:ext uri="{D42A27DB-BD31-4B8C-83A1-F6EECF244321}">
+                <p14:modId xmlns:p14="http://schemas.microsoft.com/office/powerpoint/2010/main" val="3165704735"/>
+              </p:ext>
+            </p:extLst>
+          </p:nvPr>
+        </p:nvGraphicFramePr>
+        <p:xfrm>
+          <a:off x="8843382" y="836712"/>
+          <a:ext cx="2952330" cy="2221148"/>
+        </p:xfrm>
+        <a:graphic>
+          <a:graphicData uri="http://schemas.openxmlformats.org/drawingml/2006/table">
+            <a:tbl>
+              <a:tblPr firstRow="1" bandRow="1">
+                <a:noFill/>
+              </a:tblPr>
+              <a:tblGrid>
+                <a:gridCol w="289755">
+                  <a:extLst>
+                    <a:ext uri="{9D8B030D-6E8A-4147-A177-3AD203B41FA5}">
+                      <a16:colId xmlns:a16="http://schemas.microsoft.com/office/drawing/2014/main" xmlns="" val="20000"/>
+                    </a:ext>
+                  </a:extLst>
+                </a:gridCol>
+                <a:gridCol w="2662575">
+                  <a:extLst>
+                    <a:ext uri="{9D8B030D-6E8A-4147-A177-3AD203B41FA5}">
+                      <a16:colId xmlns:a16="http://schemas.microsoft.com/office/drawing/2014/main" xmlns="" val="20001"/>
+                    </a:ext>
+                  </a:extLst>
+                </a:gridCol>
+              </a:tblGrid>
+              <a:tr h="286673">
+                <a:tc>
+                  <a:txBody>
+                    <a:bodyPr/>
+                    <a:lstStyle/>
+                    <a:p>
+                      <a:pPr marL="0" marR="0" lvl="0" indent="0" algn="ctr" rtl="0">
+                        <a:lnSpc>
+                          <a:spcPct val="100000"/>
+                        </a:lnSpc>
+                        <a:spcBef>
+                          <a:spcPts val="0"/>
+                        </a:spcBef>
+                        <a:spcAft>
+                          <a:spcPts val="0"/>
+                        </a:spcAft>
+                        <a:buClr>
+                          <a:srgbClr val="000000"/>
+                        </a:buClr>
+                        <a:buSzPts val="1500"/>
+                        <a:buFont typeface="Arial"/>
+                        <a:buNone/>
+                      </a:pPr>
+                      <a:r>
+                        <a:rPr lang="ko-KR" sz="1500" u="none" strike="noStrike" cap="none" dirty="0">
+                          <a:solidFill>
+                            <a:schemeClr val="dk1"/>
+                          </a:solidFill>
+                        </a:rPr>
+                        <a:t>#</a:t>
+                      </a:r>
+                      <a:endParaRPr sz="1500" u="none" strike="noStrike" cap="none" dirty="0">
+                        <a:solidFill>
+                          <a:schemeClr val="dk1"/>
+                        </a:solidFill>
+                      </a:endParaRPr>
+                    </a:p>
+                  </a:txBody>
+                  <a:tcPr marL="91451" marR="91451" marT="45725" marB="45725" anchor="ctr">
+                    <a:lnL w="12700" cap="flat" cmpd="sng">
+                      <a:solidFill>
+                        <a:schemeClr val="dk1"/>
+                      </a:solidFill>
+                      <a:prstDash val="solid"/>
+                      <a:round/>
+                      <a:headEnd type="none" w="sm" len="sm"/>
+                      <a:tailEnd type="none" w="sm" len="sm"/>
+                    </a:lnL>
+                    <a:lnR w="12700" cap="flat" cmpd="sng">
+                      <a:solidFill>
+                        <a:schemeClr val="dk1"/>
+                      </a:solidFill>
+                      <a:prstDash val="solid"/>
+                      <a:round/>
+                      <a:headEnd type="none" w="sm" len="sm"/>
+                      <a:tailEnd type="none" w="sm" len="sm"/>
+                    </a:lnR>
+                    <a:lnT w="12700" cap="flat" cmpd="sng">
+                      <a:solidFill>
+                        <a:schemeClr val="dk1"/>
+                      </a:solidFill>
+                      <a:prstDash val="solid"/>
+                      <a:round/>
+                      <a:headEnd type="none" w="sm" len="sm"/>
+                      <a:tailEnd type="none" w="sm" len="sm"/>
+                    </a:lnT>
+                    <a:lnB w="12700" cap="flat" cmpd="sng">
+                      <a:solidFill>
+                        <a:schemeClr val="dk1"/>
+                      </a:solidFill>
+                      <a:prstDash val="solid"/>
+                      <a:round/>
+                      <a:headEnd type="none" w="sm" len="sm"/>
+                      <a:tailEnd type="none" w="sm" len="sm"/>
+                    </a:lnB>
+                    <a:solidFill>
+                      <a:srgbClr val="D8D8D8"/>
+                    </a:solidFill>
+                  </a:tcPr>
+                </a:tc>
+                <a:tc>
+                  <a:txBody>
+                    <a:bodyPr/>
+                    <a:lstStyle/>
+                    <a:p>
+                      <a:pPr marL="0" marR="0" lvl="0" indent="0" algn="ctr" rtl="0">
+                        <a:lnSpc>
+                          <a:spcPct val="100000"/>
+                        </a:lnSpc>
+                        <a:spcBef>
+                          <a:spcPts val="0"/>
+                        </a:spcBef>
+                        <a:spcAft>
+                          <a:spcPts val="0"/>
+                        </a:spcAft>
+                        <a:buClr>
+                          <a:srgbClr val="000000"/>
+                        </a:buClr>
+                        <a:buSzPts val="1500"/>
+                        <a:buFont typeface="Arial"/>
+                        <a:buNone/>
+                      </a:pPr>
+                      <a:r>
+                        <a:rPr lang="ko-KR" sz="1500" u="none" strike="noStrike" cap="none" dirty="0" err="1">
+                          <a:solidFill>
+                            <a:schemeClr val="dk1"/>
+                          </a:solidFill>
+                        </a:rPr>
+                        <a:t>기능명</a:t>
+                      </a:r>
+                      <a:endParaRPr sz="1500" u="none" strike="noStrike" cap="none" dirty="0">
+                        <a:solidFill>
+                          <a:schemeClr val="dk1"/>
+                        </a:solidFill>
+                      </a:endParaRPr>
+                    </a:p>
+                  </a:txBody>
+                  <a:tcPr marL="91451" marR="91451" marT="45725" marB="45725" anchor="ctr">
+                    <a:lnL w="12700" cap="flat" cmpd="sng">
+                      <a:solidFill>
+                        <a:schemeClr val="dk1"/>
+                      </a:solidFill>
+                      <a:prstDash val="solid"/>
+                      <a:round/>
+                      <a:headEnd type="none" w="sm" len="sm"/>
+                      <a:tailEnd type="none" w="sm" len="sm"/>
+                    </a:lnL>
+                    <a:lnR w="12700" cap="flat" cmpd="sng">
+                      <a:solidFill>
+                        <a:schemeClr val="dk1"/>
+                      </a:solidFill>
+                      <a:prstDash val="solid"/>
+                      <a:round/>
+                      <a:headEnd type="none" w="sm" len="sm"/>
+                      <a:tailEnd type="none" w="sm" len="sm"/>
+                    </a:lnR>
+                    <a:lnT w="12700" cap="flat" cmpd="sng">
+                      <a:solidFill>
+                        <a:schemeClr val="dk1"/>
+                      </a:solidFill>
+                      <a:prstDash val="solid"/>
+                      <a:round/>
+                      <a:headEnd type="none" w="sm" len="sm"/>
+                      <a:tailEnd type="none" w="sm" len="sm"/>
+                    </a:lnT>
+                    <a:lnB w="12700" cap="flat" cmpd="sng">
+                      <a:solidFill>
+                        <a:schemeClr val="dk1"/>
+                      </a:solidFill>
+                      <a:prstDash val="solid"/>
+                      <a:round/>
+                      <a:headEnd type="none" w="sm" len="sm"/>
+                      <a:tailEnd type="none" w="sm" len="sm"/>
+                    </a:lnB>
+                    <a:solidFill>
+                      <a:srgbClr val="D8D8D8"/>
+                    </a:solidFill>
+                  </a:tcPr>
+                </a:tc>
+                <a:extLst>
+                  <a:ext uri="{0D108BD9-81ED-4DB2-BD59-A6C34878D82A}">
+                    <a16:rowId xmlns:a16="http://schemas.microsoft.com/office/drawing/2014/main" xmlns="" val="10000"/>
                   </a:ext>
                 </a:extLst>
               </a:tr>
@@ -5257,1840 +7210,7 @@
                 </a:tc>
                 <a:extLst>
                   <a:ext uri="{0D108BD9-81ED-4DB2-BD59-A6C34878D82A}">
-                    <a16:rowId xmlns:a16="http://schemas.microsoft.com/office/drawing/2014/main" val="10001"/>
-                  </a:ext>
-                </a:extLst>
-              </a:tr>
-              <a:tr h="819048">
-                <a:tc>
-                  <a:txBody>
-                    <a:bodyPr/>
-                    <a:lstStyle/>
-                    <a:p>
-                      <a:pPr marL="0" marR="0" lvl="0" indent="0" algn="ctr" rtl="0">
-                        <a:lnSpc>
-                          <a:spcPct val="100000"/>
-                        </a:lnSpc>
-                        <a:spcBef>
-                          <a:spcPts val="0"/>
-                        </a:spcBef>
-                        <a:spcAft>
-                          <a:spcPts val="0"/>
-                        </a:spcAft>
-                        <a:buClr>
-                          <a:srgbClr val="000000"/>
-                        </a:buClr>
-                        <a:buSzPts val="1500"/>
-                        <a:buFont typeface="Arial"/>
-                        <a:buNone/>
-                      </a:pPr>
-                      <a:r>
-                        <a:rPr lang="ko-KR" sz="1500" u="none" strike="noStrike" cap="none" dirty="0">
-                          <a:solidFill>
-                            <a:schemeClr val="dk1"/>
-                          </a:solidFill>
-                        </a:rPr>
-                        <a:t>2</a:t>
-                      </a:r>
-                      <a:endParaRPr sz="1500" u="none" strike="noStrike" cap="none" dirty="0">
-                        <a:solidFill>
-                          <a:schemeClr val="dk1"/>
-                        </a:solidFill>
-                      </a:endParaRPr>
-                    </a:p>
-                  </a:txBody>
-                  <a:tcPr marL="91451" marR="91451" marT="45725" marB="45725" anchor="ctr">
-                    <a:lnL w="12700" cap="flat" cmpd="sng">
-                      <a:solidFill>
-                        <a:schemeClr val="dk1"/>
-                      </a:solidFill>
-                      <a:prstDash val="solid"/>
-                      <a:round/>
-                      <a:headEnd type="none" w="sm" len="sm"/>
-                      <a:tailEnd type="none" w="sm" len="sm"/>
-                    </a:lnL>
-                    <a:lnR w="12700" cap="flat" cmpd="sng">
-                      <a:solidFill>
-                        <a:schemeClr val="dk1"/>
-                      </a:solidFill>
-                      <a:prstDash val="solid"/>
-                      <a:round/>
-                      <a:headEnd type="none" w="sm" len="sm"/>
-                      <a:tailEnd type="none" w="sm" len="sm"/>
-                    </a:lnR>
-                    <a:lnT w="12700" cap="flat" cmpd="sng">
-                      <a:solidFill>
-                        <a:schemeClr val="dk1"/>
-                      </a:solidFill>
-                      <a:prstDash val="solid"/>
-                      <a:round/>
-                      <a:headEnd type="none" w="sm" len="sm"/>
-                      <a:tailEnd type="none" w="sm" len="sm"/>
-                    </a:lnT>
-                    <a:lnB w="12700" cap="flat" cmpd="sng">
-                      <a:solidFill>
-                        <a:schemeClr val="dk1"/>
-                      </a:solidFill>
-                      <a:prstDash val="solid"/>
-                      <a:round/>
-                      <a:headEnd type="none" w="sm" len="sm"/>
-                      <a:tailEnd type="none" w="sm" len="sm"/>
-                    </a:lnB>
-                    <a:solidFill>
-                      <a:schemeClr val="lt1"/>
-                    </a:solidFill>
-                  </a:tcPr>
-                </a:tc>
-                <a:tc>
-                  <a:txBody>
-                    <a:bodyPr/>
-                    <a:lstStyle/>
-                    <a:p>
-                      <a:pPr marL="133350" marR="0" lvl="0" indent="0" algn="l" rtl="0">
-                        <a:lnSpc>
-                          <a:spcPct val="100000"/>
-                        </a:lnSpc>
-                        <a:spcBef>
-                          <a:spcPts val="0"/>
-                        </a:spcBef>
-                        <a:spcAft>
-                          <a:spcPts val="0"/>
-                        </a:spcAft>
-                        <a:buClr>
-                          <a:srgbClr val="000000"/>
-                        </a:buClr>
-                        <a:buSzPts val="1500"/>
-                        <a:buFont typeface="Arial"/>
-                        <a:buNone/>
-                      </a:pPr>
-                      <a:r>
-                        <a:rPr lang="ko-KR" altLang="en-US" sz="1300" b="0" u="none" strike="noStrike" cap="none" dirty="0"/>
-                        <a:t>상세내용 입력 후</a:t>
-                      </a:r>
-                      <a:r>
-                        <a:rPr lang="en-US" altLang="ko-KR" sz="1300" b="0" u="none" strike="noStrike" cap="none" dirty="0"/>
-                        <a:t>, </a:t>
-                      </a:r>
-                      <a:r>
-                        <a:rPr lang="ko-KR" altLang="en-US" sz="1300" b="0" u="none" strike="noStrike" cap="none" dirty="0"/>
-                        <a:t>등록을 누르면 신고가 완료됨</a:t>
-                      </a:r>
-                      <a:r>
-                        <a:rPr lang="en-US" altLang="ko-KR" sz="1300" b="0" u="none" strike="noStrike" cap="none"/>
-                        <a:t>.</a:t>
-                      </a:r>
-                      <a:endParaRPr lang="en-US" altLang="ko-KR" sz="1300" b="0" u="none" strike="noStrike" cap="none" dirty="0"/>
-                    </a:p>
-                  </a:txBody>
-                  <a:tcPr marL="91451" marR="91451" marT="45725" marB="45725">
-                    <a:lnL w="12700" cap="flat" cmpd="sng">
-                      <a:solidFill>
-                        <a:schemeClr val="dk1"/>
-                      </a:solidFill>
-                      <a:prstDash val="solid"/>
-                      <a:round/>
-                      <a:headEnd type="none" w="sm" len="sm"/>
-                      <a:tailEnd type="none" w="sm" len="sm"/>
-                    </a:lnL>
-                    <a:lnR w="12700" cap="flat" cmpd="sng">
-                      <a:solidFill>
-                        <a:schemeClr val="dk1"/>
-                      </a:solidFill>
-                      <a:prstDash val="solid"/>
-                      <a:round/>
-                      <a:headEnd type="none" w="sm" len="sm"/>
-                      <a:tailEnd type="none" w="sm" len="sm"/>
-                    </a:lnR>
-                    <a:lnT w="12700" cap="flat" cmpd="sng">
-                      <a:solidFill>
-                        <a:schemeClr val="dk1"/>
-                      </a:solidFill>
-                      <a:prstDash val="solid"/>
-                      <a:round/>
-                      <a:headEnd type="none" w="sm" len="sm"/>
-                      <a:tailEnd type="none" w="sm" len="sm"/>
-                    </a:lnT>
-                    <a:lnB w="12700" cap="flat" cmpd="sng">
-                      <a:solidFill>
-                        <a:schemeClr val="dk1"/>
-                      </a:solidFill>
-                      <a:prstDash val="solid"/>
-                      <a:round/>
-                      <a:headEnd type="none" w="sm" len="sm"/>
-                      <a:tailEnd type="none" w="sm" len="sm"/>
-                    </a:lnB>
-                    <a:solidFill>
-                      <a:schemeClr val="lt1"/>
-                    </a:solidFill>
-                  </a:tcPr>
-                </a:tc>
-                <a:extLst>
-                  <a:ext uri="{0D108BD9-81ED-4DB2-BD59-A6C34878D82A}">
-                    <a16:rowId xmlns:a16="http://schemas.microsoft.com/office/drawing/2014/main" val="10002"/>
-                  </a:ext>
-                </a:extLst>
-              </a:tr>
-            </a:tbl>
-          </a:graphicData>
-        </a:graphic>
-      </p:graphicFrame>
-      <p:sp>
-        <p:nvSpPr>
-          <p:cNvPr id="6" name="직사각형 5"/>
-          <p:cNvSpPr/>
-          <p:nvPr/>
-        </p:nvSpPr>
-        <p:spPr>
-          <a:xfrm>
-            <a:off x="876293" y="2581906"/>
-            <a:ext cx="289014" cy="216024"/>
-          </a:xfrm>
-          <a:prstGeom prst="rect">
-            <a:avLst/>
-          </a:prstGeom>
-          <a:solidFill>
-            <a:srgbClr val="FF0000"/>
-          </a:solidFill>
-          <a:ln>
-            <a:solidFill>
-              <a:schemeClr val="tx1"/>
-            </a:solidFill>
-          </a:ln>
-        </p:spPr>
-        <p:style>
-          <a:lnRef idx="2">
-            <a:schemeClr val="accent1">
-              <a:shade val="50000"/>
-            </a:schemeClr>
-          </a:lnRef>
-          <a:fillRef idx="1">
-            <a:schemeClr val="accent1"/>
-          </a:fillRef>
-          <a:effectRef idx="0">
-            <a:schemeClr val="accent1"/>
-          </a:effectRef>
-          <a:fontRef idx="minor">
-            <a:schemeClr val="lt1"/>
-          </a:fontRef>
-        </p:style>
-        <p:txBody>
-          <a:bodyPr rtlCol="0" anchor="ctr"/>
-          <a:lstStyle/>
-          <a:p>
-            <a:pPr algn="ctr"/>
-            <a:r>
-              <a:rPr lang="en-US" altLang="ko-KR" sz="1200" dirty="0">
-                <a:solidFill>
-                  <a:schemeClr val="tx1"/>
-                </a:solidFill>
-              </a:rPr>
-              <a:t>1</a:t>
-            </a:r>
-            <a:endParaRPr lang="ko-KR" altLang="en-US" sz="1200" dirty="0">
-              <a:solidFill>
-                <a:schemeClr val="tx1"/>
-              </a:solidFill>
-            </a:endParaRPr>
-          </a:p>
-        </p:txBody>
-      </p:sp>
-      <p:sp>
-        <p:nvSpPr>
-          <p:cNvPr id="28" name="직사각형 27"/>
-          <p:cNvSpPr/>
-          <p:nvPr/>
-        </p:nvSpPr>
-        <p:spPr>
-          <a:xfrm>
-            <a:off x="866567" y="3825819"/>
-            <a:ext cx="289014" cy="216024"/>
-          </a:xfrm>
-          <a:prstGeom prst="rect">
-            <a:avLst/>
-          </a:prstGeom>
-          <a:solidFill>
-            <a:srgbClr val="FF0000"/>
-          </a:solidFill>
-          <a:ln>
-            <a:solidFill>
-              <a:schemeClr val="tx1"/>
-            </a:solidFill>
-          </a:ln>
-        </p:spPr>
-        <p:style>
-          <a:lnRef idx="2">
-            <a:schemeClr val="accent1">
-              <a:shade val="50000"/>
-            </a:schemeClr>
-          </a:lnRef>
-          <a:fillRef idx="1">
-            <a:schemeClr val="accent1"/>
-          </a:fillRef>
-          <a:effectRef idx="0">
-            <a:schemeClr val="accent1"/>
-          </a:effectRef>
-          <a:fontRef idx="minor">
-            <a:schemeClr val="lt1"/>
-          </a:fontRef>
-        </p:style>
-        <p:txBody>
-          <a:bodyPr rtlCol="0" anchor="ctr"/>
-          <a:lstStyle/>
-          <a:p>
-            <a:pPr algn="ctr"/>
-            <a:r>
-              <a:rPr lang="en-US" altLang="ko-KR" sz="1200" dirty="0">
-                <a:solidFill>
-                  <a:schemeClr val="tx1"/>
-                </a:solidFill>
-              </a:rPr>
-              <a:t>2</a:t>
-            </a:r>
-            <a:endParaRPr lang="ko-KR" altLang="en-US" sz="1200" dirty="0">
-              <a:solidFill>
-                <a:schemeClr val="tx1"/>
-              </a:solidFill>
-            </a:endParaRPr>
-          </a:p>
-        </p:txBody>
-      </p:sp>
-      <p:sp>
-        <p:nvSpPr>
-          <p:cNvPr id="12" name="직사각형 11"/>
-          <p:cNvSpPr/>
-          <p:nvPr/>
-        </p:nvSpPr>
-        <p:spPr>
-          <a:xfrm>
-            <a:off x="797627" y="1412776"/>
-            <a:ext cx="5194611" cy="5184576"/>
-          </a:xfrm>
-          <a:prstGeom prst="rect">
-            <a:avLst/>
-          </a:prstGeom>
-          <a:noFill/>
-          <a:ln>
-            <a:solidFill>
-              <a:schemeClr val="tx1"/>
-            </a:solidFill>
-          </a:ln>
-        </p:spPr>
-        <p:style>
-          <a:lnRef idx="2">
-            <a:schemeClr val="accent1">
-              <a:shade val="50000"/>
-            </a:schemeClr>
-          </a:lnRef>
-          <a:fillRef idx="1">
-            <a:schemeClr val="accent1"/>
-          </a:fillRef>
-          <a:effectRef idx="0">
-            <a:schemeClr val="accent1"/>
-          </a:effectRef>
-          <a:fontRef idx="minor">
-            <a:schemeClr val="lt1"/>
-          </a:fontRef>
-        </p:style>
-        <p:txBody>
-          <a:bodyPr rtlCol="0" anchor="ctr"/>
-          <a:lstStyle/>
-          <a:p>
-            <a:pPr algn="ctr"/>
-            <a:endParaRPr lang="ko-KR" altLang="en-US"/>
-          </a:p>
-        </p:txBody>
-      </p:sp>
-      <p:pic>
-        <p:nvPicPr>
-          <p:cNvPr id="14" name="그림 13">
-            <a:extLst>
-              <a:ext uri="{FF2B5EF4-FFF2-40B4-BE49-F238E27FC236}">
-                <a16:creationId xmlns:a16="http://schemas.microsoft.com/office/drawing/2014/main" id="{3C803E97-C14C-4E01-A654-6332ED0E3C59}"/>
-              </a:ext>
-            </a:extLst>
-          </p:cNvPr>
-          <p:cNvPicPr>
-            <a:picLocks noChangeAspect="1"/>
-          </p:cNvPicPr>
-          <p:nvPr/>
-        </p:nvPicPr>
-        <p:blipFill>
-          <a:blip r:embed="rId3">
-            <a:extLst>
-              <a:ext uri="{28A0092B-C50C-407E-A947-70E740481C1C}">
-                <a14:useLocalDpi xmlns:a14="http://schemas.microsoft.com/office/drawing/2010/main" val="0"/>
-              </a:ext>
-            </a:extLst>
-          </a:blip>
-          <a:stretch>
-            <a:fillRect/>
-          </a:stretch>
-        </p:blipFill>
-        <p:spPr>
-          <a:xfrm>
-            <a:off x="1243973" y="2446316"/>
-            <a:ext cx="4629382" cy="602599"/>
-          </a:xfrm>
-          <a:prstGeom prst="rect">
-            <a:avLst/>
-          </a:prstGeom>
-          <a:ln w="38100" cap="sq">
-            <a:noFill/>
-            <a:prstDash val="solid"/>
-            <a:miter lim="800000"/>
-          </a:ln>
-          <a:effectLst>
-            <a:outerShdw blurRad="50800" dist="38100" dir="2700000" algn="tl" rotWithShape="0">
-              <a:srgbClr val="000000">
-                <a:alpha val="43000"/>
-              </a:srgbClr>
-            </a:outerShdw>
-          </a:effectLst>
-        </p:spPr>
-      </p:pic>
-      <p:pic>
-        <p:nvPicPr>
-          <p:cNvPr id="19" name="그림 18" descr="조류이(가) 표시된 사진&#10;&#10;자동 생성된 설명">
-            <a:extLst>
-              <a:ext uri="{FF2B5EF4-FFF2-40B4-BE49-F238E27FC236}">
-                <a16:creationId xmlns:a16="http://schemas.microsoft.com/office/drawing/2014/main" id="{90DF4C13-5234-401A-B62D-8B4A6904AAD4}"/>
-              </a:ext>
-            </a:extLst>
-          </p:cNvPr>
-          <p:cNvPicPr>
-            <a:picLocks noChangeAspect="1"/>
-          </p:cNvPicPr>
-          <p:nvPr/>
-        </p:nvPicPr>
-        <p:blipFill>
-          <a:blip r:embed="rId4">
-            <a:extLst>
-              <a:ext uri="{28A0092B-C50C-407E-A947-70E740481C1C}">
-                <a14:useLocalDpi xmlns:a14="http://schemas.microsoft.com/office/drawing/2010/main" val="0"/>
-              </a:ext>
-            </a:extLst>
-          </a:blip>
-          <a:stretch>
-            <a:fillRect/>
-          </a:stretch>
-        </p:blipFill>
-        <p:spPr>
-          <a:xfrm>
-            <a:off x="1352496" y="3677638"/>
-            <a:ext cx="4432467" cy="1767586"/>
-          </a:xfrm>
-          <a:prstGeom prst="rect">
-            <a:avLst/>
-          </a:prstGeom>
-          <a:solidFill>
-            <a:srgbClr val="FFFFFF">
-              <a:shade val="85000"/>
-            </a:srgbClr>
-          </a:solidFill>
-          <a:ln w="88900" cap="sq">
-            <a:noFill/>
-            <a:miter lim="800000"/>
-          </a:ln>
-          <a:effectLst>
-            <a:outerShdw blurRad="55000" dist="18000" dir="5400000" algn="tl" rotWithShape="0">
-              <a:srgbClr val="000000">
-                <a:alpha val="40000"/>
-              </a:srgbClr>
-            </a:outerShdw>
-          </a:effectLst>
-        </p:spPr>
-      </p:pic>
-      <p:pic>
-        <p:nvPicPr>
-          <p:cNvPr id="29" name="그림 28">
-            <a:extLst>
-              <a:ext uri="{FF2B5EF4-FFF2-40B4-BE49-F238E27FC236}">
-                <a16:creationId xmlns:a16="http://schemas.microsoft.com/office/drawing/2014/main" id="{CDC65914-2404-4E6E-86BB-89502E852F33}"/>
-              </a:ext>
-            </a:extLst>
-          </p:cNvPr>
-          <p:cNvPicPr>
-            <a:picLocks noChangeAspect="1"/>
-          </p:cNvPicPr>
-          <p:nvPr/>
-        </p:nvPicPr>
-        <p:blipFill>
-          <a:blip r:embed="rId5">
-            <a:extLst>
-              <a:ext uri="{28A0092B-C50C-407E-A947-70E740481C1C}">
-                <a14:useLocalDpi xmlns:a14="http://schemas.microsoft.com/office/drawing/2010/main" val="0"/>
-              </a:ext>
-            </a:extLst>
-          </a:blip>
-          <a:stretch>
-            <a:fillRect/>
-          </a:stretch>
-        </p:blipFill>
-        <p:spPr>
-          <a:xfrm>
-            <a:off x="952625" y="1536920"/>
-            <a:ext cx="4842064" cy="801103"/>
-          </a:xfrm>
-          <a:prstGeom prst="rect">
-            <a:avLst/>
-          </a:prstGeom>
-        </p:spPr>
-      </p:pic>
-    </p:spTree>
-    <p:extLst>
-      <p:ext uri="{BB962C8B-B14F-4D97-AF65-F5344CB8AC3E}">
-        <p14:creationId xmlns:p14="http://schemas.microsoft.com/office/powerpoint/2010/main" val="1538687124"/>
-      </p:ext>
-    </p:extLst>
-  </p:cSld>
-  <p:clrMapOvr>
-    <a:masterClrMapping/>
-  </p:clrMapOvr>
-</p:sld>
-</file>
-
-<file path=ppt/slides/slide2.xml><?xml version="1.0" encoding="utf-8"?>
-<p:sld xmlns:a="http://schemas.openxmlformats.org/drawingml/2006/main" xmlns:r="http://schemas.openxmlformats.org/officeDocument/2006/relationships" xmlns:p="http://schemas.openxmlformats.org/presentationml/2006/main">
-  <p:cSld>
-    <p:spTree>
-      <p:nvGrpSpPr>
-        <p:cNvPr id="1" name="Shape 90"/>
-        <p:cNvGrpSpPr/>
-        <p:nvPr/>
-      </p:nvGrpSpPr>
-      <p:grpSpPr>
-        <a:xfrm>
-          <a:off x="0" y="0"/>
-          <a:ext cx="0" cy="0"/>
-          <a:chOff x="0" y="0"/>
-          <a:chExt cx="0" cy="0"/>
-        </a:xfrm>
-      </p:grpSpPr>
-      <p:graphicFrame>
-        <p:nvGraphicFramePr>
-          <p:cNvPr id="92" name="Google Shape;92;g7c553259d1_0_3"/>
-          <p:cNvGraphicFramePr/>
-          <p:nvPr>
-            <p:extLst>
-              <p:ext uri="{D42A27DB-BD31-4B8C-83A1-F6EECF244321}">
-                <p14:modId xmlns:p14="http://schemas.microsoft.com/office/powerpoint/2010/main" val="2198146768"/>
-              </p:ext>
-            </p:extLst>
-          </p:nvPr>
-        </p:nvGraphicFramePr>
-        <p:xfrm>
-          <a:off x="131604" y="115759"/>
-          <a:ext cx="3693699" cy="960150"/>
-        </p:xfrm>
-        <a:graphic>
-          <a:graphicData uri="http://schemas.openxmlformats.org/drawingml/2006/table">
-            <a:tbl>
-              <a:tblPr firstRow="1" bandRow="1">
-                <a:noFill/>
-              </a:tblPr>
-              <a:tblGrid>
-                <a:gridCol w="1549025">
-                  <a:extLst>
-                    <a:ext uri="{9D8B030D-6E8A-4147-A177-3AD203B41FA5}">
-                      <a16:colId xmlns:a16="http://schemas.microsoft.com/office/drawing/2014/main" val="20000"/>
-                    </a:ext>
-                  </a:extLst>
-                </a:gridCol>
-                <a:gridCol w="2144674">
-                  <a:extLst>
-                    <a:ext uri="{9D8B030D-6E8A-4147-A177-3AD203B41FA5}">
-                      <a16:colId xmlns:a16="http://schemas.microsoft.com/office/drawing/2014/main" val="20001"/>
-                    </a:ext>
-                  </a:extLst>
-                </a:gridCol>
-              </a:tblGrid>
-              <a:tr h="271225">
-                <a:tc>
-                  <a:txBody>
-                    <a:bodyPr/>
-                    <a:lstStyle/>
-                    <a:p>
-                      <a:pPr marL="0" marR="0" lvl="0" indent="0" algn="ctr" rtl="0">
-                        <a:lnSpc>
-                          <a:spcPct val="100000"/>
-                        </a:lnSpc>
-                        <a:spcBef>
-                          <a:spcPts val="0"/>
-                        </a:spcBef>
-                        <a:spcAft>
-                          <a:spcPts val="0"/>
-                        </a:spcAft>
-                        <a:buClr>
-                          <a:srgbClr val="000000"/>
-                        </a:buClr>
-                        <a:buSzPts val="1500"/>
-                        <a:buFont typeface="Arial"/>
-                        <a:buNone/>
-                      </a:pPr>
-                      <a:r>
-                        <a:rPr lang="ko-KR" sz="1500" b="0" u="none" strike="noStrike" cap="none" dirty="0">
-                          <a:solidFill>
-                            <a:schemeClr val="dk1"/>
-                          </a:solidFill>
-                        </a:rPr>
-                        <a:t>화면코드</a:t>
-                      </a:r>
-                      <a:endParaRPr sz="1500" b="0" u="none" strike="noStrike" cap="none" dirty="0">
-                        <a:solidFill>
-                          <a:schemeClr val="dk1"/>
-                        </a:solidFill>
-                      </a:endParaRPr>
-                    </a:p>
-                  </a:txBody>
-                  <a:tcPr marL="91451" marR="91451" marT="45725" marB="45725" anchor="ctr">
-                    <a:lnL w="12700" cap="flat" cmpd="sng">
-                      <a:solidFill>
-                        <a:schemeClr val="dk1"/>
-                      </a:solidFill>
-                      <a:prstDash val="solid"/>
-                      <a:round/>
-                      <a:headEnd type="none" w="sm" len="sm"/>
-                      <a:tailEnd type="none" w="sm" len="sm"/>
-                    </a:lnL>
-                    <a:lnR w="12700" cap="flat" cmpd="sng">
-                      <a:solidFill>
-                        <a:schemeClr val="dk1"/>
-                      </a:solidFill>
-                      <a:prstDash val="solid"/>
-                      <a:round/>
-                      <a:headEnd type="none" w="sm" len="sm"/>
-                      <a:tailEnd type="none" w="sm" len="sm"/>
-                    </a:lnR>
-                    <a:lnT w="12700" cap="flat" cmpd="sng">
-                      <a:solidFill>
-                        <a:schemeClr val="dk1"/>
-                      </a:solidFill>
-                      <a:prstDash val="solid"/>
-                      <a:round/>
-                      <a:headEnd type="none" w="sm" len="sm"/>
-                      <a:tailEnd type="none" w="sm" len="sm"/>
-                    </a:lnT>
-                    <a:lnB w="12700" cap="flat" cmpd="sng">
-                      <a:solidFill>
-                        <a:schemeClr val="dk1"/>
-                      </a:solidFill>
-                      <a:prstDash val="solid"/>
-                      <a:round/>
-                      <a:headEnd type="none" w="sm" len="sm"/>
-                      <a:tailEnd type="none" w="sm" len="sm"/>
-                    </a:lnB>
-                    <a:solidFill>
-                      <a:srgbClr val="D8D8D8"/>
-                    </a:solidFill>
-                  </a:tcPr>
-                </a:tc>
-                <a:tc>
-                  <a:txBody>
-                    <a:bodyPr/>
-                    <a:lstStyle/>
-                    <a:p>
-                      <a:pPr marL="0" marR="0" lvl="0" indent="0" algn="ctr" rtl="0">
-                        <a:lnSpc>
-                          <a:spcPct val="100000"/>
-                        </a:lnSpc>
-                        <a:spcBef>
-                          <a:spcPts val="0"/>
-                        </a:spcBef>
-                        <a:spcAft>
-                          <a:spcPts val="0"/>
-                        </a:spcAft>
-                        <a:buClr>
-                          <a:srgbClr val="000000"/>
-                        </a:buClr>
-                        <a:buSzPts val="1500"/>
-                        <a:buFont typeface="Arial"/>
-                        <a:buNone/>
-                      </a:pPr>
-                      <a:endParaRPr sz="1100" b="0" u="none" strike="noStrike" cap="none" dirty="0">
-                        <a:solidFill>
-                          <a:schemeClr val="dk1"/>
-                        </a:solidFill>
-                      </a:endParaRPr>
-                    </a:p>
-                  </a:txBody>
-                  <a:tcPr marL="91451" marR="91451" marT="45725" marB="45725" anchor="ctr">
-                    <a:lnL w="12700" cap="flat" cmpd="sng">
-                      <a:solidFill>
-                        <a:schemeClr val="dk1"/>
-                      </a:solidFill>
-                      <a:prstDash val="solid"/>
-                      <a:round/>
-                      <a:headEnd type="none" w="sm" len="sm"/>
-                      <a:tailEnd type="none" w="sm" len="sm"/>
-                    </a:lnL>
-                    <a:lnR w="12700" cap="flat" cmpd="sng">
-                      <a:solidFill>
-                        <a:schemeClr val="dk1"/>
-                      </a:solidFill>
-                      <a:prstDash val="solid"/>
-                      <a:round/>
-                      <a:headEnd type="none" w="sm" len="sm"/>
-                      <a:tailEnd type="none" w="sm" len="sm"/>
-                    </a:lnR>
-                    <a:lnT w="12700" cap="flat" cmpd="sng">
-                      <a:solidFill>
-                        <a:schemeClr val="dk1"/>
-                      </a:solidFill>
-                      <a:prstDash val="solid"/>
-                      <a:round/>
-                      <a:headEnd type="none" w="sm" len="sm"/>
-                      <a:tailEnd type="none" w="sm" len="sm"/>
-                    </a:lnT>
-                    <a:lnB w="12700" cap="flat" cmpd="sng">
-                      <a:solidFill>
-                        <a:schemeClr val="dk1"/>
-                      </a:solidFill>
-                      <a:prstDash val="solid"/>
-                      <a:round/>
-                      <a:headEnd type="none" w="sm" len="sm"/>
-                      <a:tailEnd type="none" w="sm" len="sm"/>
-                    </a:lnB>
-                    <a:solidFill>
-                      <a:schemeClr val="lt1"/>
-                    </a:solidFill>
-                  </a:tcPr>
-                </a:tc>
-                <a:extLst>
-                  <a:ext uri="{0D108BD9-81ED-4DB2-BD59-A6C34878D82A}">
-                    <a16:rowId xmlns:a16="http://schemas.microsoft.com/office/drawing/2014/main" val="10000"/>
-                  </a:ext>
-                </a:extLst>
-              </a:tr>
-              <a:tr h="271225">
-                <a:tc rowSpan="2">
-                  <a:txBody>
-                    <a:bodyPr/>
-                    <a:lstStyle/>
-                    <a:p>
-                      <a:pPr marL="0" marR="0" lvl="0" indent="0" algn="ctr" rtl="0">
-                        <a:lnSpc>
-                          <a:spcPct val="100000"/>
-                        </a:lnSpc>
-                        <a:spcBef>
-                          <a:spcPts val="0"/>
-                        </a:spcBef>
-                        <a:spcAft>
-                          <a:spcPts val="0"/>
-                        </a:spcAft>
-                        <a:buClr>
-                          <a:srgbClr val="000000"/>
-                        </a:buClr>
-                        <a:buSzPts val="1500"/>
-                        <a:buFont typeface="Arial"/>
-                        <a:buNone/>
-                      </a:pPr>
-                      <a:r>
-                        <a:rPr lang="ko-KR" sz="1500" b="0" u="none" strike="noStrike" cap="none">
-                          <a:solidFill>
-                            <a:schemeClr val="dk1"/>
-                          </a:solidFill>
-                        </a:rPr>
-                        <a:t>화면명</a:t>
-                      </a:r>
-                      <a:endParaRPr sz="1500" b="0" u="none" strike="noStrike" cap="none">
-                        <a:solidFill>
-                          <a:schemeClr val="dk1"/>
-                        </a:solidFill>
-                      </a:endParaRPr>
-                    </a:p>
-                  </a:txBody>
-                  <a:tcPr marL="91451" marR="91451" marT="45725" marB="45725" anchor="ctr">
-                    <a:lnL w="12700" cap="flat" cmpd="sng">
-                      <a:solidFill>
-                        <a:schemeClr val="dk1"/>
-                      </a:solidFill>
-                      <a:prstDash val="solid"/>
-                      <a:round/>
-                      <a:headEnd type="none" w="sm" len="sm"/>
-                      <a:tailEnd type="none" w="sm" len="sm"/>
-                    </a:lnL>
-                    <a:lnR w="12700" cap="flat" cmpd="sng">
-                      <a:solidFill>
-                        <a:schemeClr val="dk1"/>
-                      </a:solidFill>
-                      <a:prstDash val="solid"/>
-                      <a:round/>
-                      <a:headEnd type="none" w="sm" len="sm"/>
-                      <a:tailEnd type="none" w="sm" len="sm"/>
-                    </a:lnR>
-                    <a:lnT w="12700" cap="flat" cmpd="sng">
-                      <a:solidFill>
-                        <a:schemeClr val="dk1"/>
-                      </a:solidFill>
-                      <a:prstDash val="solid"/>
-                      <a:round/>
-                      <a:headEnd type="none" w="sm" len="sm"/>
-                      <a:tailEnd type="none" w="sm" len="sm"/>
-                    </a:lnT>
-                    <a:lnB w="12700" cap="flat" cmpd="sng">
-                      <a:solidFill>
-                        <a:schemeClr val="dk1"/>
-                      </a:solidFill>
-                      <a:prstDash val="solid"/>
-                      <a:round/>
-                      <a:headEnd type="none" w="sm" len="sm"/>
-                      <a:tailEnd type="none" w="sm" len="sm"/>
-                    </a:lnB>
-                    <a:solidFill>
-                      <a:srgbClr val="D8D8D8"/>
-                    </a:solidFill>
-                  </a:tcPr>
-                </a:tc>
-                <a:tc>
-                  <a:txBody>
-                    <a:bodyPr/>
-                    <a:lstStyle/>
-                    <a:p>
-                      <a:pPr marL="0" marR="0" lvl="0" indent="0" algn="ctr" rtl="0">
-                        <a:lnSpc>
-                          <a:spcPct val="100000"/>
-                        </a:lnSpc>
-                        <a:spcBef>
-                          <a:spcPts val="0"/>
-                        </a:spcBef>
-                        <a:spcAft>
-                          <a:spcPts val="0"/>
-                        </a:spcAft>
-                        <a:buClr>
-                          <a:srgbClr val="000000"/>
-                        </a:buClr>
-                        <a:buSzPts val="1500"/>
-                        <a:buFont typeface="Arial"/>
-                        <a:buNone/>
-                      </a:pPr>
-                      <a:r>
-                        <a:rPr lang="ko-KR" altLang="en-US" sz="1500" b="0" u="none" strike="noStrike" cap="none" dirty="0">
-                          <a:solidFill>
-                            <a:schemeClr val="dk1"/>
-                          </a:solidFill>
-                        </a:rPr>
-                        <a:t>상품신고페이지</a:t>
-                      </a:r>
-                      <a:endParaRPr sz="1500" b="0" u="none" strike="noStrike" cap="none" dirty="0">
-                        <a:solidFill>
-                          <a:schemeClr val="dk1"/>
-                        </a:solidFill>
-                      </a:endParaRPr>
-                    </a:p>
-                  </a:txBody>
-                  <a:tcPr marL="91451" marR="91451" marT="45725" marB="45725" anchor="ctr">
-                    <a:lnL w="12700" cap="flat" cmpd="sng">
-                      <a:solidFill>
-                        <a:schemeClr val="dk1"/>
-                      </a:solidFill>
-                      <a:prstDash val="solid"/>
-                      <a:round/>
-                      <a:headEnd type="none" w="sm" len="sm"/>
-                      <a:tailEnd type="none" w="sm" len="sm"/>
-                    </a:lnL>
-                    <a:lnR w="12700" cap="flat" cmpd="sng">
-                      <a:solidFill>
-                        <a:schemeClr val="dk1"/>
-                      </a:solidFill>
-                      <a:prstDash val="solid"/>
-                      <a:round/>
-                      <a:headEnd type="none" w="sm" len="sm"/>
-                      <a:tailEnd type="none" w="sm" len="sm"/>
-                    </a:lnR>
-                    <a:lnT w="12700" cap="flat" cmpd="sng">
-                      <a:solidFill>
-                        <a:schemeClr val="dk1"/>
-                      </a:solidFill>
-                      <a:prstDash val="solid"/>
-                      <a:round/>
-                      <a:headEnd type="none" w="sm" len="sm"/>
-                      <a:tailEnd type="none" w="sm" len="sm"/>
-                    </a:lnT>
-                    <a:lnB w="12700" cap="flat" cmpd="sng">
-                      <a:solidFill>
-                        <a:schemeClr val="dk1"/>
-                      </a:solidFill>
-                      <a:prstDash val="solid"/>
-                      <a:round/>
-                      <a:headEnd type="none" w="sm" len="sm"/>
-                      <a:tailEnd type="none" w="sm" len="sm"/>
-                    </a:lnB>
-                    <a:solidFill>
-                      <a:schemeClr val="lt1"/>
-                    </a:solidFill>
-                  </a:tcPr>
-                </a:tc>
-                <a:extLst>
-                  <a:ext uri="{0D108BD9-81ED-4DB2-BD59-A6C34878D82A}">
-                    <a16:rowId xmlns:a16="http://schemas.microsoft.com/office/drawing/2014/main" val="10001"/>
-                  </a:ext>
-                </a:extLst>
-              </a:tr>
-              <a:tr h="271225">
-                <a:tc vMerge="1">
-                  <a:txBody>
-                    <a:bodyPr/>
-                    <a:lstStyle/>
-                    <a:p>
-                      <a:endParaRPr lang="ko-KR"/>
-                    </a:p>
-                  </a:txBody>
-                  <a:tcPr/>
-                </a:tc>
-                <a:tc>
-                  <a:txBody>
-                    <a:bodyPr/>
-                    <a:lstStyle/>
-                    <a:p>
-                      <a:pPr marL="0" marR="0" lvl="0" indent="0" algn="ctr" rtl="0">
-                        <a:lnSpc>
-                          <a:spcPct val="100000"/>
-                        </a:lnSpc>
-                        <a:spcBef>
-                          <a:spcPts val="0"/>
-                        </a:spcBef>
-                        <a:spcAft>
-                          <a:spcPts val="0"/>
-                        </a:spcAft>
-                        <a:buClr>
-                          <a:srgbClr val="000000"/>
-                        </a:buClr>
-                        <a:buSzPts val="1500"/>
-                        <a:buFont typeface="Arial"/>
-                        <a:buNone/>
-                      </a:pPr>
-                      <a:r>
-                        <a:rPr lang="ko-KR" altLang="en-US" sz="1500" b="0" u="none" strike="noStrike" cap="none" dirty="0">
-                          <a:solidFill>
-                            <a:schemeClr val="dk1"/>
-                          </a:solidFill>
-                        </a:rPr>
-                        <a:t>모바일</a:t>
-                      </a:r>
-                      <a:endParaRPr sz="1500" b="0" u="none" strike="noStrike" cap="none" dirty="0">
-                        <a:solidFill>
-                          <a:schemeClr val="dk1"/>
-                        </a:solidFill>
-                      </a:endParaRPr>
-                    </a:p>
-                  </a:txBody>
-                  <a:tcPr marL="91451" marR="91451" marT="45725" marB="45725" anchor="ctr">
-                    <a:lnL w="12700" cap="flat" cmpd="sng">
-                      <a:solidFill>
-                        <a:schemeClr val="dk1"/>
-                      </a:solidFill>
-                      <a:prstDash val="solid"/>
-                      <a:round/>
-                      <a:headEnd type="none" w="sm" len="sm"/>
-                      <a:tailEnd type="none" w="sm" len="sm"/>
-                    </a:lnL>
-                    <a:lnR w="12700" cap="flat" cmpd="sng">
-                      <a:solidFill>
-                        <a:schemeClr val="dk1"/>
-                      </a:solidFill>
-                      <a:prstDash val="solid"/>
-                      <a:round/>
-                      <a:headEnd type="none" w="sm" len="sm"/>
-                      <a:tailEnd type="none" w="sm" len="sm"/>
-                    </a:lnR>
-                    <a:lnT w="12700" cap="flat" cmpd="sng">
-                      <a:solidFill>
-                        <a:schemeClr val="dk1"/>
-                      </a:solidFill>
-                      <a:prstDash val="solid"/>
-                      <a:round/>
-                      <a:headEnd type="none" w="sm" len="sm"/>
-                      <a:tailEnd type="none" w="sm" len="sm"/>
-                    </a:lnT>
-                    <a:lnB w="12700" cap="flat" cmpd="sng">
-                      <a:solidFill>
-                        <a:schemeClr val="dk1"/>
-                      </a:solidFill>
-                      <a:prstDash val="solid"/>
-                      <a:round/>
-                      <a:headEnd type="none" w="sm" len="sm"/>
-                      <a:tailEnd type="none" w="sm" len="sm"/>
-                    </a:lnB>
-                    <a:solidFill>
-                      <a:schemeClr val="lt1"/>
-                    </a:solidFill>
-                  </a:tcPr>
-                </a:tc>
-                <a:extLst>
-                  <a:ext uri="{0D108BD9-81ED-4DB2-BD59-A6C34878D82A}">
-                    <a16:rowId xmlns:a16="http://schemas.microsoft.com/office/drawing/2014/main" val="10002"/>
-                  </a:ext>
-                </a:extLst>
-              </a:tr>
-            </a:tbl>
-          </a:graphicData>
-        </a:graphic>
-      </p:graphicFrame>
-      <p:graphicFrame>
-        <p:nvGraphicFramePr>
-          <p:cNvPr id="93" name="Google Shape;93;g7c553259d1_0_3"/>
-          <p:cNvGraphicFramePr/>
-          <p:nvPr/>
-        </p:nvGraphicFramePr>
-        <p:xfrm>
-          <a:off x="9309046" y="197403"/>
-          <a:ext cx="2815500" cy="320050"/>
-        </p:xfrm>
-        <a:graphic>
-          <a:graphicData uri="http://schemas.openxmlformats.org/drawingml/2006/table">
-            <a:tbl>
-              <a:tblPr firstRow="1" bandRow="1">
-                <a:noFill/>
-              </a:tblPr>
-              <a:tblGrid>
-                <a:gridCol w="1407750">
-                  <a:extLst>
-                    <a:ext uri="{9D8B030D-6E8A-4147-A177-3AD203B41FA5}">
-                      <a16:colId xmlns:a16="http://schemas.microsoft.com/office/drawing/2014/main" val="20000"/>
-                    </a:ext>
-                  </a:extLst>
-                </a:gridCol>
-                <a:gridCol w="1407750">
-                  <a:extLst>
-                    <a:ext uri="{9D8B030D-6E8A-4147-A177-3AD203B41FA5}">
-                      <a16:colId xmlns:a16="http://schemas.microsoft.com/office/drawing/2014/main" val="20001"/>
-                    </a:ext>
-                  </a:extLst>
-                </a:gridCol>
-              </a:tblGrid>
-              <a:tr h="265075">
-                <a:tc>
-                  <a:txBody>
-                    <a:bodyPr/>
-                    <a:lstStyle/>
-                    <a:p>
-                      <a:pPr marL="0" marR="0" lvl="0" indent="0" algn="ctr" rtl="0">
-                        <a:lnSpc>
-                          <a:spcPct val="100000"/>
-                        </a:lnSpc>
-                        <a:spcBef>
-                          <a:spcPts val="0"/>
-                        </a:spcBef>
-                        <a:spcAft>
-                          <a:spcPts val="0"/>
-                        </a:spcAft>
-                        <a:buClr>
-                          <a:srgbClr val="000000"/>
-                        </a:buClr>
-                        <a:buSzPts val="1500"/>
-                        <a:buFont typeface="Arial"/>
-                        <a:buNone/>
-                      </a:pPr>
-                      <a:r>
-                        <a:rPr lang="ko-KR" sz="1500" b="0" u="none" strike="noStrike" cap="none" dirty="0">
-                          <a:solidFill>
-                            <a:schemeClr val="dk1"/>
-                          </a:solidFill>
-                        </a:rPr>
-                        <a:t>화면 번호</a:t>
-                      </a:r>
-                      <a:endParaRPr sz="1500" b="0" u="none" strike="noStrike" cap="none" dirty="0">
-                        <a:solidFill>
-                          <a:schemeClr val="dk1"/>
-                        </a:solidFill>
-                      </a:endParaRPr>
-                    </a:p>
-                  </a:txBody>
-                  <a:tcPr marL="91451" marR="91451" marT="45725" marB="45725" anchor="ctr">
-                    <a:lnL w="12700" cap="flat" cmpd="sng">
-                      <a:solidFill>
-                        <a:schemeClr val="dk1"/>
-                      </a:solidFill>
-                      <a:prstDash val="solid"/>
-                      <a:round/>
-                      <a:headEnd type="none" w="sm" len="sm"/>
-                      <a:tailEnd type="none" w="sm" len="sm"/>
-                    </a:lnL>
-                    <a:lnR w="12700" cap="flat" cmpd="sng">
-                      <a:solidFill>
-                        <a:schemeClr val="dk1"/>
-                      </a:solidFill>
-                      <a:prstDash val="solid"/>
-                      <a:round/>
-                      <a:headEnd type="none" w="sm" len="sm"/>
-                      <a:tailEnd type="none" w="sm" len="sm"/>
-                    </a:lnR>
-                    <a:lnT w="12700" cap="flat" cmpd="sng">
-                      <a:solidFill>
-                        <a:schemeClr val="dk1"/>
-                      </a:solidFill>
-                      <a:prstDash val="solid"/>
-                      <a:round/>
-                      <a:headEnd type="none" w="sm" len="sm"/>
-                      <a:tailEnd type="none" w="sm" len="sm"/>
-                    </a:lnT>
-                    <a:lnB w="12700" cap="flat" cmpd="sng">
-                      <a:solidFill>
-                        <a:schemeClr val="dk1"/>
-                      </a:solidFill>
-                      <a:prstDash val="solid"/>
-                      <a:round/>
-                      <a:headEnd type="none" w="sm" len="sm"/>
-                      <a:tailEnd type="none" w="sm" len="sm"/>
-                    </a:lnB>
-                    <a:solidFill>
-                      <a:srgbClr val="D8D8D8"/>
-                    </a:solidFill>
-                  </a:tcPr>
-                </a:tc>
-                <a:tc>
-                  <a:txBody>
-                    <a:bodyPr/>
-                    <a:lstStyle/>
-                    <a:p>
-                      <a:pPr marL="0" marR="0" lvl="0" indent="0" algn="ctr" rtl="0">
-                        <a:lnSpc>
-                          <a:spcPct val="100000"/>
-                        </a:lnSpc>
-                        <a:spcBef>
-                          <a:spcPts val="0"/>
-                        </a:spcBef>
-                        <a:spcAft>
-                          <a:spcPts val="0"/>
-                        </a:spcAft>
-                        <a:buClr>
-                          <a:srgbClr val="000000"/>
-                        </a:buClr>
-                        <a:buSzPts val="1500"/>
-                        <a:buFont typeface="Arial"/>
-                        <a:buNone/>
-                      </a:pPr>
-                      <a:r>
-                        <a:rPr lang="en-US" sz="1500" b="0" u="none" strike="noStrike" cap="none" dirty="0">
-                          <a:solidFill>
-                            <a:schemeClr val="dk1"/>
-                          </a:solidFill>
-                        </a:rPr>
-                        <a:t>1</a:t>
-                      </a:r>
-                      <a:endParaRPr sz="1500" b="0" u="none" strike="noStrike" cap="none" dirty="0">
-                        <a:solidFill>
-                          <a:schemeClr val="dk1"/>
-                        </a:solidFill>
-                      </a:endParaRPr>
-                    </a:p>
-                  </a:txBody>
-                  <a:tcPr marL="91451" marR="91451" marT="45725" marB="45725" anchor="ctr">
-                    <a:lnL w="12700" cap="flat" cmpd="sng">
-                      <a:solidFill>
-                        <a:schemeClr val="dk1"/>
-                      </a:solidFill>
-                      <a:prstDash val="solid"/>
-                      <a:round/>
-                      <a:headEnd type="none" w="sm" len="sm"/>
-                      <a:tailEnd type="none" w="sm" len="sm"/>
-                    </a:lnL>
-                    <a:lnR w="12700" cap="flat" cmpd="sng">
-                      <a:solidFill>
-                        <a:schemeClr val="dk1"/>
-                      </a:solidFill>
-                      <a:prstDash val="solid"/>
-                      <a:round/>
-                      <a:headEnd type="none" w="sm" len="sm"/>
-                      <a:tailEnd type="none" w="sm" len="sm"/>
-                    </a:lnR>
-                    <a:lnT w="12700" cap="flat" cmpd="sng">
-                      <a:solidFill>
-                        <a:schemeClr val="dk1"/>
-                      </a:solidFill>
-                      <a:prstDash val="solid"/>
-                      <a:round/>
-                      <a:headEnd type="none" w="sm" len="sm"/>
-                      <a:tailEnd type="none" w="sm" len="sm"/>
-                    </a:lnT>
-                    <a:lnB w="12700" cap="flat" cmpd="sng">
-                      <a:solidFill>
-                        <a:schemeClr val="dk1"/>
-                      </a:solidFill>
-                      <a:prstDash val="solid"/>
-                      <a:round/>
-                      <a:headEnd type="none" w="sm" len="sm"/>
-                      <a:tailEnd type="none" w="sm" len="sm"/>
-                    </a:lnB>
-                    <a:solidFill>
-                      <a:schemeClr val="lt1"/>
-                    </a:solidFill>
-                  </a:tcPr>
-                </a:tc>
-                <a:extLst>
-                  <a:ext uri="{0D108BD9-81ED-4DB2-BD59-A6C34878D82A}">
-                    <a16:rowId xmlns:a16="http://schemas.microsoft.com/office/drawing/2014/main" val="10000"/>
-                  </a:ext>
-                </a:extLst>
-              </a:tr>
-            </a:tbl>
-          </a:graphicData>
-        </a:graphic>
-      </p:graphicFrame>
-      <p:graphicFrame>
-        <p:nvGraphicFramePr>
-          <p:cNvPr id="94" name="Google Shape;94;g7c553259d1_0_3"/>
-          <p:cNvGraphicFramePr/>
-          <p:nvPr/>
-        </p:nvGraphicFramePr>
-        <p:xfrm>
-          <a:off x="6200086" y="197403"/>
-          <a:ext cx="2815500" cy="320050"/>
-        </p:xfrm>
-        <a:graphic>
-          <a:graphicData uri="http://schemas.openxmlformats.org/drawingml/2006/table">
-            <a:tbl>
-              <a:tblPr firstRow="1" bandRow="1">
-                <a:noFill/>
-              </a:tblPr>
-              <a:tblGrid>
-                <a:gridCol w="1407750">
-                  <a:extLst>
-                    <a:ext uri="{9D8B030D-6E8A-4147-A177-3AD203B41FA5}">
-                      <a16:colId xmlns:a16="http://schemas.microsoft.com/office/drawing/2014/main" val="20000"/>
-                    </a:ext>
-                  </a:extLst>
-                </a:gridCol>
-                <a:gridCol w="1407750">
-                  <a:extLst>
-                    <a:ext uri="{9D8B030D-6E8A-4147-A177-3AD203B41FA5}">
-                      <a16:colId xmlns:a16="http://schemas.microsoft.com/office/drawing/2014/main" val="20001"/>
-                    </a:ext>
-                  </a:extLst>
-                </a:gridCol>
-              </a:tblGrid>
-              <a:tr h="265075">
-                <a:tc>
-                  <a:txBody>
-                    <a:bodyPr/>
-                    <a:lstStyle/>
-                    <a:p>
-                      <a:pPr marL="0" marR="0" lvl="0" indent="0" algn="ctr" rtl="0">
-                        <a:lnSpc>
-                          <a:spcPct val="100000"/>
-                        </a:lnSpc>
-                        <a:spcBef>
-                          <a:spcPts val="0"/>
-                        </a:spcBef>
-                        <a:spcAft>
-                          <a:spcPts val="0"/>
-                        </a:spcAft>
-                        <a:buClr>
-                          <a:srgbClr val="000000"/>
-                        </a:buClr>
-                        <a:buSzPts val="1500"/>
-                        <a:buFont typeface="Arial"/>
-                        <a:buNone/>
-                      </a:pPr>
-                      <a:r>
-                        <a:rPr lang="ko-KR" sz="1500" b="0" u="none" strike="noStrike" cap="none">
-                          <a:solidFill>
-                            <a:schemeClr val="dk1"/>
-                          </a:solidFill>
-                        </a:rPr>
-                        <a:t>프로젝트</a:t>
-                      </a:r>
-                      <a:endParaRPr sz="1500" b="0" u="none" strike="noStrike" cap="none">
-                        <a:solidFill>
-                          <a:schemeClr val="dk1"/>
-                        </a:solidFill>
-                      </a:endParaRPr>
-                    </a:p>
-                  </a:txBody>
-                  <a:tcPr marL="91451" marR="91451" marT="45725" marB="45725" anchor="ctr">
-                    <a:lnL w="12700" cap="flat" cmpd="sng">
-                      <a:solidFill>
-                        <a:schemeClr val="dk1"/>
-                      </a:solidFill>
-                      <a:prstDash val="solid"/>
-                      <a:round/>
-                      <a:headEnd type="none" w="sm" len="sm"/>
-                      <a:tailEnd type="none" w="sm" len="sm"/>
-                    </a:lnL>
-                    <a:lnR w="12700" cap="flat" cmpd="sng">
-                      <a:solidFill>
-                        <a:schemeClr val="dk1"/>
-                      </a:solidFill>
-                      <a:prstDash val="solid"/>
-                      <a:round/>
-                      <a:headEnd type="none" w="sm" len="sm"/>
-                      <a:tailEnd type="none" w="sm" len="sm"/>
-                    </a:lnR>
-                    <a:lnT w="12700" cap="flat" cmpd="sng">
-                      <a:solidFill>
-                        <a:schemeClr val="dk1"/>
-                      </a:solidFill>
-                      <a:prstDash val="solid"/>
-                      <a:round/>
-                      <a:headEnd type="none" w="sm" len="sm"/>
-                      <a:tailEnd type="none" w="sm" len="sm"/>
-                    </a:lnT>
-                    <a:lnB w="12700" cap="flat" cmpd="sng">
-                      <a:solidFill>
-                        <a:schemeClr val="dk1"/>
-                      </a:solidFill>
-                      <a:prstDash val="solid"/>
-                      <a:round/>
-                      <a:headEnd type="none" w="sm" len="sm"/>
-                      <a:tailEnd type="none" w="sm" len="sm"/>
-                    </a:lnB>
-                    <a:solidFill>
-                      <a:srgbClr val="D8D8D8"/>
-                    </a:solidFill>
-                  </a:tcPr>
-                </a:tc>
-                <a:tc>
-                  <a:txBody>
-                    <a:bodyPr/>
-                    <a:lstStyle/>
-                    <a:p>
-                      <a:pPr marL="0" marR="0" lvl="0" indent="0" algn="ctr" rtl="0">
-                        <a:lnSpc>
-                          <a:spcPct val="100000"/>
-                        </a:lnSpc>
-                        <a:spcBef>
-                          <a:spcPts val="0"/>
-                        </a:spcBef>
-                        <a:spcAft>
-                          <a:spcPts val="0"/>
-                        </a:spcAft>
-                        <a:buClr>
-                          <a:srgbClr val="000000"/>
-                        </a:buClr>
-                        <a:buSzPts val="1500"/>
-                        <a:buFont typeface="Arial"/>
-                        <a:buNone/>
-                      </a:pPr>
-                      <a:endParaRPr sz="1500" b="0" u="none" strike="noStrike" cap="none">
-                        <a:solidFill>
-                          <a:schemeClr val="dk1"/>
-                        </a:solidFill>
-                      </a:endParaRPr>
-                    </a:p>
-                  </a:txBody>
-                  <a:tcPr marL="91451" marR="91451" marT="45725" marB="45725" anchor="ctr">
-                    <a:lnL w="12700" cap="flat" cmpd="sng">
-                      <a:solidFill>
-                        <a:schemeClr val="dk1"/>
-                      </a:solidFill>
-                      <a:prstDash val="solid"/>
-                      <a:round/>
-                      <a:headEnd type="none" w="sm" len="sm"/>
-                      <a:tailEnd type="none" w="sm" len="sm"/>
-                    </a:lnL>
-                    <a:lnR w="12700" cap="flat" cmpd="sng">
-                      <a:solidFill>
-                        <a:schemeClr val="dk1"/>
-                      </a:solidFill>
-                      <a:prstDash val="solid"/>
-                      <a:round/>
-                      <a:headEnd type="none" w="sm" len="sm"/>
-                      <a:tailEnd type="none" w="sm" len="sm"/>
-                    </a:lnR>
-                    <a:lnT w="12700" cap="flat" cmpd="sng">
-                      <a:solidFill>
-                        <a:schemeClr val="dk1"/>
-                      </a:solidFill>
-                      <a:prstDash val="solid"/>
-                      <a:round/>
-                      <a:headEnd type="none" w="sm" len="sm"/>
-                      <a:tailEnd type="none" w="sm" len="sm"/>
-                    </a:lnT>
-                    <a:lnB w="12700" cap="flat" cmpd="sng">
-                      <a:solidFill>
-                        <a:schemeClr val="dk1"/>
-                      </a:solidFill>
-                      <a:prstDash val="solid"/>
-                      <a:round/>
-                      <a:headEnd type="none" w="sm" len="sm"/>
-                      <a:tailEnd type="none" w="sm" len="sm"/>
-                    </a:lnB>
-                    <a:solidFill>
-                      <a:schemeClr val="lt1"/>
-                    </a:solidFill>
-                  </a:tcPr>
-                </a:tc>
-                <a:extLst>
-                  <a:ext uri="{0D108BD9-81ED-4DB2-BD59-A6C34878D82A}">
-                    <a16:rowId xmlns:a16="http://schemas.microsoft.com/office/drawing/2014/main" val="10000"/>
-                  </a:ext>
-                </a:extLst>
-              </a:tr>
-            </a:tbl>
-          </a:graphicData>
-        </a:graphic>
-      </p:graphicFrame>
-      <p:graphicFrame>
-        <p:nvGraphicFramePr>
-          <p:cNvPr id="96" name="Google Shape;96;g7c553259d1_0_3"/>
-          <p:cNvGraphicFramePr/>
-          <p:nvPr>
-            <p:extLst>
-              <p:ext uri="{D42A27DB-BD31-4B8C-83A1-F6EECF244321}">
-                <p14:modId xmlns:p14="http://schemas.microsoft.com/office/powerpoint/2010/main" val="3165704735"/>
-              </p:ext>
-            </p:extLst>
-          </p:nvPr>
-        </p:nvGraphicFramePr>
-        <p:xfrm>
-          <a:off x="8843382" y="836712"/>
-          <a:ext cx="2952330" cy="2221148"/>
-        </p:xfrm>
-        <a:graphic>
-          <a:graphicData uri="http://schemas.openxmlformats.org/drawingml/2006/table">
-            <a:tbl>
-              <a:tblPr firstRow="1" bandRow="1">
-                <a:noFill/>
-              </a:tblPr>
-              <a:tblGrid>
-                <a:gridCol w="289755">
-                  <a:extLst>
-                    <a:ext uri="{9D8B030D-6E8A-4147-A177-3AD203B41FA5}">
-                      <a16:colId xmlns:a16="http://schemas.microsoft.com/office/drawing/2014/main" val="20000"/>
-                    </a:ext>
-                  </a:extLst>
-                </a:gridCol>
-                <a:gridCol w="2662575">
-                  <a:extLst>
-                    <a:ext uri="{9D8B030D-6E8A-4147-A177-3AD203B41FA5}">
-                      <a16:colId xmlns:a16="http://schemas.microsoft.com/office/drawing/2014/main" val="20001"/>
-                    </a:ext>
-                  </a:extLst>
-                </a:gridCol>
-              </a:tblGrid>
-              <a:tr h="286673">
-                <a:tc>
-                  <a:txBody>
-                    <a:bodyPr/>
-                    <a:lstStyle/>
-                    <a:p>
-                      <a:pPr marL="0" marR="0" lvl="0" indent="0" algn="ctr" rtl="0">
-                        <a:lnSpc>
-                          <a:spcPct val="100000"/>
-                        </a:lnSpc>
-                        <a:spcBef>
-                          <a:spcPts val="0"/>
-                        </a:spcBef>
-                        <a:spcAft>
-                          <a:spcPts val="0"/>
-                        </a:spcAft>
-                        <a:buClr>
-                          <a:srgbClr val="000000"/>
-                        </a:buClr>
-                        <a:buSzPts val="1500"/>
-                        <a:buFont typeface="Arial"/>
-                        <a:buNone/>
-                      </a:pPr>
-                      <a:r>
-                        <a:rPr lang="ko-KR" sz="1500" u="none" strike="noStrike" cap="none" dirty="0">
-                          <a:solidFill>
-                            <a:schemeClr val="dk1"/>
-                          </a:solidFill>
-                        </a:rPr>
-                        <a:t>#</a:t>
-                      </a:r>
-                      <a:endParaRPr sz="1500" u="none" strike="noStrike" cap="none" dirty="0">
-                        <a:solidFill>
-                          <a:schemeClr val="dk1"/>
-                        </a:solidFill>
-                      </a:endParaRPr>
-                    </a:p>
-                  </a:txBody>
-                  <a:tcPr marL="91451" marR="91451" marT="45725" marB="45725" anchor="ctr">
-                    <a:lnL w="12700" cap="flat" cmpd="sng">
-                      <a:solidFill>
-                        <a:schemeClr val="dk1"/>
-                      </a:solidFill>
-                      <a:prstDash val="solid"/>
-                      <a:round/>
-                      <a:headEnd type="none" w="sm" len="sm"/>
-                      <a:tailEnd type="none" w="sm" len="sm"/>
-                    </a:lnL>
-                    <a:lnR w="12700" cap="flat" cmpd="sng">
-                      <a:solidFill>
-                        <a:schemeClr val="dk1"/>
-                      </a:solidFill>
-                      <a:prstDash val="solid"/>
-                      <a:round/>
-                      <a:headEnd type="none" w="sm" len="sm"/>
-                      <a:tailEnd type="none" w="sm" len="sm"/>
-                    </a:lnR>
-                    <a:lnT w="12700" cap="flat" cmpd="sng">
-                      <a:solidFill>
-                        <a:schemeClr val="dk1"/>
-                      </a:solidFill>
-                      <a:prstDash val="solid"/>
-                      <a:round/>
-                      <a:headEnd type="none" w="sm" len="sm"/>
-                      <a:tailEnd type="none" w="sm" len="sm"/>
-                    </a:lnT>
-                    <a:lnB w="12700" cap="flat" cmpd="sng">
-                      <a:solidFill>
-                        <a:schemeClr val="dk1"/>
-                      </a:solidFill>
-                      <a:prstDash val="solid"/>
-                      <a:round/>
-                      <a:headEnd type="none" w="sm" len="sm"/>
-                      <a:tailEnd type="none" w="sm" len="sm"/>
-                    </a:lnB>
-                    <a:solidFill>
-                      <a:srgbClr val="D8D8D8"/>
-                    </a:solidFill>
-                  </a:tcPr>
-                </a:tc>
-                <a:tc>
-                  <a:txBody>
-                    <a:bodyPr/>
-                    <a:lstStyle/>
-                    <a:p>
-                      <a:pPr marL="0" marR="0" lvl="0" indent="0" algn="ctr" rtl="0">
-                        <a:lnSpc>
-                          <a:spcPct val="100000"/>
-                        </a:lnSpc>
-                        <a:spcBef>
-                          <a:spcPts val="0"/>
-                        </a:spcBef>
-                        <a:spcAft>
-                          <a:spcPts val="0"/>
-                        </a:spcAft>
-                        <a:buClr>
-                          <a:srgbClr val="000000"/>
-                        </a:buClr>
-                        <a:buSzPts val="1500"/>
-                        <a:buFont typeface="Arial"/>
-                        <a:buNone/>
-                      </a:pPr>
-                      <a:r>
-                        <a:rPr lang="ko-KR" sz="1500" u="none" strike="noStrike" cap="none" dirty="0" err="1">
-                          <a:solidFill>
-                            <a:schemeClr val="dk1"/>
-                          </a:solidFill>
-                        </a:rPr>
-                        <a:t>기능명</a:t>
-                      </a:r>
-                      <a:endParaRPr sz="1500" u="none" strike="noStrike" cap="none" dirty="0">
-                        <a:solidFill>
-                          <a:schemeClr val="dk1"/>
-                        </a:solidFill>
-                      </a:endParaRPr>
-                    </a:p>
-                  </a:txBody>
-                  <a:tcPr marL="91451" marR="91451" marT="45725" marB="45725" anchor="ctr">
-                    <a:lnL w="12700" cap="flat" cmpd="sng">
-                      <a:solidFill>
-                        <a:schemeClr val="dk1"/>
-                      </a:solidFill>
-                      <a:prstDash val="solid"/>
-                      <a:round/>
-                      <a:headEnd type="none" w="sm" len="sm"/>
-                      <a:tailEnd type="none" w="sm" len="sm"/>
-                    </a:lnL>
-                    <a:lnR w="12700" cap="flat" cmpd="sng">
-                      <a:solidFill>
-                        <a:schemeClr val="dk1"/>
-                      </a:solidFill>
-                      <a:prstDash val="solid"/>
-                      <a:round/>
-                      <a:headEnd type="none" w="sm" len="sm"/>
-                      <a:tailEnd type="none" w="sm" len="sm"/>
-                    </a:lnR>
-                    <a:lnT w="12700" cap="flat" cmpd="sng">
-                      <a:solidFill>
-                        <a:schemeClr val="dk1"/>
-                      </a:solidFill>
-                      <a:prstDash val="solid"/>
-                      <a:round/>
-                      <a:headEnd type="none" w="sm" len="sm"/>
-                      <a:tailEnd type="none" w="sm" len="sm"/>
-                    </a:lnT>
-                    <a:lnB w="12700" cap="flat" cmpd="sng">
-                      <a:solidFill>
-                        <a:schemeClr val="dk1"/>
-                      </a:solidFill>
-                      <a:prstDash val="solid"/>
-                      <a:round/>
-                      <a:headEnd type="none" w="sm" len="sm"/>
-                      <a:tailEnd type="none" w="sm" len="sm"/>
-                    </a:lnB>
-                    <a:solidFill>
-                      <a:srgbClr val="D8D8D8"/>
-                    </a:solidFill>
-                  </a:tcPr>
-                </a:tc>
-                <a:extLst>
-                  <a:ext uri="{0D108BD9-81ED-4DB2-BD59-A6C34878D82A}">
-                    <a16:rowId xmlns:a16="http://schemas.microsoft.com/office/drawing/2014/main" val="10000"/>
-                  </a:ext>
-                </a:extLst>
-              </a:tr>
-              <a:tr h="328022">
-                <a:tc>
-                  <a:txBody>
-                    <a:bodyPr/>
-                    <a:lstStyle/>
-                    <a:p>
-                      <a:pPr marL="0" marR="0" lvl="0" indent="0" algn="ctr" rtl="0">
-                        <a:lnSpc>
-                          <a:spcPct val="100000"/>
-                        </a:lnSpc>
-                        <a:spcBef>
-                          <a:spcPts val="0"/>
-                        </a:spcBef>
-                        <a:spcAft>
-                          <a:spcPts val="0"/>
-                        </a:spcAft>
-                        <a:buClr>
-                          <a:srgbClr val="000000"/>
-                        </a:buClr>
-                        <a:buSzPts val="1500"/>
-                        <a:buFont typeface="Arial"/>
-                        <a:buNone/>
-                      </a:pPr>
-                      <a:r>
-                        <a:rPr lang="ko-KR" sz="1500" u="none" strike="noStrike" cap="none">
-                          <a:solidFill>
-                            <a:schemeClr val="dk1"/>
-                          </a:solidFill>
-                        </a:rPr>
-                        <a:t>1</a:t>
-                      </a:r>
-                      <a:endParaRPr sz="1500" u="none" strike="noStrike" cap="none">
-                        <a:solidFill>
-                          <a:schemeClr val="dk1"/>
-                        </a:solidFill>
-                      </a:endParaRPr>
-                    </a:p>
-                  </a:txBody>
-                  <a:tcPr marL="91451" marR="91451" marT="45725" marB="45725" anchor="ctr">
-                    <a:lnL w="12700" cap="flat" cmpd="sng">
-                      <a:solidFill>
-                        <a:schemeClr val="dk1"/>
-                      </a:solidFill>
-                      <a:prstDash val="solid"/>
-                      <a:round/>
-                      <a:headEnd type="none" w="sm" len="sm"/>
-                      <a:tailEnd type="none" w="sm" len="sm"/>
-                    </a:lnL>
-                    <a:lnR w="12700" cap="flat" cmpd="sng">
-                      <a:solidFill>
-                        <a:schemeClr val="dk1"/>
-                      </a:solidFill>
-                      <a:prstDash val="solid"/>
-                      <a:round/>
-                      <a:headEnd type="none" w="sm" len="sm"/>
-                      <a:tailEnd type="none" w="sm" len="sm"/>
-                    </a:lnR>
-                    <a:lnT w="12700" cap="flat" cmpd="sng">
-                      <a:solidFill>
-                        <a:schemeClr val="dk1"/>
-                      </a:solidFill>
-                      <a:prstDash val="solid"/>
-                      <a:round/>
-                      <a:headEnd type="none" w="sm" len="sm"/>
-                      <a:tailEnd type="none" w="sm" len="sm"/>
-                    </a:lnT>
-                    <a:lnB w="12700" cap="flat" cmpd="sng">
-                      <a:solidFill>
-                        <a:schemeClr val="dk1"/>
-                      </a:solidFill>
-                      <a:prstDash val="solid"/>
-                      <a:round/>
-                      <a:headEnd type="none" w="sm" len="sm"/>
-                      <a:tailEnd type="none" w="sm" len="sm"/>
-                    </a:lnB>
-                    <a:solidFill>
-                      <a:schemeClr val="lt1"/>
-                    </a:solidFill>
-                  </a:tcPr>
-                </a:tc>
-                <a:tc>
-                  <a:txBody>
-                    <a:bodyPr/>
-                    <a:lstStyle/>
-                    <a:p>
-                      <a:pPr marL="133350" marR="0" lvl="0" indent="0" algn="l" rtl="0">
-                        <a:lnSpc>
-                          <a:spcPct val="100000"/>
-                        </a:lnSpc>
-                        <a:spcBef>
-                          <a:spcPts val="0"/>
-                        </a:spcBef>
-                        <a:spcAft>
-                          <a:spcPts val="0"/>
-                        </a:spcAft>
-                        <a:buClr>
-                          <a:srgbClr val="000000"/>
-                        </a:buClr>
-                        <a:buSzPts val="1500"/>
-                        <a:buFont typeface="Arial"/>
-                        <a:buNone/>
-                        <a:tabLst/>
-                      </a:pPr>
-                      <a:r>
-                        <a:rPr lang="ko-KR" altLang="en-US" sz="1300" b="0" u="none" strike="noStrike" cap="none" dirty="0" err="1"/>
-                        <a:t>신고카테고리</a:t>
-                      </a:r>
-                      <a:r>
-                        <a:rPr lang="ko-KR" altLang="en-US" sz="1300" b="0" u="none" strike="noStrike" cap="none" dirty="0"/>
-                        <a:t> 선택</a:t>
-                      </a:r>
-                      <a:endParaRPr lang="en-US" altLang="ko-KR" sz="1300" b="0" u="none" strike="noStrike" cap="none" dirty="0"/>
-                    </a:p>
-                    <a:p>
-                      <a:pPr marL="133350" marR="0" lvl="0" indent="0" algn="l" rtl="0">
-                        <a:lnSpc>
-                          <a:spcPct val="100000"/>
-                        </a:lnSpc>
-                        <a:spcBef>
-                          <a:spcPts val="0"/>
-                        </a:spcBef>
-                        <a:spcAft>
-                          <a:spcPts val="0"/>
-                        </a:spcAft>
-                        <a:buClr>
-                          <a:srgbClr val="000000"/>
-                        </a:buClr>
-                        <a:buSzPts val="1500"/>
-                        <a:buFont typeface="Arial"/>
-                        <a:buNone/>
-                        <a:tabLst/>
-                      </a:pPr>
-                      <a:r>
-                        <a:rPr lang="ko-KR" altLang="en-US" sz="1300" b="0" u="none" strike="noStrike" cap="none" dirty="0"/>
-                        <a:t>종류</a:t>
-                      </a:r>
-                      <a:r>
-                        <a:rPr lang="en-US" altLang="ko-KR" sz="1300" b="0" u="none" strike="noStrike" cap="none" dirty="0"/>
-                        <a:t>(</a:t>
-                      </a:r>
-                      <a:r>
-                        <a:rPr lang="ko-KR" altLang="en-US" sz="1300" b="0" u="none" strike="noStrike" cap="none" dirty="0"/>
-                        <a:t>광고</a:t>
-                      </a:r>
-                      <a:r>
-                        <a:rPr lang="en-US" altLang="ko-KR" sz="1300" b="0" u="none" strike="noStrike" cap="none" dirty="0"/>
-                        <a:t>, </a:t>
-                      </a:r>
-                      <a:r>
-                        <a:rPr lang="ko-KR" altLang="en-US" sz="1300" b="0" u="none" strike="noStrike" cap="none" dirty="0"/>
-                        <a:t>물품정보 부정확</a:t>
-                      </a:r>
-                      <a:r>
-                        <a:rPr lang="en-US" altLang="ko-KR" sz="1300" b="0" u="none" strike="noStrike" cap="none" dirty="0"/>
-                        <a:t>, </a:t>
-                      </a:r>
-                      <a:r>
-                        <a:rPr lang="ko-KR" altLang="en-US" sz="1300" b="0" u="none" strike="noStrike" cap="none" dirty="0"/>
-                        <a:t>거래 금지 품목</a:t>
-                      </a:r>
-                      <a:r>
-                        <a:rPr lang="en-US" altLang="ko-KR" sz="1300" b="0" u="none" strike="noStrike" cap="none" dirty="0"/>
-                        <a:t>, </a:t>
-                      </a:r>
-                      <a:r>
-                        <a:rPr lang="ko-KR" altLang="en-US" sz="1300" b="0" u="none" strike="noStrike" cap="none" dirty="0"/>
-                        <a:t>언어폭력</a:t>
-                      </a:r>
-                      <a:r>
-                        <a:rPr lang="en-US" altLang="ko-KR" sz="1300" b="0" u="none" strike="noStrike" cap="none" dirty="0"/>
-                        <a:t>, </a:t>
-                      </a:r>
-                      <a:r>
-                        <a:rPr lang="ko-KR" altLang="en-US" sz="1300" b="0" u="none" strike="noStrike" cap="none" dirty="0"/>
-                        <a:t>기타사유</a:t>
-                      </a:r>
-                      <a:r>
-                        <a:rPr lang="en-US" altLang="ko-KR" sz="1300" b="0" u="none" strike="noStrike" cap="none" dirty="0"/>
-                        <a:t>, </a:t>
-                      </a:r>
-                      <a:r>
-                        <a:rPr lang="ko-KR" altLang="en-US" sz="1300" b="0" u="none" strike="noStrike" cap="none" dirty="0"/>
-                        <a:t>기타 사유</a:t>
-                      </a:r>
-                      <a:r>
-                        <a:rPr lang="en-US" altLang="ko-KR" sz="1300" b="0" u="none" strike="noStrike" cap="none" dirty="0"/>
-                        <a:t>)</a:t>
-                      </a:r>
-                    </a:p>
-                    <a:p>
-                      <a:pPr marL="133350" marR="0" lvl="0" indent="0" algn="l" rtl="0">
-                        <a:lnSpc>
-                          <a:spcPct val="100000"/>
-                        </a:lnSpc>
-                        <a:spcBef>
-                          <a:spcPts val="0"/>
-                        </a:spcBef>
-                        <a:spcAft>
-                          <a:spcPts val="0"/>
-                        </a:spcAft>
-                        <a:buClr>
-                          <a:srgbClr val="000000"/>
-                        </a:buClr>
-                        <a:buSzPts val="1500"/>
-                        <a:buFont typeface="Arial"/>
-                        <a:buNone/>
-                        <a:tabLst/>
-                      </a:pPr>
-                      <a:r>
-                        <a:rPr lang="ko-KR" altLang="en-US" sz="1300" b="0" u="none" strike="noStrike" cap="none" dirty="0" err="1"/>
-                        <a:t>셀렉트</a:t>
-                      </a:r>
-                      <a:r>
-                        <a:rPr lang="ko-KR" altLang="en-US" sz="1300" b="0" u="none" strike="noStrike" cap="none" dirty="0"/>
-                        <a:t> 메뉴로 선택가능</a:t>
-                      </a:r>
-                      <a:r>
-                        <a:rPr lang="en-US" altLang="ko-KR" sz="1300" b="0" u="none" strike="noStrike" cap="none" dirty="0"/>
-                        <a:t>.</a:t>
-                      </a:r>
-                      <a:endParaRPr sz="1300" b="0" u="none" strike="noStrike" cap="none" dirty="0"/>
-                    </a:p>
-                  </a:txBody>
-                  <a:tcPr marL="91451" marR="91451" marT="45725" marB="45725">
-                    <a:lnL w="12700" cap="flat" cmpd="sng">
-                      <a:solidFill>
-                        <a:schemeClr val="dk1"/>
-                      </a:solidFill>
-                      <a:prstDash val="solid"/>
-                      <a:round/>
-                      <a:headEnd type="none" w="sm" len="sm"/>
-                      <a:tailEnd type="none" w="sm" len="sm"/>
-                    </a:lnL>
-                    <a:lnR w="12700" cap="flat" cmpd="sng">
-                      <a:solidFill>
-                        <a:schemeClr val="dk1"/>
-                      </a:solidFill>
-                      <a:prstDash val="solid"/>
-                      <a:round/>
-                      <a:headEnd type="none" w="sm" len="sm"/>
-                      <a:tailEnd type="none" w="sm" len="sm"/>
-                    </a:lnR>
-                    <a:lnT w="12700" cap="flat" cmpd="sng">
-                      <a:solidFill>
-                        <a:schemeClr val="dk1"/>
-                      </a:solidFill>
-                      <a:prstDash val="solid"/>
-                      <a:round/>
-                      <a:headEnd type="none" w="sm" len="sm"/>
-                      <a:tailEnd type="none" w="sm" len="sm"/>
-                    </a:lnT>
-                    <a:lnB w="12700" cap="flat" cmpd="sng">
-                      <a:solidFill>
-                        <a:schemeClr val="dk1"/>
-                      </a:solidFill>
-                      <a:prstDash val="solid"/>
-                      <a:round/>
-                      <a:headEnd type="none" w="sm" len="sm"/>
-                      <a:tailEnd type="none" w="sm" len="sm"/>
-                    </a:lnB>
-                    <a:solidFill>
-                      <a:schemeClr val="lt1"/>
-                    </a:solidFill>
-                  </a:tcPr>
-                </a:tc>
-                <a:extLst>
-                  <a:ext uri="{0D108BD9-81ED-4DB2-BD59-A6C34878D82A}">
-                    <a16:rowId xmlns:a16="http://schemas.microsoft.com/office/drawing/2014/main" val="10001"/>
+                    <a16:rowId xmlns:a16="http://schemas.microsoft.com/office/drawing/2014/main" xmlns="" val="10001"/>
                   </a:ext>
                 </a:extLst>
               </a:tr>
@@ -7258,7 +7378,7 @@
                 </a:tc>
                 <a:extLst>
                   <a:ext uri="{0D108BD9-81ED-4DB2-BD59-A6C34878D82A}">
-                    <a16:rowId xmlns:a16="http://schemas.microsoft.com/office/drawing/2014/main" val="10002"/>
+                    <a16:rowId xmlns:a16="http://schemas.microsoft.com/office/drawing/2014/main" xmlns="" val="10002"/>
                   </a:ext>
                 </a:extLst>
               </a:tr>
@@ -7391,7 +7511,7 @@
           <p:cNvPr id="3" name="그림 2">
             <a:extLst>
               <a:ext uri="{FF2B5EF4-FFF2-40B4-BE49-F238E27FC236}">
-                <a16:creationId xmlns:a16="http://schemas.microsoft.com/office/drawing/2014/main" id="{D861986D-8F39-4D33-833C-3FF60DDAD125}"/>
+                <a16:creationId xmlns:a16="http://schemas.microsoft.com/office/drawing/2014/main" xmlns="" id="{D861986D-8F39-4D33-833C-3FF60DDAD125}"/>
               </a:ext>
             </a:extLst>
           </p:cNvPr>
@@ -7421,7 +7541,7 @@
           <p:cNvPr id="7" name="그림 6">
             <a:extLst>
               <a:ext uri="{FF2B5EF4-FFF2-40B4-BE49-F238E27FC236}">
-                <a16:creationId xmlns:a16="http://schemas.microsoft.com/office/drawing/2014/main" id="{2527C53B-6075-4B7C-ADBE-4D93529C8FE6}"/>
+                <a16:creationId xmlns:a16="http://schemas.microsoft.com/office/drawing/2014/main" xmlns="" id="{2527C53B-6075-4B7C-ADBE-4D93529C8FE6}"/>
               </a:ext>
             </a:extLst>
           </p:cNvPr>
@@ -7451,7 +7571,7 @@
           <p:cNvPr id="9" name="그림 8">
             <a:extLst>
               <a:ext uri="{FF2B5EF4-FFF2-40B4-BE49-F238E27FC236}">
-                <a16:creationId xmlns:a16="http://schemas.microsoft.com/office/drawing/2014/main" id="{915285E6-A348-42D4-82B1-E5D6FD69B4C7}"/>
+                <a16:creationId xmlns:a16="http://schemas.microsoft.com/office/drawing/2014/main" xmlns="" id="{915285E6-A348-42D4-82B1-E5D6FD69B4C7}"/>
               </a:ext>
             </a:extLst>
           </p:cNvPr>
@@ -7481,7 +7601,7 @@
           <p:cNvPr id="10" name="직사각형 9">
             <a:extLst>
               <a:ext uri="{FF2B5EF4-FFF2-40B4-BE49-F238E27FC236}">
-                <a16:creationId xmlns:a16="http://schemas.microsoft.com/office/drawing/2014/main" id="{35C3B0B1-7F6F-44FE-AE86-D806A88C2128}"/>
+                <a16:creationId xmlns:a16="http://schemas.microsoft.com/office/drawing/2014/main" xmlns="" id="{35C3B0B1-7F6F-44FE-AE86-D806A88C2128}"/>
               </a:ext>
             </a:extLst>
           </p:cNvPr>
@@ -7533,7 +7653,7 @@
           <p:cNvPr id="2" name="직사각형 1">
             <a:extLst>
               <a:ext uri="{FF2B5EF4-FFF2-40B4-BE49-F238E27FC236}">
-                <a16:creationId xmlns:a16="http://schemas.microsoft.com/office/drawing/2014/main" id="{A73141F2-865F-4C65-8E55-33AE0451584A}"/>
+                <a16:creationId xmlns:a16="http://schemas.microsoft.com/office/drawing/2014/main" xmlns="" id="{A73141F2-865F-4C65-8E55-33AE0451584A}"/>
               </a:ext>
             </a:extLst>
           </p:cNvPr>
@@ -7585,7 +7705,7 @@
           <p:cNvPr id="4" name="직사각형 3">
             <a:extLst>
               <a:ext uri="{FF2B5EF4-FFF2-40B4-BE49-F238E27FC236}">
-                <a16:creationId xmlns:a16="http://schemas.microsoft.com/office/drawing/2014/main" id="{ED2B56F4-8721-482D-AE22-74F46009C328}"/>
+                <a16:creationId xmlns:a16="http://schemas.microsoft.com/office/drawing/2014/main" xmlns="" id="{ED2B56F4-8721-482D-AE22-74F46009C328}"/>
               </a:ext>
             </a:extLst>
           </p:cNvPr>
@@ -7637,7 +7757,7 @@
           <p:cNvPr id="5" name="이등변 삼각형 4">
             <a:extLst>
               <a:ext uri="{FF2B5EF4-FFF2-40B4-BE49-F238E27FC236}">
-                <a16:creationId xmlns:a16="http://schemas.microsoft.com/office/drawing/2014/main" id="{1654D2DB-C631-4C14-8A39-AB6BA51A6F1A}"/>
+                <a16:creationId xmlns:a16="http://schemas.microsoft.com/office/drawing/2014/main" xmlns="" id="{1654D2DB-C631-4C14-8A39-AB6BA51A6F1A}"/>
               </a:ext>
             </a:extLst>
           </p:cNvPr>
@@ -7983,7 +8103,7 @@
   <a:extraClrSchemeLst/>
   <a:extLst>
     <a:ext uri="{05A4C25C-085E-4340-85A3-A5531E510DB2}">
-      <thm15:themeFamily xmlns:thm15="http://schemas.microsoft.com/office/thememl/2012/main" name="Office Theme" id="{62F939B6-93AF-4DB8-9C6B-D6C7DFDC589F}" vid="{4A3C46E8-61CC-4603-A589-7422A47A8E4A}"/>
+      <thm15:themeFamily xmlns:thm15="http://schemas.microsoft.com/office/thememl/2012/main" xmlns="" name="Office Theme" id="{62F939B6-93AF-4DB8-9C6B-D6C7DFDC589F}" vid="{4A3C46E8-61CC-4603-A589-7422A47A8E4A}"/>
     </a:ext>
   </a:extLst>
 </a:theme>
@@ -8278,7 +8398,7 @@
   <a:extraClrSchemeLst/>
   <a:extLst>
     <a:ext uri="{05A4C25C-085E-4340-85A3-A5531E510DB2}">
-      <thm15:themeFamily xmlns:thm15="http://schemas.microsoft.com/office/thememl/2012/main" name="Office Theme" id="{62F939B6-93AF-4DB8-9C6B-D6C7DFDC589F}" vid="{4A3C46E8-61CC-4603-A589-7422A47A8E4A}"/>
+      <thm15:themeFamily xmlns:thm15="http://schemas.microsoft.com/office/thememl/2012/main" xmlns="" name="Office Theme" id="{62F939B6-93AF-4DB8-9C6B-D6C7DFDC589F}" vid="{4A3C46E8-61CC-4603-A589-7422A47A8E4A}"/>
     </a:ext>
   </a:extLst>
 </a:theme>
